--- a/Project File/[SK C&C] 인턴PT_오정택.pptx
+++ b/Project File/[SK C&C] 인턴PT_오정택.pptx
@@ -1,17 +1,17 @@
 
 <file path=ppt/presentation.xml><?xml version="1.0" encoding="utf-8"?>
-<p:presentation xmlns:a="http://schemas.openxmlformats.org/drawingml/2006/main" xmlns:r="http://schemas.openxmlformats.org/officeDocument/2006/relationships" xmlns:p="http://schemas.openxmlformats.org/presentationml/2006/main" saveSubsetFonts="1">
+<p:presentation xmlns:a="http://schemas.openxmlformats.org/drawingml/2006/main" xmlns:r="http://schemas.openxmlformats.org/officeDocument/2006/relationships" xmlns:p="http://schemas.openxmlformats.org/presentationml/2006/main">
   <p:sldMasterIdLst>
-    <p:sldMasterId id="2147483675" r:id="rId4"/>
+    <p:sldMasterId id="2147483648" r:id="rId1"/>
   </p:sldMasterIdLst>
   <p:notesMasterIdLst>
-    <p:notesMasterId r:id="rId6"/>
+    <p:notesMasterId r:id="rId4"/>
   </p:notesMasterIdLst>
   <p:sldIdLst>
-    <p:sldId id="1612" r:id="rId5"/>
+    <p:sldId id="1613" r:id="rId3"/>
   </p:sldIdLst>
   <p:sldSz cx="12192000" cy="6858000"/>
-  <p:notesSz cx="6805613" cy="9939338"/>
+  <p:notesSz cx="6805295" cy="9939020"/>
   <p:defaultTextStyle>
     <a:defPPr>
       <a:defRPr lang="en-US"/>
@@ -107,114 +107,7 @@
       </a:defRPr>
     </a:lvl9pPr>
   </p:defaultTextStyle>
-  <p:extLst>
-    <p:ext uri="{EFAFB233-063F-42B5-8137-9DF3F51BA10A}">
-      <p15:sldGuideLst xmlns:p15="http://schemas.microsoft.com/office/powerpoint/2012/main">
-        <p15:guide id="3" orient="horz" pos="799" userDrawn="1">
-          <p15:clr>
-            <a:srgbClr val="A4A3A4"/>
-          </p15:clr>
-        </p15:guide>
-        <p15:guide id="4" pos="212" userDrawn="1">
-          <p15:clr>
-            <a:srgbClr val="A4A3A4"/>
-          </p15:clr>
-        </p15:guide>
-        <p15:guide id="5" pos="7468" userDrawn="1">
-          <p15:clr>
-            <a:srgbClr val="A4A3A4"/>
-          </p15:clr>
-        </p15:guide>
-        <p15:guide id="6" pos="3704" userDrawn="1">
-          <p15:clr>
-            <a:srgbClr val="A4A3A4"/>
-          </p15:clr>
-        </p15:guide>
-        <p15:guide id="7" pos="3979" userDrawn="1">
-          <p15:clr>
-            <a:srgbClr val="A4A3A4"/>
-          </p15:clr>
-        </p15:guide>
-      </p15:sldGuideLst>
-    </p:ext>
-  </p:extLst>
 </p:presentation>
-</file>
-
-<file path=ppt/revisionInfo.xml><?xml version="1.0" encoding="utf-8"?>
-<p1510:revInfo xmlns:a="http://schemas.openxmlformats.org/drawingml/2006/main" xmlns:r="http://schemas.openxmlformats.org/officeDocument/2006/relationships" xmlns:p1510="http://schemas.microsoft.com/office/powerpoint/2015/10/main">
-  <p1510:revLst>
-    <p1510:client id="{B01E851C-2C51-4DD1-8CA3-F6F6FC04D58E}" v="5" dt="2024-05-28T09:50:00.725"/>
-  </p1510:revLst>
-</p1510:revInfo>
-</file>
-
-<file path=ppt/changesInfos/changesInfo1.xml><?xml version="1.0" encoding="utf-8"?>
-<pc:chgInfo xmlns:a="http://schemas.openxmlformats.org/drawingml/2006/main" xmlns:r="http://schemas.openxmlformats.org/officeDocument/2006/relationships" xmlns:ac="http://schemas.microsoft.com/office/drawing/2013/main/command" xmlns:pc="http://schemas.microsoft.com/office/powerpoint/2013/main/command">
-  <pc:docChgLst>
-    <pc:chgData name="최수빈(CHOI Subin)/Talent Acquisition팀/SK" userId="feedea89-4f13-44ff-8d24-247faa31eae4" providerId="ADAL" clId="{B01E851C-2C51-4DD1-8CA3-F6F6FC04D58E}"/>
-    <pc:docChg chg="modSld">
-      <pc:chgData name="최수빈(CHOI Subin)/Talent Acquisition팀/SK" userId="feedea89-4f13-44ff-8d24-247faa31eae4" providerId="ADAL" clId="{B01E851C-2C51-4DD1-8CA3-F6F6FC04D58E}" dt="2024-05-28T09:50:04.131" v="70" actId="1076"/>
-      <pc:docMkLst>
-        <pc:docMk/>
-      </pc:docMkLst>
-      <pc:sldChg chg="addSp modSp mod">
-        <pc:chgData name="최수빈(CHOI Subin)/Talent Acquisition팀/SK" userId="feedea89-4f13-44ff-8d24-247faa31eae4" providerId="ADAL" clId="{B01E851C-2C51-4DD1-8CA3-F6F6FC04D58E}" dt="2024-05-28T09:50:04.131" v="70" actId="1076"/>
-        <pc:sldMkLst>
-          <pc:docMk/>
-          <pc:sldMk cId="1803719458" sldId="257"/>
-        </pc:sldMkLst>
-        <pc:spChg chg="mod">
-          <ac:chgData name="최수빈(CHOI Subin)/Talent Acquisition팀/SK" userId="feedea89-4f13-44ff-8d24-247faa31eae4" providerId="ADAL" clId="{B01E851C-2C51-4DD1-8CA3-F6F6FC04D58E}" dt="2024-05-27T02:47:22.575" v="20" actId="14100"/>
-          <ac:spMkLst>
-            <pc:docMk/>
-            <pc:sldMk cId="1803719458" sldId="257"/>
-            <ac:spMk id="3" creationId="{C47C8317-B2D8-D036-3E7F-303AB91C273B}"/>
-          </ac:spMkLst>
-        </pc:spChg>
-        <pc:spChg chg="mod">
-          <ac:chgData name="최수빈(CHOI Subin)/Talent Acquisition팀/SK" userId="feedea89-4f13-44ff-8d24-247faa31eae4" providerId="ADAL" clId="{B01E851C-2C51-4DD1-8CA3-F6F6FC04D58E}" dt="2024-05-27T02:46:08.618" v="0" actId="14100"/>
-          <ac:spMkLst>
-            <pc:docMk/>
-            <pc:sldMk cId="1803719458" sldId="257"/>
-            <ac:spMk id="4" creationId="{37AFA13B-E694-2B8C-F9A0-B25164A8D7C4}"/>
-          </ac:spMkLst>
-        </pc:spChg>
-        <pc:spChg chg="mod">
-          <ac:chgData name="최수빈(CHOI Subin)/Talent Acquisition팀/SK" userId="feedea89-4f13-44ff-8d24-247faa31eae4" providerId="ADAL" clId="{B01E851C-2C51-4DD1-8CA3-F6F6FC04D58E}" dt="2024-05-27T02:47:12.570" v="19" actId="20577"/>
-          <ac:spMkLst>
-            <pc:docMk/>
-            <pc:sldMk cId="1803719458" sldId="257"/>
-            <ac:spMk id="8" creationId="{08B86D3D-3F85-DE43-446F-9A42DF6F9657}"/>
-          </ac:spMkLst>
-        </pc:spChg>
-        <pc:spChg chg="add mod">
-          <ac:chgData name="최수빈(CHOI Subin)/Talent Acquisition팀/SK" userId="feedea89-4f13-44ff-8d24-247faa31eae4" providerId="ADAL" clId="{B01E851C-2C51-4DD1-8CA3-F6F6FC04D58E}" dt="2024-05-28T09:50:04.131" v="70" actId="1076"/>
-          <ac:spMkLst>
-            <pc:docMk/>
-            <pc:sldMk cId="1803719458" sldId="257"/>
-            <ac:spMk id="17" creationId="{0774370D-B265-122E-8EEF-6DD53FF4C427}"/>
-          </ac:spMkLst>
-        </pc:spChg>
-      </pc:sldChg>
-      <pc:sldChg chg="modSp mod">
-        <pc:chgData name="최수빈(CHOI Subin)/Talent Acquisition팀/SK" userId="feedea89-4f13-44ff-8d24-247faa31eae4" providerId="ADAL" clId="{B01E851C-2C51-4DD1-8CA3-F6F6FC04D58E}" dt="2024-05-27T02:46:50.204" v="3" actId="14100"/>
-        <pc:sldMkLst>
-          <pc:docMk/>
-          <pc:sldMk cId="4013815448" sldId="258"/>
-        </pc:sldMkLst>
-        <pc:spChg chg="mod">
-          <ac:chgData name="최수빈(CHOI Subin)/Talent Acquisition팀/SK" userId="feedea89-4f13-44ff-8d24-247faa31eae4" providerId="ADAL" clId="{B01E851C-2C51-4DD1-8CA3-F6F6FC04D58E}" dt="2024-05-27T02:46:50.204" v="3" actId="14100"/>
-          <ac:spMkLst>
-            <pc:docMk/>
-            <pc:sldMk cId="4013815448" sldId="258"/>
-            <ac:spMk id="5" creationId="{409F26D9-0FE9-C6E4-1364-2293D2A72952}"/>
-          </ac:spMkLst>
-        </pc:spChg>
-      </pc:sldChg>
-    </pc:docChg>
-  </pc:docChgLst>
-</pc:chgInfo>
 </file>
 
 <file path=ppt/notesMasters/notesMaster1.xml><?xml version="1.0" encoding="utf-8"?>
@@ -299,7 +192,6 @@
           <a:p>
             <a:fld id="{914B4503-D632-46BD-85DC-FA5F87B92E73}" type="datetimeFigureOut">
               <a:rPr lang="ko-KR" altLang="en-US" smtClean="0"/>
-              <a:t>2024-07-22</a:t>
             </a:fld>
             <a:endParaRPr lang="ko-KR" altLang="en-US"/>
           </a:p>
@@ -366,6 +258,7 @@
               <a:rPr lang="ko-KR" altLang="en-US"/>
               <a:t>마스터 텍스트 스타일을 편집하려면 클릭</a:t>
             </a:r>
+            <a:endParaRPr lang="ko-KR" altLang="en-US"/>
           </a:p>
           <a:p>
             <a:pPr lvl="1"/>
@@ -373,6 +266,7 @@
               <a:rPr lang="ko-KR" altLang="en-US"/>
               <a:t>두 번째 수준</a:t>
             </a:r>
+            <a:endParaRPr lang="ko-KR" altLang="en-US"/>
           </a:p>
           <a:p>
             <a:pPr lvl="2"/>
@@ -380,6 +274,7 @@
               <a:rPr lang="ko-KR" altLang="en-US"/>
               <a:t>세 번째 수준</a:t>
             </a:r>
+            <a:endParaRPr lang="ko-KR" altLang="en-US"/>
           </a:p>
           <a:p>
             <a:pPr lvl="3"/>
@@ -387,6 +282,7 @@
               <a:rPr lang="ko-KR" altLang="en-US"/>
               <a:t>네 번째 수준</a:t>
             </a:r>
+            <a:endParaRPr lang="ko-KR" altLang="en-US"/>
           </a:p>
           <a:p>
             <a:pPr lvl="4"/>
@@ -394,6 +290,7 @@
               <a:rPr lang="ko-KR" altLang="en-US"/>
               <a:t>다섯 번째 수준</a:t>
             </a:r>
+            <a:endParaRPr lang="ko-KR" altLang="en-US"/>
           </a:p>
         </p:txBody>
       </p:sp>
@@ -457,18 +354,12 @@
           <a:p>
             <a:fld id="{568A9EA4-0CAE-4AF6-974B-FB4327901468}" type="slidenum">
               <a:rPr lang="ko-KR" altLang="en-US" smtClean="0"/>
-              <a:t>‹#›</a:t>
             </a:fld>
             <a:endParaRPr lang="ko-KR" altLang="en-US"/>
           </a:p>
         </p:txBody>
       </p:sp>
     </p:spTree>
-    <p:extLst>
-      <p:ext uri="{BB962C8B-B14F-4D97-AF65-F5344CB8AC3E}">
-        <p14:creationId xmlns:p14="http://schemas.microsoft.com/office/powerpoint/2010/main" val="3269222362"/>
-      </p:ext>
-    </p:extLst>
   </p:cSld>
   <p:clrMap bg1="lt1" tx1="dk1" bg2="lt2" tx2="dk2" accent1="accent1" accent2="accent2" accent3="accent3" accent4="accent4" accent5="accent5" accent6="accent6" hlink="hlink" folHlink="folHlink"/>
   <p:notesStyle>
@@ -617,11 +508,6 @@
         </p:txBody>
       </p:sp>
     </p:spTree>
-    <p:extLst>
-      <p:ext uri="{BB962C8B-B14F-4D97-AF65-F5344CB8AC3E}">
-        <p14:creationId xmlns:p14="http://schemas.microsoft.com/office/powerpoint/2010/main" val="505520284"/>
-      </p:ext>
-    </p:extLst>
   </p:cSld>
   <p:clrMapOvr>
     <a:masterClrMapping/>
@@ -653,7 +539,7 @@
             <a:spLocks noGrp="1"/>
           </p:cNvSpPr>
           <p:nvPr>
-            <p:ph type="ctrTitle"/>
+            <p:ph type="ctrTitle" hasCustomPrompt="1"/>
           </p:nvPr>
         </p:nvSpPr>
         <p:spPr>
@@ -668,7 +554,7 @@
           </a:bodyPr>
           <a:lstStyle>
             <a:lvl1pPr algn="ctr">
-              <a:defRPr sz="4431"/>
+              <a:defRPr sz="4430"/>
             </a:lvl1pPr>
           </a:lstStyle>
           <a:p>
@@ -687,7 +573,7 @@
             <a:spLocks noGrp="1"/>
           </p:cNvSpPr>
           <p:nvPr>
-            <p:ph type="subTitle" idx="1"/>
+            <p:ph type="subTitle" idx="1" hasCustomPrompt="1"/>
           </p:nvPr>
         </p:nvSpPr>
         <p:spPr>
@@ -706,39 +592,39 @@
                 <a:spcPct val="130000"/>
               </a:lnSpc>
               <a:buNone/>
-              <a:defRPr sz="1969" b="0"/>
+              <a:defRPr sz="1970" b="0"/>
             </a:lvl1pPr>
-            <a:lvl2pPr marL="562722" indent="0" algn="ctr">
-              <a:buNone/>
-              <a:defRPr sz="2462"/>
+            <a:lvl2pPr marL="562610" indent="0" algn="ctr">
+              <a:buNone/>
+              <a:defRPr sz="2460"/>
             </a:lvl2pPr>
-            <a:lvl3pPr marL="1125444" indent="0" algn="ctr">
+            <a:lvl3pPr marL="1125220" indent="0" algn="ctr">
               <a:buNone/>
               <a:defRPr sz="2215"/>
             </a:lvl3pPr>
-            <a:lvl4pPr marL="1688165" indent="0" algn="ctr">
-              <a:buNone/>
-              <a:defRPr sz="1969"/>
+            <a:lvl4pPr marL="1688465" indent="0" algn="ctr">
+              <a:buNone/>
+              <a:defRPr sz="1970"/>
             </a:lvl4pPr>
-            <a:lvl5pPr marL="2250887" indent="0" algn="ctr">
-              <a:buNone/>
-              <a:defRPr sz="1969"/>
+            <a:lvl5pPr marL="2251075" indent="0" algn="ctr">
+              <a:buNone/>
+              <a:defRPr sz="1970"/>
             </a:lvl5pPr>
-            <a:lvl6pPr marL="2813609" indent="0" algn="ctr">
-              <a:buNone/>
-              <a:defRPr sz="1969"/>
+            <a:lvl6pPr marL="2813685" indent="0" algn="ctr">
+              <a:buNone/>
+              <a:defRPr sz="1970"/>
             </a:lvl6pPr>
-            <a:lvl7pPr marL="3376331" indent="0" algn="ctr">
-              <a:buNone/>
-              <a:defRPr sz="1969"/>
+            <a:lvl7pPr marL="3376295" indent="0" algn="ctr">
+              <a:buNone/>
+              <a:defRPr sz="1970"/>
             </a:lvl7pPr>
-            <a:lvl8pPr marL="3939052" indent="0" algn="ctr">
-              <a:buNone/>
-              <a:defRPr sz="1969"/>
+            <a:lvl8pPr marL="3938905" indent="0" algn="ctr">
+              <a:buNone/>
+              <a:defRPr sz="1970"/>
             </a:lvl8pPr>
-            <a:lvl9pPr marL="4501774" indent="0" algn="ctr">
-              <a:buNone/>
-              <a:defRPr sz="1969"/>
+            <a:lvl9pPr marL="4501515" indent="0" algn="ctr">
+              <a:buNone/>
+              <a:defRPr sz="1970"/>
             </a:lvl9pPr>
           </a:lstStyle>
           <a:p>
@@ -767,7 +653,6 @@
           <a:p>
             <a:fld id="{9D14E6C3-38E1-4BB3-AD9D-B2C3EC07895F}" type="datetimeFigureOut">
               <a:rPr lang="ko-KR" altLang="en-US" smtClean="0"/>
-              <a:t>2024-07-22</a:t>
             </a:fld>
             <a:endParaRPr lang="ko-KR" altLang="en-US"/>
           </a:p>
@@ -809,38 +694,16 @@
           <a:p>
             <a:fld id="{11E80834-31A0-49C0-943A-493FAE4E7C24}" type="slidenum">
               <a:rPr lang="ko-KR" altLang="en-US" smtClean="0"/>
-              <a:t>‹#›</a:t>
             </a:fld>
             <a:endParaRPr lang="ko-KR" altLang="en-US"/>
           </a:p>
         </p:txBody>
       </p:sp>
     </p:spTree>
-    <p:extLst>
-      <p:ext uri="{BB962C8B-B14F-4D97-AF65-F5344CB8AC3E}">
-        <p14:creationId xmlns:p14="http://schemas.microsoft.com/office/powerpoint/2010/main" val="3272932554"/>
-      </p:ext>
-    </p:extLst>
   </p:cSld>
   <p:clrMapOvr>
     <a:masterClrMapping/>
   </p:clrMapOvr>
-  <p:extLst>
-    <p:ext uri="{DCECCB84-F9BA-43D5-87BE-67443E8EF086}">
-      <p15:sldGuideLst xmlns:p15="http://schemas.microsoft.com/office/powerpoint/2012/main">
-        <p15:guide id="1" orient="horz" pos="2160" userDrawn="1">
-          <p15:clr>
-            <a:srgbClr val="FBAE40"/>
-          </p15:clr>
-        </p15:guide>
-        <p15:guide id="2" pos="3840" userDrawn="1">
-          <p15:clr>
-            <a:srgbClr val="FBAE40"/>
-          </p15:clr>
-        </p15:guide>
-      </p15:sldGuideLst>
-    </p:ext>
-  </p:extLst>
 </p:sldLayout>
 </file>
 
@@ -868,7 +731,7 @@
             <a:spLocks noGrp="1"/>
           </p:cNvSpPr>
           <p:nvPr>
-            <p:ph type="title"/>
+            <p:ph type="title" hasCustomPrompt="1"/>
           </p:nvPr>
         </p:nvSpPr>
         <p:spPr/>
@@ -891,7 +754,7 @@
             <a:spLocks noGrp="1"/>
           </p:cNvSpPr>
           <p:nvPr>
-            <p:ph type="body" orient="vert" idx="1"/>
+            <p:ph type="body" orient="vert" idx="1" hasCustomPrompt="1"/>
           </p:nvPr>
         </p:nvSpPr>
         <p:spPr/>
@@ -904,6 +767,7 @@
               <a:rPr lang="ko-KR" altLang="en-US"/>
               <a:t>마스터 텍스트 스타일을 편집하려면 클릭</a:t>
             </a:r>
+            <a:endParaRPr lang="ko-KR" altLang="en-US"/>
           </a:p>
           <a:p>
             <a:pPr lvl="1"/>
@@ -911,6 +775,7 @@
               <a:rPr lang="ko-KR" altLang="en-US"/>
               <a:t>두 번째 수준</a:t>
             </a:r>
+            <a:endParaRPr lang="ko-KR" altLang="en-US"/>
           </a:p>
           <a:p>
             <a:pPr lvl="2"/>
@@ -918,6 +783,7 @@
               <a:rPr lang="ko-KR" altLang="en-US"/>
               <a:t>세 번째 수준</a:t>
             </a:r>
+            <a:endParaRPr lang="ko-KR" altLang="en-US"/>
           </a:p>
           <a:p>
             <a:pPr lvl="3"/>
@@ -925,6 +791,7 @@
               <a:rPr lang="ko-KR" altLang="en-US"/>
               <a:t>네 번째 수준</a:t>
             </a:r>
+            <a:endParaRPr lang="ko-KR" altLang="en-US"/>
           </a:p>
           <a:p>
             <a:pPr lvl="4"/>
@@ -953,7 +820,6 @@
           <a:p>
             <a:fld id="{9D14E6C3-38E1-4BB3-AD9D-B2C3EC07895F}" type="datetimeFigureOut">
               <a:rPr lang="ko-KR" altLang="en-US" smtClean="0"/>
-              <a:t>2024-07-22</a:t>
             </a:fld>
             <a:endParaRPr lang="ko-KR" altLang="en-US"/>
           </a:p>
@@ -995,18 +861,12 @@
           <a:p>
             <a:fld id="{11E80834-31A0-49C0-943A-493FAE4E7C24}" type="slidenum">
               <a:rPr lang="ko-KR" altLang="en-US" smtClean="0"/>
-              <a:t>‹#›</a:t>
             </a:fld>
             <a:endParaRPr lang="ko-KR" altLang="en-US"/>
           </a:p>
         </p:txBody>
       </p:sp>
     </p:spTree>
-    <p:extLst>
-      <p:ext uri="{BB962C8B-B14F-4D97-AF65-F5344CB8AC3E}">
-        <p14:creationId xmlns:p14="http://schemas.microsoft.com/office/powerpoint/2010/main" val="3539906323"/>
-      </p:ext>
-    </p:extLst>
   </p:cSld>
   <p:clrMapOvr>
     <a:masterClrMapping/>
@@ -1038,7 +898,7 @@
             <a:spLocks noGrp="1"/>
           </p:cNvSpPr>
           <p:nvPr>
-            <p:ph type="title" orient="vert"/>
+            <p:ph type="title" orient="vert" hasCustomPrompt="1"/>
           </p:nvPr>
         </p:nvSpPr>
         <p:spPr>
@@ -1066,7 +926,7 @@
             <a:spLocks noGrp="1"/>
           </p:cNvSpPr>
           <p:nvPr>
-            <p:ph type="body" orient="vert" idx="1"/>
+            <p:ph type="body" orient="vert" idx="1" hasCustomPrompt="1"/>
           </p:nvPr>
         </p:nvSpPr>
         <p:spPr>
@@ -1084,6 +944,7 @@
               <a:rPr lang="ko-KR" altLang="en-US"/>
               <a:t>마스터 텍스트 스타일을 편집하려면 클릭</a:t>
             </a:r>
+            <a:endParaRPr lang="ko-KR" altLang="en-US"/>
           </a:p>
           <a:p>
             <a:pPr lvl="1"/>
@@ -1091,6 +952,7 @@
               <a:rPr lang="ko-KR" altLang="en-US"/>
               <a:t>두 번째 수준</a:t>
             </a:r>
+            <a:endParaRPr lang="ko-KR" altLang="en-US"/>
           </a:p>
           <a:p>
             <a:pPr lvl="2"/>
@@ -1098,6 +960,7 @@
               <a:rPr lang="ko-KR" altLang="en-US"/>
               <a:t>세 번째 수준</a:t>
             </a:r>
+            <a:endParaRPr lang="ko-KR" altLang="en-US"/>
           </a:p>
           <a:p>
             <a:pPr lvl="3"/>
@@ -1105,6 +968,7 @@
               <a:rPr lang="ko-KR" altLang="en-US"/>
               <a:t>네 번째 수준</a:t>
             </a:r>
+            <a:endParaRPr lang="ko-KR" altLang="en-US"/>
           </a:p>
           <a:p>
             <a:pPr lvl="4"/>
@@ -1133,7 +997,6 @@
           <a:p>
             <a:fld id="{9D14E6C3-38E1-4BB3-AD9D-B2C3EC07895F}" type="datetimeFigureOut">
               <a:rPr lang="ko-KR" altLang="en-US" smtClean="0"/>
-              <a:t>2024-07-22</a:t>
             </a:fld>
             <a:endParaRPr lang="ko-KR" altLang="en-US"/>
           </a:p>
@@ -1175,18 +1038,12 @@
           <a:p>
             <a:fld id="{11E80834-31A0-49C0-943A-493FAE4E7C24}" type="slidenum">
               <a:rPr lang="ko-KR" altLang="en-US" smtClean="0"/>
-              <a:t>‹#›</a:t>
             </a:fld>
             <a:endParaRPr lang="ko-KR" altLang="en-US"/>
           </a:p>
         </p:txBody>
       </p:sp>
     </p:spTree>
-    <p:extLst>
-      <p:ext uri="{BB962C8B-B14F-4D97-AF65-F5344CB8AC3E}">
-        <p14:creationId xmlns:p14="http://schemas.microsoft.com/office/powerpoint/2010/main" val="3272794618"/>
-      </p:ext>
-    </p:extLst>
   </p:cSld>
   <p:clrMapOvr>
     <a:masterClrMapping/>
@@ -1218,7 +1075,7 @@
             <a:spLocks noGrp="1"/>
           </p:cNvSpPr>
           <p:nvPr>
-            <p:ph type="title"/>
+            <p:ph type="title" hasCustomPrompt="1"/>
           </p:nvPr>
         </p:nvSpPr>
         <p:spPr>
@@ -1241,18 +1098,13 @@
               <a:rPr lang="ko-KR" altLang="en-US"/>
               <a:t>마스터 제목 스타일 편집</a:t>
             </a:r>
-          </a:p>
-        </p:txBody>
-      </p:sp>
-      <p:sp>
-        <p:nvSpPr>
-          <p:cNvPr id="6" name="슬라이드 번호 개체 틀 2">
-            <a:extLst>
-              <a:ext uri="{FF2B5EF4-FFF2-40B4-BE49-F238E27FC236}">
-                <a16:creationId xmlns:a16="http://schemas.microsoft.com/office/drawing/2014/main" id="{E81FF217-D9C4-4766-8D3A-2F0774FC93D3}"/>
-              </a:ext>
-            </a:extLst>
-          </p:cNvPr>
+            <a:endParaRPr lang="ko-KR" altLang="en-US"/>
+          </a:p>
+        </p:txBody>
+      </p:sp>
+      <p:sp>
+        <p:nvSpPr>
+          <p:cNvPr id="6" name="슬라이드 번호 개체 틀 2"/>
           <p:cNvSpPr>
             <a:spLocks noGrp="1"/>
           </p:cNvSpPr>
@@ -1274,15 +1126,14 @@
           <a:lstStyle>
             <a:lvl1pPr algn="ctr">
               <a:defRPr b="0">
-                <a:latin typeface="맑은 고딕" panose="020B0503020000020004" pitchFamily="50" charset="-127"/>
-                <a:ea typeface="맑은 고딕" panose="020B0503020000020004" pitchFamily="50" charset="-127"/>
+                <a:latin typeface="Malgun Gothic" panose="020B0503020000020004" pitchFamily="50" charset="-127"/>
+                <a:ea typeface="Malgun Gothic" panose="020B0503020000020004" pitchFamily="50" charset="-127"/>
               </a:defRPr>
             </a:lvl1pPr>
           </a:lstStyle>
           <a:p>
             <a:fld id="{11E80834-31A0-49C0-943A-493FAE4E7C24}" type="slidenum">
               <a:rPr lang="ko-KR" altLang="en-US" smtClean="0"/>
-              <a:t>‹#›</a:t>
             </a:fld>
             <a:endParaRPr lang="ko-KR" altLang="en-US"/>
           </a:p>
@@ -1290,13 +1141,7 @@
       </p:sp>
       <p:sp>
         <p:nvSpPr>
-          <p:cNvPr id="4" name="사각형: 둥근 모서리 3">
-            <a:extLst>
-              <a:ext uri="{FF2B5EF4-FFF2-40B4-BE49-F238E27FC236}">
-                <a16:creationId xmlns:a16="http://schemas.microsoft.com/office/drawing/2014/main" id="{5E7B5BD6-855B-6417-2FAF-F11E1EB50E4A}"/>
-              </a:ext>
-            </a:extLst>
-          </p:cNvPr>
+          <p:cNvPr id="4" name="사각형: 둥근 모서리 3"/>
           <p:cNvSpPr/>
           <p:nvPr/>
         </p:nvSpPr>
@@ -1344,31 +1189,10 @@
         </p:txBody>
       </p:sp>
     </p:spTree>
-    <p:extLst>
-      <p:ext uri="{BB962C8B-B14F-4D97-AF65-F5344CB8AC3E}">
-        <p14:creationId xmlns:p14="http://schemas.microsoft.com/office/powerpoint/2010/main" val="80948963"/>
-      </p:ext>
-    </p:extLst>
   </p:cSld>
   <p:clrMapOvr>
     <a:masterClrMapping/>
   </p:clrMapOvr>
-  <p:extLst>
-    <p:ext uri="{DCECCB84-F9BA-43D5-87BE-67443E8EF086}">
-      <p15:sldGuideLst xmlns:p15="http://schemas.microsoft.com/office/powerpoint/2012/main">
-        <p15:guide id="1" orient="horz" pos="2160" userDrawn="1">
-          <p15:clr>
-            <a:srgbClr val="FBAE40"/>
-          </p15:clr>
-        </p15:guide>
-        <p15:guide id="2" pos="3840" userDrawn="1">
-          <p15:clr>
-            <a:srgbClr val="FBAE40"/>
-          </p15:clr>
-        </p15:guide>
-      </p15:sldGuideLst>
-    </p:ext>
-  </p:extLst>
 </p:sldLayout>
 </file>
 
@@ -1391,18 +1215,12 @@
       </p:grpSpPr>
       <p:sp>
         <p:nvSpPr>
-          <p:cNvPr id="8" name="제목 7">
-            <a:extLst>
-              <a:ext uri="{FF2B5EF4-FFF2-40B4-BE49-F238E27FC236}">
-                <a16:creationId xmlns:a16="http://schemas.microsoft.com/office/drawing/2014/main" id="{D78E8B32-20FE-F701-A968-109579556F41}"/>
-              </a:ext>
-            </a:extLst>
-          </p:cNvPr>
-          <p:cNvSpPr>
-            <a:spLocks noGrp="1"/>
-          </p:cNvSpPr>
-          <p:nvPr>
-            <p:ph type="title"/>
+          <p:cNvPr id="8" name="제목 7"/>
+          <p:cNvSpPr>
+            <a:spLocks noGrp="1"/>
+          </p:cNvSpPr>
+          <p:nvPr>
+            <p:ph type="title" hasCustomPrompt="1"/>
           </p:nvPr>
         </p:nvSpPr>
         <p:spPr>
@@ -1418,7 +1236,7 @@
           <a:bodyPr anchor="ctr"/>
           <a:lstStyle>
             <a:lvl1pPr algn="ctr">
-              <a:defRPr sz="3446" b="1">
+              <a:defRPr sz="3445" b="1">
                 <a:solidFill>
                   <a:schemeClr val="accent1">
                     <a:lumMod val="75000"/>
@@ -1434,35 +1252,15 @@
               <a:rPr lang="ko-KR" altLang="en-US"/>
               <a:t>마스터 제목 스타일 편집</a:t>
             </a:r>
+            <a:endParaRPr lang="ko-KR" altLang="en-US"/>
           </a:p>
         </p:txBody>
       </p:sp>
     </p:spTree>
-    <p:extLst>
-      <p:ext uri="{BB962C8B-B14F-4D97-AF65-F5344CB8AC3E}">
-        <p14:creationId xmlns:p14="http://schemas.microsoft.com/office/powerpoint/2010/main" val="4060181207"/>
-      </p:ext>
-    </p:extLst>
   </p:cSld>
   <p:clrMapOvr>
     <a:masterClrMapping/>
   </p:clrMapOvr>
-  <p:extLst>
-    <p:ext uri="{DCECCB84-F9BA-43D5-87BE-67443E8EF086}">
-      <p15:sldGuideLst xmlns:p15="http://schemas.microsoft.com/office/powerpoint/2012/main">
-        <p15:guide id="1" orient="horz" pos="2160" userDrawn="1">
-          <p15:clr>
-            <a:srgbClr val="FBAE40"/>
-          </p15:clr>
-        </p15:guide>
-        <p15:guide id="2" pos="3840" userDrawn="1">
-          <p15:clr>
-            <a:srgbClr val="FBAE40"/>
-          </p15:clr>
-        </p15:guide>
-      </p15:sldGuideLst>
-    </p:ext>
-  </p:extLst>
 </p:sldLayout>
 </file>
 
@@ -1485,18 +1283,12 @@
       </p:grpSpPr>
       <p:sp>
         <p:nvSpPr>
-          <p:cNvPr id="9" name="제목 1">
-            <a:extLst>
-              <a:ext uri="{FF2B5EF4-FFF2-40B4-BE49-F238E27FC236}">
-                <a16:creationId xmlns:a16="http://schemas.microsoft.com/office/drawing/2014/main" id="{FD9327A2-1FDF-9D50-3BDF-985B13481C33}"/>
-              </a:ext>
-            </a:extLst>
-          </p:cNvPr>
-          <p:cNvSpPr>
-            <a:spLocks noGrp="1"/>
-          </p:cNvSpPr>
-          <p:nvPr>
-            <p:ph type="title"/>
+          <p:cNvPr id="9" name="제목 1"/>
+          <p:cNvSpPr>
+            <a:spLocks noGrp="1"/>
+          </p:cNvSpPr>
+          <p:nvPr>
+            <p:ph type="title" hasCustomPrompt="1"/>
           </p:nvPr>
         </p:nvSpPr>
         <p:spPr>
@@ -1512,17 +1304,17 @@
           <a:bodyPr/>
           <a:lstStyle>
             <a:lvl1pPr algn="l">
-              <a:defRPr kumimoji="1" lang="en-US" sz="2462" b="1" spc="-62" baseline="0" dirty="0">
+              <a:defRPr kumimoji="1" lang="en-US" sz="2460" b="1" spc="-62" baseline="0" dirty="0">
                 <a:solidFill>
                   <a:srgbClr val="3477B2"/>
                 </a:solidFill>
-                <a:latin typeface="맑은 고딕" panose="020B0503020000020004" pitchFamily="50" charset="-127"/>
-                <a:ea typeface="맑은 고딕" panose="020B0503020000020004" pitchFamily="50" charset="-127"/>
+                <a:latin typeface="Malgun Gothic" panose="020B0503020000020004" pitchFamily="50" charset="-127"/>
+                <a:ea typeface="Malgun Gothic" panose="020B0503020000020004" pitchFamily="50" charset="-127"/>
               </a:defRPr>
             </a:lvl1pPr>
           </a:lstStyle>
           <a:p>
-            <a:pPr lvl="0" algn="l" defTabSz="1156706" eaLnBrk="0" fontAlgn="base" hangingPunct="0">
+            <a:pPr lvl="0" algn="l" defTabSz="1156970" eaLnBrk="0" fontAlgn="base" hangingPunct="0">
               <a:lnSpc>
                 <a:spcPct val="90000"/>
               </a:lnSpc>
@@ -1540,18 +1332,12 @@
       </p:sp>
       <p:sp>
         <p:nvSpPr>
-          <p:cNvPr id="10" name="내용 개체 틀 2">
-            <a:extLst>
-              <a:ext uri="{FF2B5EF4-FFF2-40B4-BE49-F238E27FC236}">
-                <a16:creationId xmlns:a16="http://schemas.microsoft.com/office/drawing/2014/main" id="{1C21C535-CA3B-A9D1-2D90-66432A995571}"/>
-              </a:ext>
-            </a:extLst>
-          </p:cNvPr>
-          <p:cNvSpPr>
-            <a:spLocks noGrp="1"/>
-          </p:cNvSpPr>
-          <p:nvPr>
-            <p:ph idx="1"/>
+          <p:cNvPr id="10" name="내용 개체 틀 2"/>
+          <p:cNvSpPr>
+            <a:spLocks noGrp="1"/>
+          </p:cNvSpPr>
+          <p:nvPr>
+            <p:ph idx="1" hasCustomPrompt="1"/>
           </p:nvPr>
         </p:nvSpPr>
         <p:spPr>
@@ -1571,17 +1357,17 @@
                 <a:spcPts val="0"/>
               </a:spcAft>
               <a:buNone/>
-              <a:defRPr kumimoji="1" lang="ko-KR" altLang="en-US" sz="1723" b="1" spc="-62" baseline="0" dirty="0" smtClean="0">
+              <a:defRPr kumimoji="1" lang="ko-KR" altLang="en-US" sz="1725" b="1" spc="-62" baseline="0" dirty="0" smtClean="0">
                 <a:solidFill>
                   <a:srgbClr val="000000"/>
                 </a:solidFill>
                 <a:latin typeface="맑은 고디"/>
-                <a:ea typeface="맑은 고딕" panose="020B0503020000020004" pitchFamily="50" charset="-127"/>
+                <a:ea typeface="Malgun Gothic" panose="020B0503020000020004" pitchFamily="50" charset="-127"/>
               </a:defRPr>
             </a:lvl1pPr>
           </a:lstStyle>
           <a:p>
-            <a:pPr marL="0" lvl="0" indent="0" defTabSz="1156706" eaLnBrk="0" fontAlgn="base" hangingPunct="0">
+            <a:pPr marL="0" lvl="0" indent="0" defTabSz="1156970" eaLnBrk="0" fontAlgn="base" hangingPunct="0">
               <a:lnSpc>
                 <a:spcPct val="120000"/>
               </a:lnSpc>
@@ -1589,35 +1375,30 @@
                 <a:spcPts val="0"/>
               </a:spcBef>
               <a:spcAft>
-                <a:spcPts val="1108"/>
+                <a:spcPts val="1110"/>
               </a:spcAft>
               <a:buClr>
                 <a:schemeClr val="tx1"/>
               </a:buClr>
               <a:buSzPct val="90000"/>
-              <a:buFont typeface="Wingdings" pitchFamily="2" charset="2"/>
+              <a:buFont typeface="Wingdings" panose="05000000000000000000" pitchFamily="2" charset="2"/>
             </a:pPr>
             <a:r>
               <a:rPr lang="ko-KR" altLang="en-US"/>
               <a:t>마스터 텍스트 스타일을 편집하려면 클릭</a:t>
             </a:r>
-          </a:p>
-        </p:txBody>
-      </p:sp>
-      <p:sp>
-        <p:nvSpPr>
-          <p:cNvPr id="11" name="내용 개체 틀 7">
-            <a:extLst>
-              <a:ext uri="{FF2B5EF4-FFF2-40B4-BE49-F238E27FC236}">
-                <a16:creationId xmlns:a16="http://schemas.microsoft.com/office/drawing/2014/main" id="{0DACB32E-D780-B435-E3FF-6CA9CB974516}"/>
-              </a:ext>
-            </a:extLst>
-          </p:cNvPr>
-          <p:cNvSpPr>
-            <a:spLocks noGrp="1"/>
-          </p:cNvSpPr>
-          <p:nvPr>
-            <p:ph sz="quarter" idx="11"/>
+            <a:endParaRPr lang="ko-KR" altLang="en-US"/>
+          </a:p>
+        </p:txBody>
+      </p:sp>
+      <p:sp>
+        <p:nvSpPr>
+          <p:cNvPr id="11" name="내용 개체 틀 7"/>
+          <p:cNvSpPr>
+            <a:spLocks noGrp="1"/>
+          </p:cNvSpPr>
+          <p:nvPr>
+            <p:ph sz="quarter" idx="11" hasCustomPrompt="1"/>
           </p:nvPr>
         </p:nvSpPr>
         <p:spPr>
@@ -1632,33 +1413,33 @@
         <p:txBody>
           <a:bodyPr/>
           <a:lstStyle>
-            <a:lvl1pPr marL="222744" indent="-222744">
+            <a:lvl1pPr marL="222885" indent="-222885">
               <a:lnSpc>
                 <a:spcPct val="120000"/>
               </a:lnSpc>
               <a:spcBef>
-                <a:spcPts val="1477"/>
+                <a:spcPts val="1475"/>
               </a:spcBef>
               <a:defRPr sz="1600" b="1" spc="-62" baseline="0">
-                <a:latin typeface="맑은 고딕" panose="020B0503020000020004" pitchFamily="50" charset="-127"/>
-                <a:ea typeface="맑은 고딕" panose="020B0503020000020004" pitchFamily="50" charset="-127"/>
+                <a:latin typeface="Malgun Gothic" panose="020B0503020000020004" pitchFamily="50" charset="-127"/>
+                <a:ea typeface="Malgun Gothic" panose="020B0503020000020004" pitchFamily="50" charset="-127"/>
               </a:defRPr>
             </a:lvl1pPr>
-            <a:lvl2pPr marL="445488" indent="-222744">
+            <a:lvl2pPr marL="445770" indent="-222885">
               <a:lnSpc>
                 <a:spcPct val="120000"/>
               </a:lnSpc>
               <a:spcBef>
-                <a:spcPts val="369"/>
+                <a:spcPts val="370"/>
               </a:spcBef>
               <a:spcAft>
-                <a:spcPts val="369"/>
+                <a:spcPts val="370"/>
               </a:spcAft>
               <a:buFont typeface="Arial" panose="020B0604020202020204" pitchFamily="34" charset="0"/>
               <a:buChar char="-"/>
-              <a:defRPr sz="1477" spc="-62" baseline="0">
-                <a:latin typeface="맑은 고딕" panose="020B0503020000020004" pitchFamily="50" charset="-127"/>
-                <a:ea typeface="맑은 고딕" panose="020B0503020000020004" pitchFamily="50" charset="-127"/>
+              <a:defRPr sz="1475" spc="-62" baseline="0">
+                <a:latin typeface="Malgun Gothic" panose="020B0503020000020004" pitchFamily="50" charset="-127"/>
+                <a:ea typeface="Malgun Gothic" panose="020B0503020000020004" pitchFamily="50" charset="-127"/>
               </a:defRPr>
             </a:lvl2pPr>
             <a:lvl3pPr>
@@ -1677,6 +1458,7 @@
               <a:rPr lang="ko-KR" altLang="en-US"/>
               <a:t>마스터 텍스트 스타일을 편집하려면 클릭</a:t>
             </a:r>
+            <a:endParaRPr lang="ko-KR" altLang="en-US"/>
           </a:p>
           <a:p>
             <a:pPr lvl="1"/>
@@ -1684,6 +1466,7 @@
               <a:rPr lang="ko-KR" altLang="en-US"/>
               <a:t>두 번째 수준</a:t>
             </a:r>
+            <a:endParaRPr lang="ko-KR" altLang="en-US"/>
           </a:p>
           <a:p>
             <a:pPr lvl="2"/>
@@ -1691,18 +1474,13 @@
               <a:rPr lang="ko-KR" altLang="en-US"/>
               <a:t>세 번째 수준</a:t>
             </a:r>
-          </a:p>
-        </p:txBody>
-      </p:sp>
-      <p:sp>
-        <p:nvSpPr>
-          <p:cNvPr id="2" name="Text Box 15">
-            <a:extLst>
-              <a:ext uri="{FF2B5EF4-FFF2-40B4-BE49-F238E27FC236}">
-                <a16:creationId xmlns:a16="http://schemas.microsoft.com/office/drawing/2014/main" id="{5E8F21BB-A7F9-D406-2E91-8F0929149531}"/>
-              </a:ext>
-            </a:extLst>
-          </p:cNvPr>
+            <a:endParaRPr lang="ko-KR" altLang="en-US"/>
+          </a:p>
+        </p:txBody>
+      </p:sp>
+      <p:sp>
+        <p:nvSpPr>
+          <p:cNvPr id="2" name="Text Box 15"/>
           <p:cNvSpPr txBox="1">
             <a:spLocks noChangeArrowheads="1"/>
           </p:cNvSpPr>
@@ -1720,8 +1498,6 @@
           <a:ln w="9525">
             <a:noFill/>
             <a:miter lim="800000"/>
-            <a:headEnd/>
-            <a:tailEnd/>
           </a:ln>
           <a:effectLst/>
         </p:spPr>
@@ -1731,11 +1507,11 @@
           </a:bodyPr>
           <a:lstStyle/>
           <a:p>
-            <a:pPr algn="r" defTabSz="888960" eaLnBrk="0" fontAlgn="ctr" latinLnBrk="0" hangingPunct="0">
+            <a:pPr algn="r" defTabSz="889000" eaLnBrk="0" fontAlgn="ctr" latinLnBrk="0" hangingPunct="0">
               <a:defRPr/>
             </a:pPr>
             <a:fld id="{328777B6-C790-496C-8083-8F84DC394F61}" type="slidenum">
-              <a:rPr lang="ko-KR" altLang="ko-KR" sz="1108" b="0" smtClean="0">
+              <a:rPr lang="ko-KR" altLang="ko-KR" sz="1110" b="0" smtClean="0">
                 <a:solidFill>
                   <a:srgbClr val="000000">
                     <a:lumMod val="50000"/>
@@ -1743,15 +1519,11 @@
                   </a:srgbClr>
                 </a:solidFill>
                 <a:latin typeface="Tahoma" panose="020B0604030504040204" pitchFamily="34" charset="0"/>
-                <a:ea typeface="맑은 고딕" pitchFamily="50" charset="-127"/>
+                <a:ea typeface="Malgun Gothic" panose="020B0503020000020004" pitchFamily="50" charset="-127"/>
                 <a:cs typeface="Tahoma" panose="020B0604030504040204" pitchFamily="34" charset="0"/>
               </a:rPr>
-              <a:pPr algn="r" defTabSz="888960" eaLnBrk="0" fontAlgn="ctr" latinLnBrk="0" hangingPunct="0">
-                <a:defRPr/>
-              </a:pPr>
-              <a:t>‹#›</a:t>
             </a:fld>
-            <a:endParaRPr lang="ko-KR" altLang="ko-KR" sz="1108" b="0">
+            <a:endParaRPr lang="ko-KR" altLang="ko-KR" sz="1110" b="0">
               <a:solidFill>
                 <a:srgbClr val="000000">
                   <a:lumMod val="50000"/>
@@ -1759,43 +1531,22 @@
                 </a:srgbClr>
               </a:solidFill>
               <a:latin typeface="Tahoma" panose="020B0604030504040204" pitchFamily="34" charset="0"/>
-              <a:ea typeface="맑은 고딕" pitchFamily="50" charset="-127"/>
+              <a:ea typeface="Malgun Gothic" panose="020B0503020000020004" pitchFamily="50" charset="-127"/>
               <a:cs typeface="Tahoma" panose="020B0604030504040204" pitchFamily="34" charset="0"/>
             </a:endParaRPr>
           </a:p>
         </p:txBody>
       </p:sp>
     </p:spTree>
-    <p:extLst>
-      <p:ext uri="{BB962C8B-B14F-4D97-AF65-F5344CB8AC3E}">
-        <p14:creationId xmlns:p14="http://schemas.microsoft.com/office/powerpoint/2010/main" val="4289527121"/>
-      </p:ext>
-    </p:extLst>
   </p:cSld>
   <p:clrMapOvr>
     <a:masterClrMapping/>
   </p:clrMapOvr>
-  <p:extLst>
-    <p:ext uri="{DCECCB84-F9BA-43D5-87BE-67443E8EF086}">
-      <p15:sldGuideLst xmlns:p15="http://schemas.microsoft.com/office/powerpoint/2012/main">
-        <p15:guide id="1" orient="horz" pos="2160" userDrawn="1">
-          <p15:clr>
-            <a:srgbClr val="FBAE40"/>
-          </p15:clr>
-        </p15:guide>
-        <p15:guide id="2" pos="3840" userDrawn="1">
-          <p15:clr>
-            <a:srgbClr val="FBAE40"/>
-          </p15:clr>
-        </p15:guide>
-      </p15:sldGuideLst>
-    </p:ext>
-  </p:extLst>
 </p:sldLayout>
 </file>
 
 <file path=ppt/slideLayouts/slideLayout15.xml><?xml version="1.0" encoding="utf-8"?>
-<p:sldLayout xmlns:a="http://schemas.openxmlformats.org/drawingml/2006/main" xmlns:r="http://schemas.openxmlformats.org/officeDocument/2006/relationships" xmlns:p="http://schemas.openxmlformats.org/presentationml/2006/main" showMasterSp="0" type="title">
+<p:sldLayout xmlns:a="http://schemas.openxmlformats.org/drawingml/2006/main" xmlns:r="http://schemas.openxmlformats.org/officeDocument/2006/relationships" xmlns:p="http://schemas.openxmlformats.org/presentationml/2006/main" type="title" showMasterSp="0">
   <p:cSld name="표지">
     <p:spTree>
       <p:nvGrpSpPr>
@@ -1831,8 +1582,6 @@
           <a:ln w="12700">
             <a:noFill/>
             <a:miter lim="800000"/>
-            <a:headEnd/>
-            <a:tailEnd/>
           </a:ln>
           <a:effectLst/>
         </p:spPr>
@@ -1844,15 +1593,15 @@
           <a:p>
             <a:r>
               <a:rPr lang="ko-KR" altLang="en-US" sz="1100" b="0">
-                <a:latin typeface="맑은 고딕" panose="020B0503020000020004" pitchFamily="50" charset="-127"/>
-                <a:ea typeface="맑은 고딕" panose="020B0503020000020004" pitchFamily="50" charset="-127"/>
-                <a:cs typeface="Times New Roman" pitchFamily="18" charset="0"/>
+                <a:latin typeface="Malgun Gothic" panose="020B0503020000020004" pitchFamily="50" charset="-127"/>
+                <a:ea typeface="Malgun Gothic" panose="020B0503020000020004" pitchFamily="50" charset="-127"/>
+                <a:cs typeface="Times New Roman" panose="02020603050405020304" pitchFamily="18" charset="0"/>
               </a:rPr>
               <a:t>  </a:t>
             </a:r>
             <a:endParaRPr lang="ko-KR" altLang="en-US" sz="2400" b="0">
-              <a:latin typeface="맑은 고딕" panose="020B0503020000020004" pitchFamily="50" charset="-127"/>
-              <a:ea typeface="맑은 고딕" panose="020B0503020000020004" pitchFamily="50" charset="-127"/>
+              <a:latin typeface="Malgun Gothic" panose="020B0503020000020004" pitchFamily="50" charset="-127"/>
+              <a:ea typeface="Malgun Gothic" panose="020B0503020000020004" pitchFamily="50" charset="-127"/>
             </a:endParaRPr>
           </a:p>
         </p:txBody>
@@ -1863,13 +1612,7 @@
           <p:cNvGraphicFramePr>
             <a:graphicFrameLocks noGrp="1"/>
           </p:cNvGraphicFramePr>
-          <p:nvPr userDrawn="1">
-            <p:extLst>
-              <p:ext uri="{D42A27DB-BD31-4B8C-83A1-F6EECF244321}">
-                <p14:modId xmlns:p14="http://schemas.microsoft.com/office/powerpoint/2010/main" val="1609612460"/>
-              </p:ext>
-            </p:extLst>
-          </p:nvPr>
+          <p:nvPr userDrawn="1"/>
         </p:nvGraphicFramePr>
         <p:xfrm>
           <a:off x="518576" y="1844824"/>
@@ -1880,13 +1623,7 @@
             <a:tbl>
               <a:tblPr/>
               <a:tblGrid>
-                <a:gridCol w="11154850">
-                  <a:extLst>
-                    <a:ext uri="{9D8B030D-6E8A-4147-A177-3AD203B41FA5}">
-                      <a16:colId xmlns:a16="http://schemas.microsoft.com/office/drawing/2014/main" val="20000"/>
-                    </a:ext>
-                  </a:extLst>
-                </a:gridCol>
+                <a:gridCol w="11154850"/>
               </a:tblGrid>
               <a:tr h="485760">
                 <a:tc>
@@ -1894,7 +1631,7 @@
                     <a:bodyPr/>
                     <a:lstStyle/>
                     <a:p>
-                      <a:pPr marL="0" marR="0" lvl="0" indent="49213" algn="r" defTabSz="914400" rtl="0" eaLnBrk="1" fontAlgn="base" latinLnBrk="1" hangingPunct="1">
+                      <a:pPr marL="0" marR="0" lvl="0" indent="49530" algn="r" defTabSz="914400" rtl="0" eaLnBrk="1" fontAlgn="base" latinLnBrk="1" hangingPunct="1">
                         <a:lnSpc>
                           <a:spcPct val="100000"/>
                         </a:lnSpc>
@@ -1908,7 +1645,6 @@
                         <a:buSzTx/>
                         <a:buFontTx/>
                         <a:buNone/>
-                        <a:tabLst/>
                       </a:pPr>
                       <a:endParaRPr kumimoji="0" lang="en-US" altLang="ko-KR" sz="2400" b="0" i="0" u="none" strike="noStrike" cap="none" normalizeH="0" baseline="0" dirty="0">
                         <a:ln>
@@ -1918,8 +1654,8 @@
                           <a:schemeClr val="tx1"/>
                         </a:solidFill>
                         <a:effectLst/>
-                        <a:latin typeface="맑은 고딕" pitchFamily="50" charset="-127"/>
-                        <a:ea typeface="맑은 고딕" pitchFamily="50" charset="-127"/>
+                        <a:latin typeface="Malgun Gothic" panose="020B0503020000020004" pitchFamily="50" charset="-127"/>
+                        <a:ea typeface="Malgun Gothic" panose="020B0503020000020004" pitchFamily="50" charset="-127"/>
                       </a:endParaRPr>
                     </a:p>
                   </a:txBody>
@@ -1959,11 +1695,6 @@
                     </a:solidFill>
                   </a:tcPr>
                 </a:tc>
-                <a:extLst>
-                  <a:ext uri="{0D108BD9-81ED-4DB2-BD59-A6C34878D82A}">
-                    <a16:rowId xmlns:a16="http://schemas.microsoft.com/office/drawing/2014/main" val="10000"/>
-                  </a:ext>
-                </a:extLst>
               </a:tr>
             </a:tbl>
           </a:graphicData>
@@ -1971,13 +1702,7 @@
       </p:graphicFrame>
       <p:pic>
         <p:nvPicPr>
-          <p:cNvPr id="6" name="그림 5">
-            <a:extLst>
-              <a:ext uri="{FF2B5EF4-FFF2-40B4-BE49-F238E27FC236}">
-                <a16:creationId xmlns:a16="http://schemas.microsoft.com/office/drawing/2014/main" id="{C8F3E566-F3CF-4B9D-86E0-5AE4120AAB3C}"/>
-              </a:ext>
-            </a:extLst>
-          </p:cNvPr>
+          <p:cNvPr id="6" name="그림 5"/>
           <p:cNvPicPr>
             <a:picLocks noChangeAspect="1"/>
           </p:cNvPicPr>
@@ -2031,13 +1756,7 @@
       </p:pic>
       <p:pic>
         <p:nvPicPr>
-          <p:cNvPr id="8" name="Picture 3" descr="C:\개폴\01. 실 투입 제안\[17-02-20] 통신개발2팀 표준제안KM구축\SKT로고.png">
-            <a:extLst>
-              <a:ext uri="{FF2B5EF4-FFF2-40B4-BE49-F238E27FC236}">
-                <a16:creationId xmlns:a16="http://schemas.microsoft.com/office/drawing/2014/main" id="{FB7016E6-4DD6-4DC4-824A-82578CD81105}"/>
-              </a:ext>
-            </a:extLst>
-          </p:cNvPr>
+          <p:cNvPr id="8" name="Picture 3" descr="C:\개폴\01. 실 투입 제안\[17-02-20] 통신개발2팀 표준제안KM구축\SKT로고.png"/>
           <p:cNvPicPr>
             <a:picLocks noChangeAspect="1" noChangeArrowheads="1"/>
           </p:cNvPicPr>
@@ -2077,41 +1796,10 @@
         </p:spPr>
       </p:pic>
     </p:spTree>
-    <p:extLst>
-      <p:ext uri="{BB962C8B-B14F-4D97-AF65-F5344CB8AC3E}">
-        <p14:creationId xmlns:p14="http://schemas.microsoft.com/office/powerpoint/2010/main" val="4075278982"/>
-      </p:ext>
-    </p:extLst>
   </p:cSld>
   <p:clrMapOvr>
     <a:masterClrMapping/>
   </p:clrMapOvr>
-  <p:extLst>
-    <p:ext uri="{DCECCB84-F9BA-43D5-87BE-67443E8EF086}">
-      <p15:sldGuideLst xmlns:p15="http://schemas.microsoft.com/office/powerpoint/2012/main">
-        <p15:guide id="1" orient="horz" pos="2160">
-          <p15:clr>
-            <a:srgbClr val="FBAE40"/>
-          </p15:clr>
-        </p15:guide>
-        <p15:guide id="2" pos="3120">
-          <p15:clr>
-            <a:srgbClr val="FBAE40"/>
-          </p15:clr>
-        </p15:guide>
-        <p15:guide id="3" orient="horz" pos="3929">
-          <p15:clr>
-            <a:srgbClr val="FBAE40"/>
-          </p15:clr>
-        </p15:guide>
-        <p15:guide id="4" orient="horz" pos="3770">
-          <p15:clr>
-            <a:srgbClr val="FBAE40"/>
-          </p15:clr>
-        </p15:guide>
-      </p15:sldGuideLst>
-    </p:ext>
-  </p:extLst>
 </p:sldLayout>
 </file>
 
@@ -2139,7 +1827,7 @@
             <a:spLocks noGrp="1"/>
           </p:cNvSpPr>
           <p:nvPr>
-            <p:ph type="title"/>
+            <p:ph type="title" hasCustomPrompt="1"/>
           </p:nvPr>
         </p:nvSpPr>
         <p:spPr/>
@@ -2162,7 +1850,7 @@
             <a:spLocks noGrp="1"/>
           </p:cNvSpPr>
           <p:nvPr>
-            <p:ph idx="1"/>
+            <p:ph idx="1" hasCustomPrompt="1"/>
           </p:nvPr>
         </p:nvSpPr>
         <p:spPr/>
@@ -2175,6 +1863,7 @@
               <a:rPr lang="ko-KR" altLang="en-US"/>
               <a:t>마스터 텍스트 스타일을 편집하려면 클릭</a:t>
             </a:r>
+            <a:endParaRPr lang="ko-KR" altLang="en-US"/>
           </a:p>
           <a:p>
             <a:pPr lvl="1"/>
@@ -2182,6 +1871,7 @@
               <a:rPr lang="ko-KR" altLang="en-US"/>
               <a:t>두 번째 수준</a:t>
             </a:r>
+            <a:endParaRPr lang="ko-KR" altLang="en-US"/>
           </a:p>
           <a:p>
             <a:pPr lvl="2"/>
@@ -2189,6 +1879,7 @@
               <a:rPr lang="ko-KR" altLang="en-US"/>
               <a:t>세 번째 수준</a:t>
             </a:r>
+            <a:endParaRPr lang="ko-KR" altLang="en-US"/>
           </a:p>
           <a:p>
             <a:pPr lvl="3"/>
@@ -2196,6 +1887,7 @@
               <a:rPr lang="ko-KR" altLang="en-US"/>
               <a:t>네 번째 수준</a:t>
             </a:r>
+            <a:endParaRPr lang="ko-KR" altLang="en-US"/>
           </a:p>
           <a:p>
             <a:pPr lvl="4"/>
@@ -2224,7 +1916,6 @@
           <a:p>
             <a:fld id="{9D14E6C3-38E1-4BB3-AD9D-B2C3EC07895F}" type="datetimeFigureOut">
               <a:rPr lang="ko-KR" altLang="en-US" smtClean="0"/>
-              <a:t>2024-07-22</a:t>
             </a:fld>
             <a:endParaRPr lang="ko-KR" altLang="en-US"/>
           </a:p>
@@ -2266,18 +1957,12 @@
           <a:p>
             <a:fld id="{11E80834-31A0-49C0-943A-493FAE4E7C24}" type="slidenum">
               <a:rPr lang="ko-KR" altLang="en-US" smtClean="0"/>
-              <a:t>‹#›</a:t>
             </a:fld>
             <a:endParaRPr lang="ko-KR" altLang="en-US"/>
           </a:p>
         </p:txBody>
       </p:sp>
     </p:spTree>
-    <p:extLst>
-      <p:ext uri="{BB962C8B-B14F-4D97-AF65-F5344CB8AC3E}">
-        <p14:creationId xmlns:p14="http://schemas.microsoft.com/office/powerpoint/2010/main" val="201932140"/>
-      </p:ext>
-    </p:extLst>
   </p:cSld>
   <p:clrMapOvr>
     <a:masterClrMapping/>
@@ -2309,7 +1994,7 @@
             <a:spLocks noGrp="1"/>
           </p:cNvSpPr>
           <p:nvPr>
-            <p:ph type="title"/>
+            <p:ph type="title" hasCustomPrompt="1"/>
           </p:nvPr>
         </p:nvSpPr>
         <p:spPr>
@@ -2341,7 +2026,7 @@
             <a:spLocks noGrp="1"/>
           </p:cNvSpPr>
           <p:nvPr>
-            <p:ph type="body" idx="1"/>
+            <p:ph type="body" idx="1" hasCustomPrompt="1"/>
           </p:nvPr>
         </p:nvSpPr>
         <p:spPr>
@@ -2355,15 +2040,15 @@
           <a:lstStyle>
             <a:lvl1pPr marL="0" indent="0">
               <a:buNone/>
-              <a:defRPr sz="2954">
+              <a:defRPr sz="2955">
                 <a:solidFill>
                   <a:schemeClr val="tx1"/>
                 </a:solidFill>
               </a:defRPr>
             </a:lvl1pPr>
-            <a:lvl2pPr marL="562722" indent="0">
-              <a:buNone/>
-              <a:defRPr sz="2462">
+            <a:lvl2pPr marL="562610" indent="0">
+              <a:buNone/>
+              <a:defRPr sz="2460">
                 <a:solidFill>
                   <a:schemeClr val="tx1">
                     <a:tint val="75000"/>
@@ -2371,7 +2056,7 @@
                 </a:solidFill>
               </a:defRPr>
             </a:lvl2pPr>
-            <a:lvl3pPr marL="1125444" indent="0">
+            <a:lvl3pPr marL="1125220" indent="0">
               <a:buNone/>
               <a:defRPr sz="2215">
                 <a:solidFill>
@@ -2381,9 +2066,9 @@
                 </a:solidFill>
               </a:defRPr>
             </a:lvl3pPr>
-            <a:lvl4pPr marL="1688165" indent="0">
-              <a:buNone/>
-              <a:defRPr sz="1969">
+            <a:lvl4pPr marL="1688465" indent="0">
+              <a:buNone/>
+              <a:defRPr sz="1970">
                 <a:solidFill>
                   <a:schemeClr val="tx1">
                     <a:tint val="75000"/>
@@ -2391,9 +2076,9 @@
                 </a:solidFill>
               </a:defRPr>
             </a:lvl4pPr>
-            <a:lvl5pPr marL="2250887" indent="0">
-              <a:buNone/>
-              <a:defRPr sz="1969">
+            <a:lvl5pPr marL="2251075" indent="0">
+              <a:buNone/>
+              <a:defRPr sz="1970">
                 <a:solidFill>
                   <a:schemeClr val="tx1">
                     <a:tint val="75000"/>
@@ -2401,9 +2086,9 @@
                 </a:solidFill>
               </a:defRPr>
             </a:lvl5pPr>
-            <a:lvl6pPr marL="2813609" indent="0">
-              <a:buNone/>
-              <a:defRPr sz="1969">
+            <a:lvl6pPr marL="2813685" indent="0">
+              <a:buNone/>
+              <a:defRPr sz="1970">
                 <a:solidFill>
                   <a:schemeClr val="tx1">
                     <a:tint val="75000"/>
@@ -2411,9 +2096,9 @@
                 </a:solidFill>
               </a:defRPr>
             </a:lvl6pPr>
-            <a:lvl7pPr marL="3376331" indent="0">
-              <a:buNone/>
-              <a:defRPr sz="1969">
+            <a:lvl7pPr marL="3376295" indent="0">
+              <a:buNone/>
+              <a:defRPr sz="1970">
                 <a:solidFill>
                   <a:schemeClr val="tx1">
                     <a:tint val="75000"/>
@@ -2421,9 +2106,9 @@
                 </a:solidFill>
               </a:defRPr>
             </a:lvl7pPr>
-            <a:lvl8pPr marL="3939052" indent="0">
-              <a:buNone/>
-              <a:defRPr sz="1969">
+            <a:lvl8pPr marL="3938905" indent="0">
+              <a:buNone/>
+              <a:defRPr sz="1970">
                 <a:solidFill>
                   <a:schemeClr val="tx1">
                     <a:tint val="75000"/>
@@ -2431,9 +2116,9 @@
                 </a:solidFill>
               </a:defRPr>
             </a:lvl8pPr>
-            <a:lvl9pPr marL="4501774" indent="0">
-              <a:buNone/>
-              <a:defRPr sz="1969">
+            <a:lvl9pPr marL="4501515" indent="0">
+              <a:buNone/>
+              <a:defRPr sz="1970">
                 <a:solidFill>
                   <a:schemeClr val="tx1">
                     <a:tint val="75000"/>
@@ -2448,6 +2133,7 @@
               <a:rPr lang="ko-KR" altLang="en-US"/>
               <a:t>마스터 텍스트 스타일을 편집하려면 클릭</a:t>
             </a:r>
+            <a:endParaRPr lang="ko-KR" altLang="en-US"/>
           </a:p>
         </p:txBody>
       </p:sp>
@@ -2468,7 +2154,6 @@
           <a:p>
             <a:fld id="{9D14E6C3-38E1-4BB3-AD9D-B2C3EC07895F}" type="datetimeFigureOut">
               <a:rPr lang="ko-KR" altLang="en-US" smtClean="0"/>
-              <a:t>2024-07-22</a:t>
             </a:fld>
             <a:endParaRPr lang="ko-KR" altLang="en-US"/>
           </a:p>
@@ -2510,18 +2195,12 @@
           <a:p>
             <a:fld id="{11E80834-31A0-49C0-943A-493FAE4E7C24}" type="slidenum">
               <a:rPr lang="ko-KR" altLang="en-US" smtClean="0"/>
-              <a:t>‹#›</a:t>
             </a:fld>
             <a:endParaRPr lang="ko-KR" altLang="en-US"/>
           </a:p>
         </p:txBody>
       </p:sp>
     </p:spTree>
-    <p:extLst>
-      <p:ext uri="{BB962C8B-B14F-4D97-AF65-F5344CB8AC3E}">
-        <p14:creationId xmlns:p14="http://schemas.microsoft.com/office/powerpoint/2010/main" val="1972037795"/>
-      </p:ext>
-    </p:extLst>
   </p:cSld>
   <p:clrMapOvr>
     <a:masterClrMapping/>
@@ -2553,7 +2232,7 @@
             <a:spLocks noGrp="1"/>
           </p:cNvSpPr>
           <p:nvPr>
-            <p:ph type="title"/>
+            <p:ph type="title" hasCustomPrompt="1"/>
           </p:nvPr>
         </p:nvSpPr>
         <p:spPr/>
@@ -2576,7 +2255,7 @@
             <a:spLocks noGrp="1"/>
           </p:cNvSpPr>
           <p:nvPr>
-            <p:ph sz="half" idx="1"/>
+            <p:ph sz="half" idx="1" hasCustomPrompt="1"/>
           </p:nvPr>
         </p:nvSpPr>
         <p:spPr>
@@ -2594,6 +2273,7 @@
               <a:rPr lang="ko-KR" altLang="en-US"/>
               <a:t>마스터 텍스트 스타일을 편집하려면 클릭</a:t>
             </a:r>
+            <a:endParaRPr lang="ko-KR" altLang="en-US"/>
           </a:p>
           <a:p>
             <a:pPr lvl="1"/>
@@ -2601,6 +2281,7 @@
               <a:rPr lang="ko-KR" altLang="en-US"/>
               <a:t>두 번째 수준</a:t>
             </a:r>
+            <a:endParaRPr lang="ko-KR" altLang="en-US"/>
           </a:p>
           <a:p>
             <a:pPr lvl="2"/>
@@ -2608,6 +2289,7 @@
               <a:rPr lang="ko-KR" altLang="en-US"/>
               <a:t>세 번째 수준</a:t>
             </a:r>
+            <a:endParaRPr lang="ko-KR" altLang="en-US"/>
           </a:p>
           <a:p>
             <a:pPr lvl="3"/>
@@ -2615,6 +2297,7 @@
               <a:rPr lang="ko-KR" altLang="en-US"/>
               <a:t>네 번째 수준</a:t>
             </a:r>
+            <a:endParaRPr lang="ko-KR" altLang="en-US"/>
           </a:p>
           <a:p>
             <a:pPr lvl="4"/>
@@ -2633,7 +2316,7 @@
             <a:spLocks noGrp="1"/>
           </p:cNvSpPr>
           <p:nvPr>
-            <p:ph sz="half" idx="2"/>
+            <p:ph sz="half" idx="2" hasCustomPrompt="1"/>
           </p:nvPr>
         </p:nvSpPr>
         <p:spPr>
@@ -2651,6 +2334,7 @@
               <a:rPr lang="ko-KR" altLang="en-US"/>
               <a:t>마스터 텍스트 스타일을 편집하려면 클릭</a:t>
             </a:r>
+            <a:endParaRPr lang="ko-KR" altLang="en-US"/>
           </a:p>
           <a:p>
             <a:pPr lvl="1"/>
@@ -2658,6 +2342,7 @@
               <a:rPr lang="ko-KR" altLang="en-US"/>
               <a:t>두 번째 수준</a:t>
             </a:r>
+            <a:endParaRPr lang="ko-KR" altLang="en-US"/>
           </a:p>
           <a:p>
             <a:pPr lvl="2"/>
@@ -2665,6 +2350,7 @@
               <a:rPr lang="ko-KR" altLang="en-US"/>
               <a:t>세 번째 수준</a:t>
             </a:r>
+            <a:endParaRPr lang="ko-KR" altLang="en-US"/>
           </a:p>
           <a:p>
             <a:pPr lvl="3"/>
@@ -2672,6 +2358,7 @@
               <a:rPr lang="ko-KR" altLang="en-US"/>
               <a:t>네 번째 수준</a:t>
             </a:r>
+            <a:endParaRPr lang="ko-KR" altLang="en-US"/>
           </a:p>
           <a:p>
             <a:pPr lvl="4"/>
@@ -2700,7 +2387,6 @@
           <a:p>
             <a:fld id="{9D14E6C3-38E1-4BB3-AD9D-B2C3EC07895F}" type="datetimeFigureOut">
               <a:rPr lang="ko-KR" altLang="en-US" smtClean="0"/>
-              <a:t>2024-07-22</a:t>
             </a:fld>
             <a:endParaRPr lang="ko-KR" altLang="en-US"/>
           </a:p>
@@ -2742,18 +2428,12 @@
           <a:p>
             <a:fld id="{11E80834-31A0-49C0-943A-493FAE4E7C24}" type="slidenum">
               <a:rPr lang="ko-KR" altLang="en-US" smtClean="0"/>
-              <a:t>‹#›</a:t>
             </a:fld>
             <a:endParaRPr lang="ko-KR" altLang="en-US"/>
           </a:p>
         </p:txBody>
       </p:sp>
     </p:spTree>
-    <p:extLst>
-      <p:ext uri="{BB962C8B-B14F-4D97-AF65-F5344CB8AC3E}">
-        <p14:creationId xmlns:p14="http://schemas.microsoft.com/office/powerpoint/2010/main" val="2721593765"/>
-      </p:ext>
-    </p:extLst>
   </p:cSld>
   <p:clrMapOvr>
     <a:masterClrMapping/>
@@ -2785,7 +2465,7 @@
             <a:spLocks noGrp="1"/>
           </p:cNvSpPr>
           <p:nvPr>
-            <p:ph type="title"/>
+            <p:ph type="title" hasCustomPrompt="1"/>
           </p:nvPr>
         </p:nvSpPr>
         <p:spPr>
@@ -2813,7 +2493,7 @@
             <a:spLocks noGrp="1"/>
           </p:cNvSpPr>
           <p:nvPr>
-            <p:ph type="body" idx="1"/>
+            <p:ph type="body" idx="1" hasCustomPrompt="1"/>
           </p:nvPr>
         </p:nvSpPr>
         <p:spPr>
@@ -2827,39 +2507,39 @@
           <a:lstStyle>
             <a:lvl1pPr marL="0" indent="0">
               <a:buNone/>
-              <a:defRPr sz="2954" b="1"/>
+              <a:defRPr sz="2955" b="1"/>
             </a:lvl1pPr>
-            <a:lvl2pPr marL="562722" indent="0">
-              <a:buNone/>
-              <a:defRPr sz="2462" b="1"/>
+            <a:lvl2pPr marL="562610" indent="0">
+              <a:buNone/>
+              <a:defRPr sz="2460" b="1"/>
             </a:lvl2pPr>
-            <a:lvl3pPr marL="1125444" indent="0">
+            <a:lvl3pPr marL="1125220" indent="0">
               <a:buNone/>
               <a:defRPr sz="2215" b="1"/>
             </a:lvl3pPr>
-            <a:lvl4pPr marL="1688165" indent="0">
-              <a:buNone/>
-              <a:defRPr sz="1969" b="1"/>
+            <a:lvl4pPr marL="1688465" indent="0">
+              <a:buNone/>
+              <a:defRPr sz="1970" b="1"/>
             </a:lvl4pPr>
-            <a:lvl5pPr marL="2250887" indent="0">
-              <a:buNone/>
-              <a:defRPr sz="1969" b="1"/>
+            <a:lvl5pPr marL="2251075" indent="0">
+              <a:buNone/>
+              <a:defRPr sz="1970" b="1"/>
             </a:lvl5pPr>
-            <a:lvl6pPr marL="2813609" indent="0">
-              <a:buNone/>
-              <a:defRPr sz="1969" b="1"/>
+            <a:lvl6pPr marL="2813685" indent="0">
+              <a:buNone/>
+              <a:defRPr sz="1970" b="1"/>
             </a:lvl6pPr>
-            <a:lvl7pPr marL="3376331" indent="0">
-              <a:buNone/>
-              <a:defRPr sz="1969" b="1"/>
+            <a:lvl7pPr marL="3376295" indent="0">
+              <a:buNone/>
+              <a:defRPr sz="1970" b="1"/>
             </a:lvl7pPr>
-            <a:lvl8pPr marL="3939052" indent="0">
-              <a:buNone/>
-              <a:defRPr sz="1969" b="1"/>
+            <a:lvl8pPr marL="3938905" indent="0">
+              <a:buNone/>
+              <a:defRPr sz="1970" b="1"/>
             </a:lvl8pPr>
-            <a:lvl9pPr marL="4501774" indent="0">
-              <a:buNone/>
-              <a:defRPr sz="1969" b="1"/>
+            <a:lvl9pPr marL="4501515" indent="0">
+              <a:buNone/>
+              <a:defRPr sz="1970" b="1"/>
             </a:lvl9pPr>
           </a:lstStyle>
           <a:p>
@@ -2868,6 +2548,7 @@
               <a:rPr lang="ko-KR" altLang="en-US"/>
               <a:t>마스터 텍스트 스타일을 편집하려면 클릭</a:t>
             </a:r>
+            <a:endParaRPr lang="ko-KR" altLang="en-US"/>
           </a:p>
         </p:txBody>
       </p:sp>
@@ -2878,7 +2559,7 @@
             <a:spLocks noGrp="1"/>
           </p:cNvSpPr>
           <p:nvPr>
-            <p:ph sz="half" idx="2"/>
+            <p:ph sz="half" idx="2" hasCustomPrompt="1"/>
           </p:nvPr>
         </p:nvSpPr>
         <p:spPr>
@@ -2896,6 +2577,7 @@
               <a:rPr lang="ko-KR" altLang="en-US"/>
               <a:t>마스터 텍스트 스타일을 편집하려면 클릭</a:t>
             </a:r>
+            <a:endParaRPr lang="ko-KR" altLang="en-US"/>
           </a:p>
           <a:p>
             <a:pPr lvl="1"/>
@@ -2903,6 +2585,7 @@
               <a:rPr lang="ko-KR" altLang="en-US"/>
               <a:t>두 번째 수준</a:t>
             </a:r>
+            <a:endParaRPr lang="ko-KR" altLang="en-US"/>
           </a:p>
           <a:p>
             <a:pPr lvl="2"/>
@@ -2910,6 +2593,7 @@
               <a:rPr lang="ko-KR" altLang="en-US"/>
               <a:t>세 번째 수준</a:t>
             </a:r>
+            <a:endParaRPr lang="ko-KR" altLang="en-US"/>
           </a:p>
           <a:p>
             <a:pPr lvl="3"/>
@@ -2917,6 +2601,7 @@
               <a:rPr lang="ko-KR" altLang="en-US"/>
               <a:t>네 번째 수준</a:t>
             </a:r>
+            <a:endParaRPr lang="ko-KR" altLang="en-US"/>
           </a:p>
           <a:p>
             <a:pPr lvl="4"/>
@@ -2935,7 +2620,7 @@
             <a:spLocks noGrp="1"/>
           </p:cNvSpPr>
           <p:nvPr>
-            <p:ph type="body" sz="quarter" idx="3"/>
+            <p:ph type="body" sz="quarter" idx="3" hasCustomPrompt="1"/>
           </p:nvPr>
         </p:nvSpPr>
         <p:spPr>
@@ -2949,39 +2634,39 @@
           <a:lstStyle>
             <a:lvl1pPr marL="0" indent="0">
               <a:buNone/>
-              <a:defRPr sz="2954" b="1"/>
+              <a:defRPr sz="2955" b="1"/>
             </a:lvl1pPr>
-            <a:lvl2pPr marL="562722" indent="0">
-              <a:buNone/>
-              <a:defRPr sz="2462" b="1"/>
+            <a:lvl2pPr marL="562610" indent="0">
+              <a:buNone/>
+              <a:defRPr sz="2460" b="1"/>
             </a:lvl2pPr>
-            <a:lvl3pPr marL="1125444" indent="0">
+            <a:lvl3pPr marL="1125220" indent="0">
               <a:buNone/>
               <a:defRPr sz="2215" b="1"/>
             </a:lvl3pPr>
-            <a:lvl4pPr marL="1688165" indent="0">
-              <a:buNone/>
-              <a:defRPr sz="1969" b="1"/>
+            <a:lvl4pPr marL="1688465" indent="0">
+              <a:buNone/>
+              <a:defRPr sz="1970" b="1"/>
             </a:lvl4pPr>
-            <a:lvl5pPr marL="2250887" indent="0">
-              <a:buNone/>
-              <a:defRPr sz="1969" b="1"/>
+            <a:lvl5pPr marL="2251075" indent="0">
+              <a:buNone/>
+              <a:defRPr sz="1970" b="1"/>
             </a:lvl5pPr>
-            <a:lvl6pPr marL="2813609" indent="0">
-              <a:buNone/>
-              <a:defRPr sz="1969" b="1"/>
+            <a:lvl6pPr marL="2813685" indent="0">
+              <a:buNone/>
+              <a:defRPr sz="1970" b="1"/>
             </a:lvl6pPr>
-            <a:lvl7pPr marL="3376331" indent="0">
-              <a:buNone/>
-              <a:defRPr sz="1969" b="1"/>
+            <a:lvl7pPr marL="3376295" indent="0">
+              <a:buNone/>
+              <a:defRPr sz="1970" b="1"/>
             </a:lvl7pPr>
-            <a:lvl8pPr marL="3939052" indent="0">
-              <a:buNone/>
-              <a:defRPr sz="1969" b="1"/>
+            <a:lvl8pPr marL="3938905" indent="0">
+              <a:buNone/>
+              <a:defRPr sz="1970" b="1"/>
             </a:lvl8pPr>
-            <a:lvl9pPr marL="4501774" indent="0">
-              <a:buNone/>
-              <a:defRPr sz="1969" b="1"/>
+            <a:lvl9pPr marL="4501515" indent="0">
+              <a:buNone/>
+              <a:defRPr sz="1970" b="1"/>
             </a:lvl9pPr>
           </a:lstStyle>
           <a:p>
@@ -2990,6 +2675,7 @@
               <a:rPr lang="ko-KR" altLang="en-US"/>
               <a:t>마스터 텍스트 스타일을 편집하려면 클릭</a:t>
             </a:r>
+            <a:endParaRPr lang="ko-KR" altLang="en-US"/>
           </a:p>
         </p:txBody>
       </p:sp>
@@ -3000,7 +2686,7 @@
             <a:spLocks noGrp="1"/>
           </p:cNvSpPr>
           <p:nvPr>
-            <p:ph sz="quarter" idx="4"/>
+            <p:ph sz="quarter" idx="4" hasCustomPrompt="1"/>
           </p:nvPr>
         </p:nvSpPr>
         <p:spPr>
@@ -3018,6 +2704,7 @@
               <a:rPr lang="ko-KR" altLang="en-US"/>
               <a:t>마스터 텍스트 스타일을 편집하려면 클릭</a:t>
             </a:r>
+            <a:endParaRPr lang="ko-KR" altLang="en-US"/>
           </a:p>
           <a:p>
             <a:pPr lvl="1"/>
@@ -3025,6 +2712,7 @@
               <a:rPr lang="ko-KR" altLang="en-US"/>
               <a:t>두 번째 수준</a:t>
             </a:r>
+            <a:endParaRPr lang="ko-KR" altLang="en-US"/>
           </a:p>
           <a:p>
             <a:pPr lvl="2"/>
@@ -3032,6 +2720,7 @@
               <a:rPr lang="ko-KR" altLang="en-US"/>
               <a:t>세 번째 수준</a:t>
             </a:r>
+            <a:endParaRPr lang="ko-KR" altLang="en-US"/>
           </a:p>
           <a:p>
             <a:pPr lvl="3"/>
@@ -3039,6 +2728,7 @@
               <a:rPr lang="ko-KR" altLang="en-US"/>
               <a:t>네 번째 수준</a:t>
             </a:r>
+            <a:endParaRPr lang="ko-KR" altLang="en-US"/>
           </a:p>
           <a:p>
             <a:pPr lvl="4"/>
@@ -3067,7 +2757,6 @@
           <a:p>
             <a:fld id="{9D14E6C3-38E1-4BB3-AD9D-B2C3EC07895F}" type="datetimeFigureOut">
               <a:rPr lang="ko-KR" altLang="en-US" smtClean="0"/>
-              <a:t>2024-07-22</a:t>
             </a:fld>
             <a:endParaRPr lang="ko-KR" altLang="en-US"/>
           </a:p>
@@ -3109,18 +2798,12 @@
           <a:p>
             <a:fld id="{11E80834-31A0-49C0-943A-493FAE4E7C24}" type="slidenum">
               <a:rPr lang="ko-KR" altLang="en-US" smtClean="0"/>
-              <a:t>‹#›</a:t>
             </a:fld>
             <a:endParaRPr lang="ko-KR" altLang="en-US"/>
           </a:p>
         </p:txBody>
       </p:sp>
     </p:spTree>
-    <p:extLst>
-      <p:ext uri="{BB962C8B-B14F-4D97-AF65-F5344CB8AC3E}">
-        <p14:creationId xmlns:p14="http://schemas.microsoft.com/office/powerpoint/2010/main" val="879669572"/>
-      </p:ext>
-    </p:extLst>
   </p:cSld>
   <p:clrMapOvr>
     <a:masterClrMapping/>
@@ -3152,7 +2835,7 @@
             <a:spLocks noGrp="1"/>
           </p:cNvSpPr>
           <p:nvPr>
-            <p:ph type="title"/>
+            <p:ph type="title" hasCustomPrompt="1"/>
           </p:nvPr>
         </p:nvSpPr>
         <p:spPr/>
@@ -3185,7 +2868,6 @@
           <a:p>
             <a:fld id="{9D14E6C3-38E1-4BB3-AD9D-B2C3EC07895F}" type="datetimeFigureOut">
               <a:rPr lang="ko-KR" altLang="en-US" smtClean="0"/>
-              <a:t>2024-07-22</a:t>
             </a:fld>
             <a:endParaRPr lang="ko-KR" altLang="en-US"/>
           </a:p>
@@ -3227,18 +2909,12 @@
           <a:p>
             <a:fld id="{11E80834-31A0-49C0-943A-493FAE4E7C24}" type="slidenum">
               <a:rPr lang="ko-KR" altLang="en-US" smtClean="0"/>
-              <a:t>‹#›</a:t>
             </a:fld>
             <a:endParaRPr lang="ko-KR" altLang="en-US"/>
           </a:p>
         </p:txBody>
       </p:sp>
     </p:spTree>
-    <p:extLst>
-      <p:ext uri="{BB962C8B-B14F-4D97-AF65-F5344CB8AC3E}">
-        <p14:creationId xmlns:p14="http://schemas.microsoft.com/office/powerpoint/2010/main" val="3652796208"/>
-      </p:ext>
-    </p:extLst>
   </p:cSld>
   <p:clrMapOvr>
     <a:masterClrMapping/>
@@ -3280,7 +2956,6 @@
           <a:p>
             <a:fld id="{9D14E6C3-38E1-4BB3-AD9D-B2C3EC07895F}" type="datetimeFigureOut">
               <a:rPr lang="ko-KR" altLang="en-US" smtClean="0"/>
-              <a:t>2024-07-22</a:t>
             </a:fld>
             <a:endParaRPr lang="ko-KR" altLang="en-US"/>
           </a:p>
@@ -3322,38 +2997,16 @@
           <a:p>
             <a:fld id="{11E80834-31A0-49C0-943A-493FAE4E7C24}" type="slidenum">
               <a:rPr lang="ko-KR" altLang="en-US" smtClean="0"/>
-              <a:t>‹#›</a:t>
             </a:fld>
             <a:endParaRPr lang="ko-KR" altLang="en-US"/>
           </a:p>
         </p:txBody>
       </p:sp>
     </p:spTree>
-    <p:extLst>
-      <p:ext uri="{BB962C8B-B14F-4D97-AF65-F5344CB8AC3E}">
-        <p14:creationId xmlns:p14="http://schemas.microsoft.com/office/powerpoint/2010/main" val="819575789"/>
-      </p:ext>
-    </p:extLst>
   </p:cSld>
   <p:clrMapOvr>
     <a:masterClrMapping/>
   </p:clrMapOvr>
-  <p:extLst>
-    <p:ext uri="{DCECCB84-F9BA-43D5-87BE-67443E8EF086}">
-      <p15:sldGuideLst xmlns:p15="http://schemas.microsoft.com/office/powerpoint/2012/main">
-        <p15:guide id="1" orient="horz" pos="2160" userDrawn="1">
-          <p15:clr>
-            <a:srgbClr val="FBAE40"/>
-          </p15:clr>
-        </p15:guide>
-        <p15:guide id="2" pos="3840" userDrawn="1">
-          <p15:clr>
-            <a:srgbClr val="FBAE40"/>
-          </p15:clr>
-        </p15:guide>
-      </p15:sldGuideLst>
-    </p:ext>
-  </p:extLst>
 </p:sldLayout>
 </file>
 
@@ -3381,7 +3034,7 @@
             <a:spLocks noGrp="1"/>
           </p:cNvSpPr>
           <p:nvPr>
-            <p:ph type="title"/>
+            <p:ph type="title" hasCustomPrompt="1"/>
           </p:nvPr>
         </p:nvSpPr>
         <p:spPr>
@@ -3394,7 +3047,7 @@
           <a:bodyPr anchor="b"/>
           <a:lstStyle>
             <a:lvl1pPr>
-              <a:defRPr sz="3939"/>
+              <a:defRPr sz="3940"/>
             </a:lvl1pPr>
           </a:lstStyle>
           <a:p>
@@ -3413,7 +3066,7 @@
             <a:spLocks noGrp="1"/>
           </p:cNvSpPr>
           <p:nvPr>
-            <p:ph idx="1"/>
+            <p:ph idx="1" hasCustomPrompt="1"/>
           </p:nvPr>
         </p:nvSpPr>
         <p:spPr>
@@ -3426,31 +3079,31 @@
           <a:bodyPr/>
           <a:lstStyle>
             <a:lvl1pPr>
-              <a:defRPr sz="3939"/>
+              <a:defRPr sz="3940"/>
             </a:lvl1pPr>
             <a:lvl2pPr>
-              <a:defRPr sz="3446"/>
+              <a:defRPr sz="3445"/>
             </a:lvl2pPr>
             <a:lvl3pPr>
-              <a:defRPr sz="2954"/>
+              <a:defRPr sz="2955"/>
             </a:lvl3pPr>
             <a:lvl4pPr>
-              <a:defRPr sz="2462"/>
+              <a:defRPr sz="2460"/>
             </a:lvl4pPr>
             <a:lvl5pPr>
-              <a:defRPr sz="2462"/>
+              <a:defRPr sz="2460"/>
             </a:lvl5pPr>
             <a:lvl6pPr>
-              <a:defRPr sz="2462"/>
+              <a:defRPr sz="2460"/>
             </a:lvl6pPr>
             <a:lvl7pPr>
-              <a:defRPr sz="2462"/>
+              <a:defRPr sz="2460"/>
             </a:lvl7pPr>
             <a:lvl8pPr>
-              <a:defRPr sz="2462"/>
+              <a:defRPr sz="2460"/>
             </a:lvl8pPr>
             <a:lvl9pPr>
-              <a:defRPr sz="2462"/>
+              <a:defRPr sz="2460"/>
             </a:lvl9pPr>
           </a:lstStyle>
           <a:p>
@@ -3459,6 +3112,7 @@
               <a:rPr lang="ko-KR" altLang="en-US"/>
               <a:t>마스터 텍스트 스타일을 편집하려면 클릭</a:t>
             </a:r>
+            <a:endParaRPr lang="ko-KR" altLang="en-US"/>
           </a:p>
           <a:p>
             <a:pPr lvl="1"/>
@@ -3466,6 +3120,7 @@
               <a:rPr lang="ko-KR" altLang="en-US"/>
               <a:t>두 번째 수준</a:t>
             </a:r>
+            <a:endParaRPr lang="ko-KR" altLang="en-US"/>
           </a:p>
           <a:p>
             <a:pPr lvl="2"/>
@@ -3473,6 +3128,7 @@
               <a:rPr lang="ko-KR" altLang="en-US"/>
               <a:t>세 번째 수준</a:t>
             </a:r>
+            <a:endParaRPr lang="ko-KR" altLang="en-US"/>
           </a:p>
           <a:p>
             <a:pPr lvl="3"/>
@@ -3480,6 +3136,7 @@
               <a:rPr lang="ko-KR" altLang="en-US"/>
               <a:t>네 번째 수준</a:t>
             </a:r>
+            <a:endParaRPr lang="ko-KR" altLang="en-US"/>
           </a:p>
           <a:p>
             <a:pPr lvl="4"/>
@@ -3498,7 +3155,7 @@
             <a:spLocks noGrp="1"/>
           </p:cNvSpPr>
           <p:nvPr>
-            <p:ph type="body" sz="half" idx="2"/>
+            <p:ph type="body" sz="half" idx="2" hasCustomPrompt="1"/>
           </p:nvPr>
         </p:nvSpPr>
         <p:spPr>
@@ -3512,39 +3169,39 @@
           <a:lstStyle>
             <a:lvl1pPr marL="0" indent="0">
               <a:buNone/>
-              <a:defRPr sz="1969"/>
+              <a:defRPr sz="1970"/>
             </a:lvl1pPr>
-            <a:lvl2pPr marL="562722" indent="0">
-              <a:buNone/>
-              <a:defRPr sz="1723"/>
+            <a:lvl2pPr marL="562610" indent="0">
+              <a:buNone/>
+              <a:defRPr sz="1725"/>
             </a:lvl2pPr>
-            <a:lvl3pPr marL="1125444" indent="0">
-              <a:buNone/>
-              <a:defRPr sz="1477"/>
+            <a:lvl3pPr marL="1125220" indent="0">
+              <a:buNone/>
+              <a:defRPr sz="1475"/>
             </a:lvl3pPr>
-            <a:lvl4pPr marL="1688165" indent="0">
-              <a:buNone/>
-              <a:defRPr sz="1231"/>
+            <a:lvl4pPr marL="1688465" indent="0">
+              <a:buNone/>
+              <a:defRPr sz="1230"/>
             </a:lvl4pPr>
-            <a:lvl5pPr marL="2250887" indent="0">
-              <a:buNone/>
-              <a:defRPr sz="1231"/>
+            <a:lvl5pPr marL="2251075" indent="0">
+              <a:buNone/>
+              <a:defRPr sz="1230"/>
             </a:lvl5pPr>
-            <a:lvl6pPr marL="2813609" indent="0">
-              <a:buNone/>
-              <a:defRPr sz="1231"/>
+            <a:lvl6pPr marL="2813685" indent="0">
+              <a:buNone/>
+              <a:defRPr sz="1230"/>
             </a:lvl6pPr>
-            <a:lvl7pPr marL="3376331" indent="0">
-              <a:buNone/>
-              <a:defRPr sz="1231"/>
+            <a:lvl7pPr marL="3376295" indent="0">
+              <a:buNone/>
+              <a:defRPr sz="1230"/>
             </a:lvl7pPr>
-            <a:lvl8pPr marL="3939052" indent="0">
-              <a:buNone/>
-              <a:defRPr sz="1231"/>
+            <a:lvl8pPr marL="3938905" indent="0">
+              <a:buNone/>
+              <a:defRPr sz="1230"/>
             </a:lvl8pPr>
-            <a:lvl9pPr marL="4501774" indent="0">
-              <a:buNone/>
-              <a:defRPr sz="1231"/>
+            <a:lvl9pPr marL="4501515" indent="0">
+              <a:buNone/>
+              <a:defRPr sz="1230"/>
             </a:lvl9pPr>
           </a:lstStyle>
           <a:p>
@@ -3553,6 +3210,7 @@
               <a:rPr lang="ko-KR" altLang="en-US"/>
               <a:t>마스터 텍스트 스타일을 편집하려면 클릭</a:t>
             </a:r>
+            <a:endParaRPr lang="ko-KR" altLang="en-US"/>
           </a:p>
         </p:txBody>
       </p:sp>
@@ -3573,7 +3231,6 @@
           <a:p>
             <a:fld id="{9D14E6C3-38E1-4BB3-AD9D-B2C3EC07895F}" type="datetimeFigureOut">
               <a:rPr lang="ko-KR" altLang="en-US" smtClean="0"/>
-              <a:t>2024-07-22</a:t>
             </a:fld>
             <a:endParaRPr lang="ko-KR" altLang="en-US"/>
           </a:p>
@@ -3615,18 +3272,12 @@
           <a:p>
             <a:fld id="{11E80834-31A0-49C0-943A-493FAE4E7C24}" type="slidenum">
               <a:rPr lang="ko-KR" altLang="en-US" smtClean="0"/>
-              <a:t>‹#›</a:t>
             </a:fld>
             <a:endParaRPr lang="ko-KR" altLang="en-US"/>
           </a:p>
         </p:txBody>
       </p:sp>
     </p:spTree>
-    <p:extLst>
-      <p:ext uri="{BB962C8B-B14F-4D97-AF65-F5344CB8AC3E}">
-        <p14:creationId xmlns:p14="http://schemas.microsoft.com/office/powerpoint/2010/main" val="3112889364"/>
-      </p:ext>
-    </p:extLst>
   </p:cSld>
   <p:clrMapOvr>
     <a:masterClrMapping/>
@@ -3658,7 +3309,7 @@
             <a:spLocks noGrp="1"/>
           </p:cNvSpPr>
           <p:nvPr>
-            <p:ph type="title"/>
+            <p:ph type="title" hasCustomPrompt="1"/>
           </p:nvPr>
         </p:nvSpPr>
         <p:spPr>
@@ -3671,7 +3322,7 @@
           <a:bodyPr anchor="b"/>
           <a:lstStyle>
             <a:lvl1pPr>
-              <a:defRPr sz="3939"/>
+              <a:defRPr sz="3940"/>
             </a:lvl1pPr>
           </a:lstStyle>
           <a:p>
@@ -3690,7 +3341,7 @@
             <a:spLocks noGrp="1" noChangeAspect="1"/>
           </p:cNvSpPr>
           <p:nvPr>
-            <p:ph type="pic" idx="1"/>
+            <p:ph type="pic" idx="1" hasCustomPrompt="1"/>
           </p:nvPr>
         </p:nvSpPr>
         <p:spPr>
@@ -3704,39 +3355,39 @@
           <a:lstStyle>
             <a:lvl1pPr marL="0" indent="0">
               <a:buNone/>
-              <a:defRPr sz="3939"/>
+              <a:defRPr sz="3940"/>
             </a:lvl1pPr>
-            <a:lvl2pPr marL="562722" indent="0">
-              <a:buNone/>
-              <a:defRPr sz="3446"/>
+            <a:lvl2pPr marL="562610" indent="0">
+              <a:buNone/>
+              <a:defRPr sz="3445"/>
             </a:lvl2pPr>
-            <a:lvl3pPr marL="1125444" indent="0">
-              <a:buNone/>
-              <a:defRPr sz="2954"/>
+            <a:lvl3pPr marL="1125220" indent="0">
+              <a:buNone/>
+              <a:defRPr sz="2955"/>
             </a:lvl3pPr>
-            <a:lvl4pPr marL="1688165" indent="0">
-              <a:buNone/>
-              <a:defRPr sz="2462"/>
+            <a:lvl4pPr marL="1688465" indent="0">
+              <a:buNone/>
+              <a:defRPr sz="2460"/>
             </a:lvl4pPr>
-            <a:lvl5pPr marL="2250887" indent="0">
-              <a:buNone/>
-              <a:defRPr sz="2462"/>
+            <a:lvl5pPr marL="2251075" indent="0">
+              <a:buNone/>
+              <a:defRPr sz="2460"/>
             </a:lvl5pPr>
-            <a:lvl6pPr marL="2813609" indent="0">
-              <a:buNone/>
-              <a:defRPr sz="2462"/>
+            <a:lvl6pPr marL="2813685" indent="0">
+              <a:buNone/>
+              <a:defRPr sz="2460"/>
             </a:lvl6pPr>
-            <a:lvl7pPr marL="3376331" indent="0">
-              <a:buNone/>
-              <a:defRPr sz="2462"/>
+            <a:lvl7pPr marL="3376295" indent="0">
+              <a:buNone/>
+              <a:defRPr sz="2460"/>
             </a:lvl7pPr>
-            <a:lvl8pPr marL="3939052" indent="0">
-              <a:buNone/>
-              <a:defRPr sz="2462"/>
+            <a:lvl8pPr marL="3938905" indent="0">
+              <a:buNone/>
+              <a:defRPr sz="2460"/>
             </a:lvl8pPr>
-            <a:lvl9pPr marL="4501774" indent="0">
-              <a:buNone/>
-              <a:defRPr sz="2462"/>
+            <a:lvl9pPr marL="4501515" indent="0">
+              <a:buNone/>
+              <a:defRPr sz="2460"/>
             </a:lvl9pPr>
           </a:lstStyle>
           <a:p>
@@ -3755,7 +3406,7 @@
             <a:spLocks noGrp="1"/>
           </p:cNvSpPr>
           <p:nvPr>
-            <p:ph type="body" sz="half" idx="2"/>
+            <p:ph type="body" sz="half" idx="2" hasCustomPrompt="1"/>
           </p:nvPr>
         </p:nvSpPr>
         <p:spPr>
@@ -3769,39 +3420,39 @@
           <a:lstStyle>
             <a:lvl1pPr marL="0" indent="0">
               <a:buNone/>
-              <a:defRPr sz="1969"/>
+              <a:defRPr sz="1970"/>
             </a:lvl1pPr>
-            <a:lvl2pPr marL="562722" indent="0">
-              <a:buNone/>
-              <a:defRPr sz="1723"/>
+            <a:lvl2pPr marL="562610" indent="0">
+              <a:buNone/>
+              <a:defRPr sz="1725"/>
             </a:lvl2pPr>
-            <a:lvl3pPr marL="1125444" indent="0">
-              <a:buNone/>
-              <a:defRPr sz="1477"/>
+            <a:lvl3pPr marL="1125220" indent="0">
+              <a:buNone/>
+              <a:defRPr sz="1475"/>
             </a:lvl3pPr>
-            <a:lvl4pPr marL="1688165" indent="0">
-              <a:buNone/>
-              <a:defRPr sz="1231"/>
+            <a:lvl4pPr marL="1688465" indent="0">
+              <a:buNone/>
+              <a:defRPr sz="1230"/>
             </a:lvl4pPr>
-            <a:lvl5pPr marL="2250887" indent="0">
-              <a:buNone/>
-              <a:defRPr sz="1231"/>
+            <a:lvl5pPr marL="2251075" indent="0">
+              <a:buNone/>
+              <a:defRPr sz="1230"/>
             </a:lvl5pPr>
-            <a:lvl6pPr marL="2813609" indent="0">
-              <a:buNone/>
-              <a:defRPr sz="1231"/>
+            <a:lvl6pPr marL="2813685" indent="0">
+              <a:buNone/>
+              <a:defRPr sz="1230"/>
             </a:lvl6pPr>
-            <a:lvl7pPr marL="3376331" indent="0">
-              <a:buNone/>
-              <a:defRPr sz="1231"/>
+            <a:lvl7pPr marL="3376295" indent="0">
+              <a:buNone/>
+              <a:defRPr sz="1230"/>
             </a:lvl7pPr>
-            <a:lvl8pPr marL="3939052" indent="0">
-              <a:buNone/>
-              <a:defRPr sz="1231"/>
+            <a:lvl8pPr marL="3938905" indent="0">
+              <a:buNone/>
+              <a:defRPr sz="1230"/>
             </a:lvl8pPr>
-            <a:lvl9pPr marL="4501774" indent="0">
-              <a:buNone/>
-              <a:defRPr sz="1231"/>
+            <a:lvl9pPr marL="4501515" indent="0">
+              <a:buNone/>
+              <a:defRPr sz="1230"/>
             </a:lvl9pPr>
           </a:lstStyle>
           <a:p>
@@ -3810,6 +3461,7 @@
               <a:rPr lang="ko-KR" altLang="en-US"/>
               <a:t>마스터 텍스트 스타일을 편집하려면 클릭</a:t>
             </a:r>
+            <a:endParaRPr lang="ko-KR" altLang="en-US"/>
           </a:p>
         </p:txBody>
       </p:sp>
@@ -3830,7 +3482,6 @@
           <a:p>
             <a:fld id="{9D14E6C3-38E1-4BB3-AD9D-B2C3EC07895F}" type="datetimeFigureOut">
               <a:rPr lang="ko-KR" altLang="en-US" smtClean="0"/>
-              <a:t>2024-07-22</a:t>
             </a:fld>
             <a:endParaRPr lang="ko-KR" altLang="en-US"/>
           </a:p>
@@ -3872,18 +3523,12 @@
           <a:p>
             <a:fld id="{11E80834-31A0-49C0-943A-493FAE4E7C24}" type="slidenum">
               <a:rPr lang="ko-KR" altLang="en-US" smtClean="0"/>
-              <a:t>‹#›</a:t>
             </a:fld>
             <a:endParaRPr lang="ko-KR" altLang="en-US"/>
           </a:p>
         </p:txBody>
       </p:sp>
     </p:spTree>
-    <p:extLst>
-      <p:ext uri="{BB962C8B-B14F-4D97-AF65-F5344CB8AC3E}">
-        <p14:creationId xmlns:p14="http://schemas.microsoft.com/office/powerpoint/2010/main" val="931862795"/>
-      </p:ext>
-    </p:extLst>
   </p:cSld>
   <p:clrMapOvr>
     <a:masterClrMapping/>
@@ -3976,6 +3621,7 @@
               <a:rPr lang="ko-KR" altLang="en-US"/>
               <a:t>마스터 텍스트 스타일을 편집하려면 클릭</a:t>
             </a:r>
+            <a:endParaRPr lang="ko-KR" altLang="en-US"/>
           </a:p>
           <a:p>
             <a:pPr lvl="1"/>
@@ -3983,6 +3629,7 @@
               <a:rPr lang="ko-KR" altLang="en-US"/>
               <a:t>두 번째 수준</a:t>
             </a:r>
+            <a:endParaRPr lang="ko-KR" altLang="en-US"/>
           </a:p>
           <a:p>
             <a:pPr lvl="2"/>
@@ -3990,6 +3637,7 @@
               <a:rPr lang="ko-KR" altLang="en-US"/>
               <a:t>세 번째 수준</a:t>
             </a:r>
+            <a:endParaRPr lang="ko-KR" altLang="en-US"/>
           </a:p>
           <a:p>
             <a:pPr lvl="3"/>
@@ -3997,6 +3645,7 @@
               <a:rPr lang="ko-KR" altLang="en-US"/>
               <a:t>네 번째 수준</a:t>
             </a:r>
+            <a:endParaRPr lang="ko-KR" altLang="en-US"/>
           </a:p>
           <a:p>
             <a:pPr lvl="4"/>
@@ -4031,7 +3680,7 @@
           <a:bodyPr vert="horz" lIns="91440" tIns="45720" rIns="91440" bIns="45720" rtlCol="0" anchor="ctr"/>
           <a:lstStyle>
             <a:lvl1pPr algn="l">
-              <a:defRPr sz="1477">
+              <a:defRPr sz="1475">
                 <a:solidFill>
                   <a:schemeClr val="tx1">
                     <a:tint val="75000"/>
@@ -4043,7 +3692,6 @@
           <a:p>
             <a:fld id="{9D14E6C3-38E1-4BB3-AD9D-B2C3EC07895F}" type="datetimeFigureOut">
               <a:rPr lang="ko-KR" altLang="en-US" smtClean="0"/>
-              <a:t>2024-07-22</a:t>
             </a:fld>
             <a:endParaRPr lang="ko-KR" altLang="en-US"/>
           </a:p>
@@ -4072,7 +3720,7 @@
           <a:bodyPr vert="horz" lIns="91440" tIns="45720" rIns="91440" bIns="45720" rtlCol="0" anchor="ctr"/>
           <a:lstStyle>
             <a:lvl1pPr algn="ctr">
-              <a:defRPr sz="1477">
+              <a:defRPr sz="1475">
                 <a:solidFill>
                   <a:schemeClr val="tx1">
                     <a:tint val="75000"/>
@@ -4109,7 +3757,7 @@
           <a:bodyPr vert="horz" lIns="91440" tIns="45720" rIns="91440" bIns="45720" rtlCol="0" anchor="ctr"/>
           <a:lstStyle>
             <a:lvl1pPr algn="r">
-              <a:defRPr sz="1477">
+              <a:defRPr sz="1475">
                 <a:solidFill>
                   <a:schemeClr val="tx1">
                     <a:tint val="75000"/>
@@ -4121,40 +3769,34 @@
           <a:p>
             <a:fld id="{11E80834-31A0-49C0-943A-493FAE4E7C24}" type="slidenum">
               <a:rPr lang="ko-KR" altLang="en-US" smtClean="0"/>
-              <a:t>‹#›</a:t>
             </a:fld>
             <a:endParaRPr lang="ko-KR" altLang="en-US"/>
           </a:p>
         </p:txBody>
       </p:sp>
     </p:spTree>
-    <p:extLst>
-      <p:ext uri="{BB962C8B-B14F-4D97-AF65-F5344CB8AC3E}">
-        <p14:creationId xmlns:p14="http://schemas.microsoft.com/office/powerpoint/2010/main" val="1900546482"/>
-      </p:ext>
-    </p:extLst>
   </p:cSld>
   <p:clrMap bg1="lt1" tx1="dk1" bg2="lt2" tx2="dk2" accent1="accent1" accent2="accent2" accent3="accent3" accent4="accent4" accent5="accent5" accent6="accent6" hlink="hlink" folHlink="folHlink"/>
   <p:sldLayoutIdLst>
-    <p:sldLayoutId id="2147483676" r:id="rId1"/>
-    <p:sldLayoutId id="2147483677" r:id="rId2"/>
-    <p:sldLayoutId id="2147483678" r:id="rId3"/>
-    <p:sldLayoutId id="2147483679" r:id="rId4"/>
-    <p:sldLayoutId id="2147483680" r:id="rId5"/>
-    <p:sldLayoutId id="2147483681" r:id="rId6"/>
-    <p:sldLayoutId id="2147483682" r:id="rId7"/>
-    <p:sldLayoutId id="2147483683" r:id="rId8"/>
-    <p:sldLayoutId id="2147483684" r:id="rId9"/>
-    <p:sldLayoutId id="2147483685" r:id="rId10"/>
-    <p:sldLayoutId id="2147483686" r:id="rId11"/>
-    <p:sldLayoutId id="2147483687" r:id="rId12"/>
-    <p:sldLayoutId id="2147483688" r:id="rId13"/>
-    <p:sldLayoutId id="2147483689" r:id="rId14"/>
-    <p:sldLayoutId id="2147483690" r:id="rId15"/>
+    <p:sldLayoutId id="2147483649" r:id="rId1"/>
+    <p:sldLayoutId id="2147483650" r:id="rId2"/>
+    <p:sldLayoutId id="2147483651" r:id="rId3"/>
+    <p:sldLayoutId id="2147483652" r:id="rId4"/>
+    <p:sldLayoutId id="2147483653" r:id="rId5"/>
+    <p:sldLayoutId id="2147483654" r:id="rId6"/>
+    <p:sldLayoutId id="2147483655" r:id="rId7"/>
+    <p:sldLayoutId id="2147483656" r:id="rId8"/>
+    <p:sldLayoutId id="2147483657" r:id="rId9"/>
+    <p:sldLayoutId id="2147483658" r:id="rId10"/>
+    <p:sldLayoutId id="2147483659" r:id="rId11"/>
+    <p:sldLayoutId id="2147483660" r:id="rId12"/>
+    <p:sldLayoutId id="2147483661" r:id="rId13"/>
+    <p:sldLayoutId id="2147483662" r:id="rId14"/>
+    <p:sldLayoutId id="2147483663" r:id="rId15"/>
   </p:sldLayoutIdLst>
   <p:txStyles>
     <p:titleStyle>
-      <a:lvl1pPr algn="l" defTabSz="1125444" rtl="0" eaLnBrk="1" latinLnBrk="1" hangingPunct="1">
+      <a:lvl1pPr algn="l" defTabSz="1125220" rtl="0" eaLnBrk="1" latinLnBrk="1" hangingPunct="1">
         <a:lnSpc>
           <a:spcPct val="90000"/>
         </a:lnSpc>
@@ -4162,7 +3804,7 @@
           <a:spcPct val="0"/>
         </a:spcBef>
         <a:buNone/>
-        <a:defRPr sz="5416" kern="1200">
+        <a:defRPr sz="5415" kern="1200">
           <a:solidFill>
             <a:schemeClr val="tx1"/>
           </a:solidFill>
@@ -4173,16 +3815,16 @@
       </a:lvl1pPr>
     </p:titleStyle>
     <p:bodyStyle>
-      <a:lvl1pPr marL="281361" indent="-281361" algn="l" defTabSz="1125444" rtl="0" eaLnBrk="1" latinLnBrk="1" hangingPunct="1">
+      <a:lvl1pPr marL="281305" indent="-281305" algn="l" defTabSz="1125220" rtl="0" eaLnBrk="1" latinLnBrk="1" hangingPunct="1">
         <a:lnSpc>
           <a:spcPct val="90000"/>
         </a:lnSpc>
         <a:spcBef>
-          <a:spcPts val="1231"/>
+          <a:spcPts val="1230"/>
         </a:spcBef>
         <a:buFont typeface="Arial" panose="020B0604020202020204" pitchFamily="34" charset="0"/>
         <a:buChar char="•"/>
-        <a:defRPr sz="3446" kern="1200">
+        <a:defRPr sz="3445" kern="1200">
           <a:solidFill>
             <a:schemeClr val="tx1"/>
           </a:solidFill>
@@ -4191,7 +3833,7 @@
           <a:cs typeface="+mn-cs"/>
         </a:defRPr>
       </a:lvl1pPr>
-      <a:lvl2pPr marL="844083" indent="-281361" algn="l" defTabSz="1125444" rtl="0" eaLnBrk="1" latinLnBrk="1" hangingPunct="1">
+      <a:lvl2pPr marL="843915" indent="-281305" algn="l" defTabSz="1125220" rtl="0" eaLnBrk="1" latinLnBrk="1" hangingPunct="1">
         <a:lnSpc>
           <a:spcPct val="90000"/>
         </a:lnSpc>
@@ -4200,7 +3842,7 @@
         </a:spcBef>
         <a:buFont typeface="Arial" panose="020B0604020202020204" pitchFamily="34" charset="0"/>
         <a:buChar char="•"/>
-        <a:defRPr sz="2954" kern="1200">
+        <a:defRPr sz="2955" kern="1200">
           <a:solidFill>
             <a:schemeClr val="tx1"/>
           </a:solidFill>
@@ -4209,7 +3851,7 @@
           <a:cs typeface="+mn-cs"/>
         </a:defRPr>
       </a:lvl2pPr>
-      <a:lvl3pPr marL="1406804" indent="-281361" algn="l" defTabSz="1125444" rtl="0" eaLnBrk="1" latinLnBrk="1" hangingPunct="1">
+      <a:lvl3pPr marL="1406525" indent="-281305" algn="l" defTabSz="1125220" rtl="0" eaLnBrk="1" latinLnBrk="1" hangingPunct="1">
         <a:lnSpc>
           <a:spcPct val="90000"/>
         </a:lnSpc>
@@ -4218,7 +3860,7 @@
         </a:spcBef>
         <a:buFont typeface="Arial" panose="020B0604020202020204" pitchFamily="34" charset="0"/>
         <a:buChar char="•"/>
-        <a:defRPr sz="2462" kern="1200">
+        <a:defRPr sz="2460" kern="1200">
           <a:solidFill>
             <a:schemeClr val="tx1"/>
           </a:solidFill>
@@ -4227,7 +3869,7 @@
           <a:cs typeface="+mn-cs"/>
         </a:defRPr>
       </a:lvl3pPr>
-      <a:lvl4pPr marL="1969526" indent="-281361" algn="l" defTabSz="1125444" rtl="0" eaLnBrk="1" latinLnBrk="1" hangingPunct="1">
+      <a:lvl4pPr marL="1969770" indent="-281305" algn="l" defTabSz="1125220" rtl="0" eaLnBrk="1" latinLnBrk="1" hangingPunct="1">
         <a:lnSpc>
           <a:spcPct val="90000"/>
         </a:lnSpc>
@@ -4245,7 +3887,7 @@
           <a:cs typeface="+mn-cs"/>
         </a:defRPr>
       </a:lvl4pPr>
-      <a:lvl5pPr marL="2532248" indent="-281361" algn="l" defTabSz="1125444" rtl="0" eaLnBrk="1" latinLnBrk="1" hangingPunct="1">
+      <a:lvl5pPr marL="2532380" indent="-281305" algn="l" defTabSz="1125220" rtl="0" eaLnBrk="1" latinLnBrk="1" hangingPunct="1">
         <a:lnSpc>
           <a:spcPct val="90000"/>
         </a:lnSpc>
@@ -4263,7 +3905,7 @@
           <a:cs typeface="+mn-cs"/>
         </a:defRPr>
       </a:lvl5pPr>
-      <a:lvl6pPr marL="3094970" indent="-281361" algn="l" defTabSz="1125444" rtl="0" eaLnBrk="1" latinLnBrk="1" hangingPunct="1">
+      <a:lvl6pPr marL="3094990" indent="-281305" algn="l" defTabSz="1125220" rtl="0" eaLnBrk="1" latinLnBrk="1" hangingPunct="1">
         <a:lnSpc>
           <a:spcPct val="90000"/>
         </a:lnSpc>
@@ -4281,7 +3923,7 @@
           <a:cs typeface="+mn-cs"/>
         </a:defRPr>
       </a:lvl6pPr>
-      <a:lvl7pPr marL="3657691" indent="-281361" algn="l" defTabSz="1125444" rtl="0" eaLnBrk="1" latinLnBrk="1" hangingPunct="1">
+      <a:lvl7pPr marL="3657600" indent="-281305" algn="l" defTabSz="1125220" rtl="0" eaLnBrk="1" latinLnBrk="1" hangingPunct="1">
         <a:lnSpc>
           <a:spcPct val="90000"/>
         </a:lnSpc>
@@ -4299,7 +3941,7 @@
           <a:cs typeface="+mn-cs"/>
         </a:defRPr>
       </a:lvl7pPr>
-      <a:lvl8pPr marL="4220413" indent="-281361" algn="l" defTabSz="1125444" rtl="0" eaLnBrk="1" latinLnBrk="1" hangingPunct="1">
+      <a:lvl8pPr marL="4220210" indent="-281305" algn="l" defTabSz="1125220" rtl="0" eaLnBrk="1" latinLnBrk="1" hangingPunct="1">
         <a:lnSpc>
           <a:spcPct val="90000"/>
         </a:lnSpc>
@@ -4317,7 +3959,7 @@
           <a:cs typeface="+mn-cs"/>
         </a:defRPr>
       </a:lvl8pPr>
-      <a:lvl9pPr marL="4783135" indent="-281361" algn="l" defTabSz="1125444" rtl="0" eaLnBrk="1" latinLnBrk="1" hangingPunct="1">
+      <a:lvl9pPr marL="4782820" indent="-281305" algn="l" defTabSz="1125220" rtl="0" eaLnBrk="1" latinLnBrk="1" hangingPunct="1">
         <a:lnSpc>
           <a:spcPct val="90000"/>
         </a:lnSpc>
@@ -4340,7 +3982,7 @@
       <a:defPPr>
         <a:defRPr lang="en-US"/>
       </a:defPPr>
-      <a:lvl1pPr marL="0" algn="l" defTabSz="1125444" rtl="0" eaLnBrk="1" latinLnBrk="1" hangingPunct="1">
+      <a:lvl1pPr marL="0" algn="l" defTabSz="1125220" rtl="0" eaLnBrk="1" latinLnBrk="1" hangingPunct="1">
         <a:defRPr sz="2215" kern="1200">
           <a:solidFill>
             <a:schemeClr val="tx1"/>
@@ -4350,7 +3992,7 @@
           <a:cs typeface="+mn-cs"/>
         </a:defRPr>
       </a:lvl1pPr>
-      <a:lvl2pPr marL="562722" algn="l" defTabSz="1125444" rtl="0" eaLnBrk="1" latinLnBrk="1" hangingPunct="1">
+      <a:lvl2pPr marL="562610" algn="l" defTabSz="1125220" rtl="0" eaLnBrk="1" latinLnBrk="1" hangingPunct="1">
         <a:defRPr sz="2215" kern="1200">
           <a:solidFill>
             <a:schemeClr val="tx1"/>
@@ -4360,7 +4002,7 @@
           <a:cs typeface="+mn-cs"/>
         </a:defRPr>
       </a:lvl2pPr>
-      <a:lvl3pPr marL="1125444" algn="l" defTabSz="1125444" rtl="0" eaLnBrk="1" latinLnBrk="1" hangingPunct="1">
+      <a:lvl3pPr marL="1125220" algn="l" defTabSz="1125220" rtl="0" eaLnBrk="1" latinLnBrk="1" hangingPunct="1">
         <a:defRPr sz="2215" kern="1200">
           <a:solidFill>
             <a:schemeClr val="tx1"/>
@@ -4370,7 +4012,7 @@
           <a:cs typeface="+mn-cs"/>
         </a:defRPr>
       </a:lvl3pPr>
-      <a:lvl4pPr marL="1688165" algn="l" defTabSz="1125444" rtl="0" eaLnBrk="1" latinLnBrk="1" hangingPunct="1">
+      <a:lvl4pPr marL="1688465" algn="l" defTabSz="1125220" rtl="0" eaLnBrk="1" latinLnBrk="1" hangingPunct="1">
         <a:defRPr sz="2215" kern="1200">
           <a:solidFill>
             <a:schemeClr val="tx1"/>
@@ -4380,7 +4022,7 @@
           <a:cs typeface="+mn-cs"/>
         </a:defRPr>
       </a:lvl4pPr>
-      <a:lvl5pPr marL="2250887" algn="l" defTabSz="1125444" rtl="0" eaLnBrk="1" latinLnBrk="1" hangingPunct="1">
+      <a:lvl5pPr marL="2251075" algn="l" defTabSz="1125220" rtl="0" eaLnBrk="1" latinLnBrk="1" hangingPunct="1">
         <a:defRPr sz="2215" kern="1200">
           <a:solidFill>
             <a:schemeClr val="tx1"/>
@@ -4390,7 +4032,7 @@
           <a:cs typeface="+mn-cs"/>
         </a:defRPr>
       </a:lvl5pPr>
-      <a:lvl6pPr marL="2813609" algn="l" defTabSz="1125444" rtl="0" eaLnBrk="1" latinLnBrk="1" hangingPunct="1">
+      <a:lvl6pPr marL="2813685" algn="l" defTabSz="1125220" rtl="0" eaLnBrk="1" latinLnBrk="1" hangingPunct="1">
         <a:defRPr sz="2215" kern="1200">
           <a:solidFill>
             <a:schemeClr val="tx1"/>
@@ -4400,7 +4042,7 @@
           <a:cs typeface="+mn-cs"/>
         </a:defRPr>
       </a:lvl6pPr>
-      <a:lvl7pPr marL="3376331" algn="l" defTabSz="1125444" rtl="0" eaLnBrk="1" latinLnBrk="1" hangingPunct="1">
+      <a:lvl7pPr marL="3376295" algn="l" defTabSz="1125220" rtl="0" eaLnBrk="1" latinLnBrk="1" hangingPunct="1">
         <a:defRPr sz="2215" kern="1200">
           <a:solidFill>
             <a:schemeClr val="tx1"/>
@@ -4410,7 +4052,7 @@
           <a:cs typeface="+mn-cs"/>
         </a:defRPr>
       </a:lvl7pPr>
-      <a:lvl8pPr marL="3939052" algn="l" defTabSz="1125444" rtl="0" eaLnBrk="1" latinLnBrk="1" hangingPunct="1">
+      <a:lvl8pPr marL="3938905" algn="l" defTabSz="1125220" rtl="0" eaLnBrk="1" latinLnBrk="1" hangingPunct="1">
         <a:defRPr sz="2215" kern="1200">
           <a:solidFill>
             <a:schemeClr val="tx1"/>
@@ -4420,7 +4062,7 @@
           <a:cs typeface="+mn-cs"/>
         </a:defRPr>
       </a:lvl8pPr>
-      <a:lvl9pPr marL="4501774" algn="l" defTabSz="1125444" rtl="0" eaLnBrk="1" latinLnBrk="1" hangingPunct="1">
+      <a:lvl9pPr marL="4501515" algn="l" defTabSz="1125220" rtl="0" eaLnBrk="1" latinLnBrk="1" hangingPunct="1">
         <a:defRPr sz="2215" kern="1200">
           <a:solidFill>
             <a:schemeClr val="tx1"/>
@@ -4432,22 +4074,6 @@
       </a:lvl9pPr>
     </p:otherStyle>
   </p:txStyles>
-  <p:extLst>
-    <p:ext uri="{27BBF7A9-308A-43DC-89C8-2F10F3537804}">
-      <p15:sldGuideLst xmlns:p15="http://schemas.microsoft.com/office/powerpoint/2012/main">
-        <p15:guide id="1" orient="horz" pos="2160" userDrawn="1">
-          <p15:clr>
-            <a:srgbClr val="F26B43"/>
-          </p15:clr>
-        </p15:guide>
-        <p15:guide id="2" pos="3840" userDrawn="1">
-          <p15:clr>
-            <a:srgbClr val="F26B43"/>
-          </p15:clr>
-        </p15:guide>
-      </p15:sldGuideLst>
-    </p:ext>
-  </p:extLst>
 </p:sldMaster>
 </file>
 
@@ -4478,8 +4104,8 @@
         </p:nvSpPr>
         <p:spPr bwMode="auto">
           <a:xfrm>
-            <a:off x="4229351" y="1190753"/>
-            <a:ext cx="6303962" cy="558423"/>
+            <a:off x="4229351" y="1380850"/>
+            <a:ext cx="6303962" cy="391967"/>
           </a:xfrm>
           <a:prstGeom prst="rect">
             <a:avLst/>
@@ -4518,8 +4144,8 @@
                 <a:solidFill>
                   <a:schemeClr val="tx1"/>
                 </a:solidFill>
-                <a:latin typeface="Times New Roman" pitchFamily="18" charset="0"/>
-                <a:ea typeface="바탕체" pitchFamily="17" charset="-127"/>
+                <a:latin typeface="Times New Roman" panose="02020603050405020304" pitchFamily="18" charset="0"/>
+                <a:ea typeface="BatangChe" panose="02030609000101010101" pitchFamily="17" charset="-127"/>
               </a:defRPr>
             </a:lvl1pPr>
             <a:lvl2pPr marL="742950" indent="-285750" eaLnBrk="0" hangingPunct="0">
@@ -4527,8 +4153,8 @@
                 <a:solidFill>
                   <a:schemeClr val="tx1"/>
                 </a:solidFill>
-                <a:latin typeface="Times New Roman" pitchFamily="18" charset="0"/>
-                <a:ea typeface="바탕체" pitchFamily="17" charset="-127"/>
+                <a:latin typeface="Times New Roman" panose="02020603050405020304" pitchFamily="18" charset="0"/>
+                <a:ea typeface="BatangChe" panose="02030609000101010101" pitchFamily="17" charset="-127"/>
               </a:defRPr>
             </a:lvl2pPr>
             <a:lvl3pPr marL="1143000" indent="-228600" eaLnBrk="0" hangingPunct="0">
@@ -4536,8 +4162,8 @@
                 <a:solidFill>
                   <a:schemeClr val="tx1"/>
                 </a:solidFill>
-                <a:latin typeface="Times New Roman" pitchFamily="18" charset="0"/>
-                <a:ea typeface="바탕체" pitchFamily="17" charset="-127"/>
+                <a:latin typeface="Times New Roman" panose="02020603050405020304" pitchFamily="18" charset="0"/>
+                <a:ea typeface="BatangChe" panose="02030609000101010101" pitchFamily="17" charset="-127"/>
               </a:defRPr>
             </a:lvl3pPr>
             <a:lvl4pPr marL="1600200" indent="-228600" eaLnBrk="0" hangingPunct="0">
@@ -4545,8 +4171,8 @@
                 <a:solidFill>
                   <a:schemeClr val="tx1"/>
                 </a:solidFill>
-                <a:latin typeface="Times New Roman" pitchFamily="18" charset="0"/>
-                <a:ea typeface="바탕체" pitchFamily="17" charset="-127"/>
+                <a:latin typeface="Times New Roman" panose="02020603050405020304" pitchFamily="18" charset="0"/>
+                <a:ea typeface="BatangChe" panose="02030609000101010101" pitchFamily="17" charset="-127"/>
               </a:defRPr>
             </a:lvl4pPr>
             <a:lvl5pPr marL="2057400" indent="-228600" eaLnBrk="0" hangingPunct="0">
@@ -4554,8 +4180,8 @@
                 <a:solidFill>
                   <a:schemeClr val="tx1"/>
                 </a:solidFill>
-                <a:latin typeface="Times New Roman" pitchFamily="18" charset="0"/>
-                <a:ea typeface="바탕체" pitchFamily="17" charset="-127"/>
+                <a:latin typeface="Times New Roman" panose="02020603050405020304" pitchFamily="18" charset="0"/>
+                <a:ea typeface="BatangChe" panose="02030609000101010101" pitchFamily="17" charset="-127"/>
               </a:defRPr>
             </a:lvl5pPr>
             <a:lvl6pPr marL="2514600" indent="-228600" eaLnBrk="0" fontAlgn="base" hangingPunct="0">
@@ -4569,8 +4195,8 @@
                 <a:solidFill>
                   <a:schemeClr val="tx1"/>
                 </a:solidFill>
-                <a:latin typeface="Times New Roman" pitchFamily="18" charset="0"/>
-                <a:ea typeface="바탕체" pitchFamily="17" charset="-127"/>
+                <a:latin typeface="Times New Roman" panose="02020603050405020304" pitchFamily="18" charset="0"/>
+                <a:ea typeface="BatangChe" panose="02030609000101010101" pitchFamily="17" charset="-127"/>
               </a:defRPr>
             </a:lvl6pPr>
             <a:lvl7pPr marL="2971800" indent="-228600" eaLnBrk="0" fontAlgn="base" hangingPunct="0">
@@ -4584,8 +4210,8 @@
                 <a:solidFill>
                   <a:schemeClr val="tx1"/>
                 </a:solidFill>
-                <a:latin typeface="Times New Roman" pitchFamily="18" charset="0"/>
-                <a:ea typeface="바탕체" pitchFamily="17" charset="-127"/>
+                <a:latin typeface="Times New Roman" panose="02020603050405020304" pitchFamily="18" charset="0"/>
+                <a:ea typeface="BatangChe" panose="02030609000101010101" pitchFamily="17" charset="-127"/>
               </a:defRPr>
             </a:lvl7pPr>
             <a:lvl8pPr marL="3429000" indent="-228600" eaLnBrk="0" fontAlgn="base" hangingPunct="0">
@@ -4599,8 +4225,8 @@
                 <a:solidFill>
                   <a:schemeClr val="tx1"/>
                 </a:solidFill>
-                <a:latin typeface="Times New Roman" pitchFamily="18" charset="0"/>
-                <a:ea typeface="바탕체" pitchFamily="17" charset="-127"/>
+                <a:latin typeface="Times New Roman" panose="02020603050405020304" pitchFamily="18" charset="0"/>
+                <a:ea typeface="BatangChe" panose="02030609000101010101" pitchFamily="17" charset="-127"/>
               </a:defRPr>
             </a:lvl8pPr>
             <a:lvl9pPr marL="3886200" indent="-228600" eaLnBrk="0" fontAlgn="base" hangingPunct="0">
@@ -4614,8 +4240,8 @@
                 <a:solidFill>
                   <a:schemeClr val="tx1"/>
                 </a:solidFill>
-                <a:latin typeface="Times New Roman" pitchFamily="18" charset="0"/>
-                <a:ea typeface="바탕체" pitchFamily="17" charset="-127"/>
+                <a:latin typeface="Times New Roman" panose="02020603050405020304" pitchFamily="18" charset="0"/>
+                <a:ea typeface="BatangChe" panose="02030609000101010101" pitchFamily="17" charset="-127"/>
               </a:defRPr>
             </a:lvl9pPr>
           </a:lstStyle>
@@ -4631,29 +4257,36 @@
               <a:buNone/>
             </a:pPr>
             <a:r>
-              <a:rPr kumimoji="0" lang="ko-KR" altLang="en-US" sz="2800" b="1" dirty="0">
-                <a:latin typeface="맑은 고딕" pitchFamily="50" charset="-127"/>
-                <a:ea typeface="맑은 고딕" pitchFamily="50" charset="-127"/>
+              <a:rPr kumimoji="0" lang="ko-KR" altLang="en-US" sz="1800" b="1" dirty="0">
+                <a:latin typeface="Malgun Gothic" panose="020B0503020000020004" pitchFamily="50" charset="-127"/>
+                <a:ea typeface="Malgun Gothic" panose="020B0503020000020004" pitchFamily="50" charset="-127"/>
               </a:rPr>
-              <a:t>인턴 </a:t>
-            </a:r>
-            <a:r>
-              <a:rPr kumimoji="0" lang="en-US" altLang="ko-KR" sz="2800" b="1" dirty="0">
-                <a:latin typeface="맑은 고딕" pitchFamily="50" charset="-127"/>
-                <a:ea typeface="맑은 고딕" pitchFamily="50" charset="-127"/>
+              <a:t>판매용 폰 번호 조회 웹</a:t>
+            </a:r>
+            <a:r>
+              <a:rPr kumimoji="0" lang="en-US" altLang="ko-KR" sz="1800" b="1" dirty="0">
+                <a:latin typeface="Malgun Gothic" panose="020B0503020000020004" pitchFamily="50" charset="-127"/>
+                <a:ea typeface="Malgun Gothic" panose="020B0503020000020004" pitchFamily="50" charset="-127"/>
               </a:rPr>
-              <a:t>PT</a:t>
-            </a:r>
-            <a:endParaRPr kumimoji="0" lang="en-US" altLang="ko-KR" sz="900" b="1" dirty="0">
-              <a:latin typeface="맑은 고딕" pitchFamily="50" charset="-127"/>
-              <a:ea typeface="맑은 고딕" pitchFamily="50" charset="-127"/>
+              <a:t> </a:t>
+            </a:r>
+            <a:r>
+              <a:rPr kumimoji="0" lang="ko-KR" altLang="en-US" sz="1800" b="1" dirty="0">
+                <a:latin typeface="Malgun Gothic" panose="020B0503020000020004" pitchFamily="50" charset="-127"/>
+                <a:ea typeface="Malgun Gothic" panose="020B0503020000020004" pitchFamily="50" charset="-127"/>
+              </a:rPr>
+              <a:t>구축</a:t>
+            </a:r>
+            <a:endParaRPr kumimoji="0" lang="en-US" altLang="ko-KR" sz="600" b="1" dirty="0">
+              <a:latin typeface="Malgun Gothic" panose="020B0503020000020004" pitchFamily="50" charset="-127"/>
+              <a:ea typeface="Malgun Gothic" panose="020B0503020000020004" pitchFamily="50" charset="-127"/>
             </a:endParaRPr>
           </a:p>
         </p:txBody>
       </p:sp>
       <p:sp>
         <p:nvSpPr>
-          <p:cNvPr id="9" name="Text Box 24"/>
+          <p:cNvPr id="2" name="Text Box 24"/>
           <p:cNvSpPr txBox="1">
             <a:spLocks noChangeArrowheads="1"/>
           </p:cNvSpPr>
@@ -4701,8 +4334,8 @@
                 <a:solidFill>
                   <a:schemeClr val="tx1"/>
                 </a:solidFill>
-                <a:latin typeface="Times New Roman" pitchFamily="18" charset="0"/>
-                <a:ea typeface="바탕체" pitchFamily="17" charset="-127"/>
+                <a:latin typeface="Times New Roman" panose="02020603050405020304" pitchFamily="18" charset="0"/>
+                <a:ea typeface="BatangChe" panose="02030609000101010101" pitchFamily="17" charset="-127"/>
               </a:defRPr>
             </a:lvl1pPr>
             <a:lvl2pPr marL="742950" indent="-285750" eaLnBrk="0" hangingPunct="0">
@@ -4710,8 +4343,8 @@
                 <a:solidFill>
                   <a:schemeClr val="tx1"/>
                 </a:solidFill>
-                <a:latin typeface="Times New Roman" pitchFamily="18" charset="0"/>
-                <a:ea typeface="바탕체" pitchFamily="17" charset="-127"/>
+                <a:latin typeface="Times New Roman" panose="02020603050405020304" pitchFamily="18" charset="0"/>
+                <a:ea typeface="BatangChe" panose="02030609000101010101" pitchFamily="17" charset="-127"/>
               </a:defRPr>
             </a:lvl2pPr>
             <a:lvl3pPr marL="1143000" indent="-228600" eaLnBrk="0" hangingPunct="0">
@@ -4719,8 +4352,8 @@
                 <a:solidFill>
                   <a:schemeClr val="tx1"/>
                 </a:solidFill>
-                <a:latin typeface="Times New Roman" pitchFamily="18" charset="0"/>
-                <a:ea typeface="바탕체" pitchFamily="17" charset="-127"/>
+                <a:latin typeface="Times New Roman" panose="02020603050405020304" pitchFamily="18" charset="0"/>
+                <a:ea typeface="BatangChe" panose="02030609000101010101" pitchFamily="17" charset="-127"/>
               </a:defRPr>
             </a:lvl3pPr>
             <a:lvl4pPr marL="1600200" indent="-228600" eaLnBrk="0" hangingPunct="0">
@@ -4728,8 +4361,8 @@
                 <a:solidFill>
                   <a:schemeClr val="tx1"/>
                 </a:solidFill>
-                <a:latin typeface="Times New Roman" pitchFamily="18" charset="0"/>
-                <a:ea typeface="바탕체" pitchFamily="17" charset="-127"/>
+                <a:latin typeface="Times New Roman" panose="02020603050405020304" pitchFamily="18" charset="0"/>
+                <a:ea typeface="BatangChe" panose="02030609000101010101" pitchFamily="17" charset="-127"/>
               </a:defRPr>
             </a:lvl4pPr>
             <a:lvl5pPr marL="2057400" indent="-228600" eaLnBrk="0" hangingPunct="0">
@@ -4737,8 +4370,8 @@
                 <a:solidFill>
                   <a:schemeClr val="tx1"/>
                 </a:solidFill>
-                <a:latin typeface="Times New Roman" pitchFamily="18" charset="0"/>
-                <a:ea typeface="바탕체" pitchFamily="17" charset="-127"/>
+                <a:latin typeface="Times New Roman" panose="02020603050405020304" pitchFamily="18" charset="0"/>
+                <a:ea typeface="BatangChe" panose="02030609000101010101" pitchFamily="17" charset="-127"/>
               </a:defRPr>
             </a:lvl5pPr>
             <a:lvl6pPr marL="2514600" indent="-228600" eaLnBrk="0" fontAlgn="base" hangingPunct="0">
@@ -4752,8 +4385,8 @@
                 <a:solidFill>
                   <a:schemeClr val="tx1"/>
                 </a:solidFill>
-                <a:latin typeface="Times New Roman" pitchFamily="18" charset="0"/>
-                <a:ea typeface="바탕체" pitchFamily="17" charset="-127"/>
+                <a:latin typeface="Times New Roman" panose="02020603050405020304" pitchFamily="18" charset="0"/>
+                <a:ea typeface="BatangChe" panose="02030609000101010101" pitchFamily="17" charset="-127"/>
               </a:defRPr>
             </a:lvl6pPr>
             <a:lvl7pPr marL="2971800" indent="-228600" eaLnBrk="0" fontAlgn="base" hangingPunct="0">
@@ -4767,8 +4400,8 @@
                 <a:solidFill>
                   <a:schemeClr val="tx1"/>
                 </a:solidFill>
-                <a:latin typeface="Times New Roman" pitchFamily="18" charset="0"/>
-                <a:ea typeface="바탕체" pitchFamily="17" charset="-127"/>
+                <a:latin typeface="Times New Roman" panose="02020603050405020304" pitchFamily="18" charset="0"/>
+                <a:ea typeface="BatangChe" panose="02030609000101010101" pitchFamily="17" charset="-127"/>
               </a:defRPr>
             </a:lvl7pPr>
             <a:lvl8pPr marL="3429000" indent="-228600" eaLnBrk="0" fontAlgn="base" hangingPunct="0">
@@ -4782,8 +4415,8 @@
                 <a:solidFill>
                   <a:schemeClr val="tx1"/>
                 </a:solidFill>
-                <a:latin typeface="Times New Roman" pitchFamily="18" charset="0"/>
-                <a:ea typeface="바탕체" pitchFamily="17" charset="-127"/>
+                <a:latin typeface="Times New Roman" panose="02020603050405020304" pitchFamily="18" charset="0"/>
+                <a:ea typeface="BatangChe" panose="02030609000101010101" pitchFamily="17" charset="-127"/>
               </a:defRPr>
             </a:lvl8pPr>
             <a:lvl9pPr marL="3886200" indent="-228600" eaLnBrk="0" fontAlgn="base" hangingPunct="0">
@@ -4797,8 +4430,8 @@
                 <a:solidFill>
                   <a:schemeClr val="tx1"/>
                 </a:solidFill>
-                <a:latin typeface="Times New Roman" pitchFamily="18" charset="0"/>
-                <a:ea typeface="바탕체" pitchFamily="17" charset="-127"/>
+                <a:latin typeface="Times New Roman" panose="02020603050405020304" pitchFamily="18" charset="0"/>
+                <a:ea typeface="BatangChe" panose="02030609000101010101" pitchFamily="17" charset="-127"/>
               </a:defRPr>
             </a:lvl9pPr>
           </a:lstStyle>
@@ -4809,972 +4442,803 @@
               </a:spcBef>
             </a:pPr>
             <a:r>
-              <a:rPr lang="ko-KR" altLang="en-US" sz="1800" b="1" dirty="0">
-                <a:latin typeface="맑은 고딕" pitchFamily="50" charset="-127"/>
-                <a:ea typeface="맑은 고딕" pitchFamily="50" charset="-127"/>
+              <a:rPr lang="ko-KR" altLang="en-US" sz="1800" dirty="0">
+                <a:latin typeface="Malgun Gothic" panose="020B0503020000020004" pitchFamily="50" charset="-127"/>
+                <a:ea typeface="Malgun Gothic" panose="020B0503020000020004" pitchFamily="50" charset="-127"/>
               </a:rPr>
-              <a:t>오정택</a:t>
-            </a:r>
-            <a:r>
-              <a:rPr lang="en-US" altLang="ko-KR" sz="1800" b="1" dirty="0">
-                <a:latin typeface="맑은 고딕" pitchFamily="50" charset="-127"/>
-                <a:ea typeface="맑은 고딕" pitchFamily="50" charset="-127"/>
+              <a:t>고객</a:t>
+            </a:r>
+            <a:r>
+              <a:rPr lang="en-US" altLang="ko-KR" sz="1800" dirty="0">
+                <a:latin typeface="Malgun Gothic" panose="020B0503020000020004" pitchFamily="50" charset="-127"/>
+                <a:ea typeface="Malgun Gothic" panose="020B0503020000020004" pitchFamily="50" charset="-127"/>
               </a:rPr>
-              <a:t>(BSS</a:t>
-            </a:r>
-            <a:r>
-              <a:rPr lang="ko-KR" altLang="en-US" sz="1800" b="1" dirty="0">
-                <a:latin typeface="맑은 고딕" pitchFamily="50" charset="-127"/>
-                <a:ea typeface="맑은 고딕" pitchFamily="50" charset="-127"/>
+              <a:t>,</a:t>
+            </a:r>
+            <a:r>
+              <a:rPr lang="ko-KR" altLang="en-US" sz="1800" dirty="0">
+                <a:latin typeface="Malgun Gothic" panose="020B0503020000020004" pitchFamily="50" charset="-127"/>
+                <a:ea typeface="Malgun Gothic" panose="020B0503020000020004" pitchFamily="50" charset="-127"/>
               </a:rPr>
-              <a:t>사업</a:t>
-            </a:r>
-            <a:r>
-              <a:rPr lang="en-US" altLang="ko-KR" sz="1800" b="1" dirty="0">
-                <a:latin typeface="맑은 고딕" pitchFamily="50" charset="-127"/>
-                <a:ea typeface="맑은 고딕" pitchFamily="50" charset="-127"/>
+              <a:t>판매자</a:t>
+            </a:r>
+            <a:r>
+              <a:rPr lang="en-US" altLang="ko-KR" sz="1800" dirty="0">
+                <a:latin typeface="Malgun Gothic" panose="020B0503020000020004" pitchFamily="50" charset="-127"/>
+                <a:ea typeface="Malgun Gothic" panose="020B0503020000020004" pitchFamily="50" charset="-127"/>
               </a:rPr>
-              <a:t>4</a:t>
-            </a:r>
-            <a:r>
-              <a:rPr lang="ko-KR" altLang="en-US" sz="1800" b="1" dirty="0">
-                <a:latin typeface="맑은 고딕" pitchFamily="50" charset="-127"/>
-                <a:ea typeface="맑은 고딕" pitchFamily="50" charset="-127"/>
+              <a:t>,</a:t>
+            </a:r>
+            <a:r>
+              <a:rPr lang="ko-KR" altLang="en-US" sz="1800" dirty="0">
+                <a:latin typeface="Malgun Gothic" panose="020B0503020000020004" pitchFamily="50" charset="-127"/>
+                <a:ea typeface="Malgun Gothic" panose="020B0503020000020004" pitchFamily="50" charset="-127"/>
               </a:rPr>
-              <a:t>팀</a:t>
-            </a:r>
-            <a:r>
-              <a:rPr lang="en-US" altLang="ko-KR" sz="1800" b="1" dirty="0">
-                <a:latin typeface="맑은 고딕" pitchFamily="50" charset="-127"/>
-                <a:ea typeface="맑은 고딕" pitchFamily="50" charset="-127"/>
+              <a:t>관리자 화면</a:t>
+            </a:r>
+            <a:r>
+              <a:rPr lang="en-US" altLang="ko-KR" sz="1800" dirty="0">
+                <a:latin typeface="Malgun Gothic" panose="020B0503020000020004" pitchFamily="50" charset="-127"/>
+                <a:ea typeface="Malgun Gothic" panose="020B0503020000020004" pitchFamily="50" charset="-127"/>
               </a:rPr>
-              <a:t>)</a:t>
+              <a:t>_</a:t>
+            </a:r>
+            <a:r>
+              <a:rPr lang="ko-KR" altLang="en-US" sz="1800" dirty="0">
+                <a:latin typeface="Malgun Gothic" panose="020B0503020000020004" pitchFamily="50" charset="-127"/>
+                <a:ea typeface="Malgun Gothic" panose="020B0503020000020004" pitchFamily="50" charset="-127"/>
+              </a:rPr>
+              <a:t>스토리보드</a:t>
+            </a:r>
+            <a:r>
+              <a:rPr lang="en-US" altLang="ko-KR" sz="1800" dirty="0">
+                <a:latin typeface="Malgun Gothic" panose="020B0503020000020004" pitchFamily="50" charset="-127"/>
+                <a:ea typeface="Malgun Gothic" panose="020B0503020000020004" pitchFamily="50" charset="-127"/>
+              </a:rPr>
+              <a:t>(SB)</a:t>
             </a:r>
             <a:endParaRPr lang="ko-KR" altLang="en-US" sz="1800" b="1" dirty="0">
-              <a:latin typeface="맑은 고딕" pitchFamily="50" charset="-127"/>
-              <a:ea typeface="맑은 고딕" pitchFamily="50" charset="-127"/>
+              <a:latin typeface="Malgun Gothic" panose="020B0503020000020004" pitchFamily="50" charset="-127"/>
+              <a:ea typeface="Malgun Gothic" panose="020B0503020000020004" pitchFamily="50" charset="-127"/>
             </a:endParaRPr>
           </a:p>
         </p:txBody>
       </p:sp>
       <p:sp>
         <p:nvSpPr>
-          <p:cNvPr id="2" name="사각형: 둥근 모서리 1">
-            <a:extLst>
-              <a:ext uri="{FF2B5EF4-FFF2-40B4-BE49-F238E27FC236}">
-                <a16:creationId xmlns:a16="http://schemas.microsoft.com/office/drawing/2014/main" id="{5EEAC827-80F4-6319-BC97-62E31A019096}"/>
-              </a:ext>
-            </a:extLst>
-          </p:cNvPr>
-          <p:cNvSpPr/>
+          <p:cNvPr id="3" name="Text Box 24"/>
+          <p:cNvSpPr txBox="1">
+            <a:spLocks noChangeArrowheads="1"/>
+          </p:cNvSpPr>
           <p:nvPr/>
         </p:nvSpPr>
-        <p:spPr>
+        <p:spPr bwMode="auto">
           <a:xfrm>
-            <a:off x="505792" y="2428717"/>
-            <a:ext cx="1420367" cy="399555"/>
-          </a:xfrm>
-          <a:prstGeom prst="roundRect">
-            <a:avLst>
-              <a:gd name="adj" fmla="val 50000"/>
-            </a:avLst>
-          </a:prstGeom>
-          <a:solidFill>
-            <a:schemeClr val="tx1"/>
-          </a:solidFill>
-          <a:ln>
-            <a:noFill/>
-          </a:ln>
-        </p:spPr>
-        <p:style>
-          <a:lnRef idx="2">
-            <a:schemeClr val="accent1">
-              <a:shade val="50000"/>
-            </a:schemeClr>
-          </a:lnRef>
-          <a:fillRef idx="1">
-            <a:schemeClr val="accent1"/>
-          </a:fillRef>
-          <a:effectRef idx="0">
-            <a:schemeClr val="accent1"/>
-          </a:effectRef>
-          <a:fontRef idx="minor">
-            <a:schemeClr val="lt1"/>
-          </a:fontRef>
-        </p:style>
-        <p:txBody>
-          <a:bodyPr rtlCol="0" anchor="ctr"/>
-          <a:lstStyle/>
-          <a:p>
-            <a:pPr algn="ctr"/>
-            <a:r>
-              <a:rPr lang="ko-KR" altLang="en-US" sz="1200" b="1" dirty="0">
-                <a:ln>
-                  <a:solidFill>
-                    <a:srgbClr val="FFFFFF">
-                      <a:alpha val="0"/>
-                    </a:srgbClr>
-                  </a:solidFill>
-                </a:ln>
-                <a:latin typeface="+mj-ea"/>
-                <a:ea typeface="+mj-ea"/>
-              </a:rPr>
-              <a:t>업무</a:t>
-            </a:r>
-            <a:r>
-              <a:rPr lang="en-US" altLang="ko-KR" sz="1200" b="1" dirty="0">
-                <a:ln>
-                  <a:solidFill>
-                    <a:srgbClr val="FFFFFF">
-                      <a:alpha val="0"/>
-                    </a:srgbClr>
-                  </a:solidFill>
-                </a:ln>
-                <a:latin typeface="+mj-ea"/>
-                <a:ea typeface="+mj-ea"/>
-              </a:rPr>
-              <a:t>&amp;</a:t>
-            </a:r>
-            <a:r>
-              <a:rPr lang="ko-KR" altLang="en-US" sz="1200" b="1" dirty="0">
-                <a:ln>
-                  <a:solidFill>
-                    <a:srgbClr val="FFFFFF">
-                      <a:alpha val="0"/>
-                    </a:srgbClr>
-                  </a:solidFill>
-                </a:ln>
-                <a:latin typeface="+mj-ea"/>
-                <a:ea typeface="+mj-ea"/>
-              </a:rPr>
-              <a:t>프로젝트</a:t>
-            </a:r>
-          </a:p>
-        </p:txBody>
-      </p:sp>
-      <p:sp>
-        <p:nvSpPr>
-          <p:cNvPr id="3" name="사각형: 둥근 모서리 2">
-            <a:extLst>
-              <a:ext uri="{FF2B5EF4-FFF2-40B4-BE49-F238E27FC236}">
-                <a16:creationId xmlns:a16="http://schemas.microsoft.com/office/drawing/2014/main" id="{B89F0F39-69DB-31CC-A7D3-B0DDEA168071}"/>
-              </a:ext>
-            </a:extLst>
-          </p:cNvPr>
-          <p:cNvSpPr/>
-          <p:nvPr/>
-        </p:nvSpPr>
-        <p:spPr>
-          <a:xfrm>
-            <a:off x="6096000" y="2428717"/>
-            <a:ext cx="1001085" cy="399555"/>
-          </a:xfrm>
-          <a:prstGeom prst="roundRect">
-            <a:avLst>
-              <a:gd name="adj" fmla="val 50000"/>
-            </a:avLst>
-          </a:prstGeom>
-          <a:solidFill>
-            <a:schemeClr val="tx1"/>
-          </a:solidFill>
-          <a:ln>
-            <a:noFill/>
-          </a:ln>
-        </p:spPr>
-        <p:style>
-          <a:lnRef idx="2">
-            <a:schemeClr val="accent1">
-              <a:shade val="50000"/>
-            </a:schemeClr>
-          </a:lnRef>
-          <a:fillRef idx="1">
-            <a:schemeClr val="accent1"/>
-          </a:fillRef>
-          <a:effectRef idx="0">
-            <a:schemeClr val="accent1"/>
-          </a:effectRef>
-          <a:fontRef idx="minor">
-            <a:schemeClr val="lt1"/>
-          </a:fontRef>
-        </p:style>
-        <p:txBody>
-          <a:bodyPr rtlCol="0" anchor="ctr"/>
-          <a:lstStyle/>
-          <a:p>
-            <a:pPr algn="ctr"/>
-            <a:r>
-              <a:rPr lang="ko-KR" altLang="en-US" sz="1200" b="1" dirty="0">
-                <a:ln>
-                  <a:solidFill>
-                    <a:srgbClr val="FFFFFF">
-                      <a:alpha val="0"/>
-                    </a:srgbClr>
-                  </a:solidFill>
-                </a:ln>
-                <a:latin typeface="+mj-ea"/>
-                <a:ea typeface="+mj-ea"/>
-              </a:rPr>
-              <a:t>경험</a:t>
-            </a:r>
-          </a:p>
-        </p:txBody>
-      </p:sp>
-      <p:sp>
-        <p:nvSpPr>
-          <p:cNvPr id="4" name="제목 1">
-            <a:extLst>
-              <a:ext uri="{FF2B5EF4-FFF2-40B4-BE49-F238E27FC236}">
-                <a16:creationId xmlns:a16="http://schemas.microsoft.com/office/drawing/2014/main" id="{05AC1DA2-63F9-F7DB-5982-C91BFD6E0946}"/>
-              </a:ext>
-            </a:extLst>
-          </p:cNvPr>
-          <p:cNvSpPr txBox="1">
-            <a:spLocks/>
-          </p:cNvSpPr>
-          <p:nvPr/>
-        </p:nvSpPr>
-        <p:spPr>
-          <a:xfrm>
-            <a:off x="6096000" y="2922035"/>
-            <a:ext cx="5396917" cy="3013313"/>
+            <a:off x="4229351" y="2429460"/>
+            <a:ext cx="6303962" cy="369332"/>
           </a:xfrm>
           <a:prstGeom prst="rect">
             <a:avLst/>
           </a:prstGeom>
+          <a:noFill/>
+          <a:ln>
+            <a:noFill/>
+          </a:ln>
+          <a:extLst>
+            <a:ext uri="{909E8E84-426E-40DD-AFC4-6F175D3DCCD1}">
+              <a14:hiddenFill xmlns:a14="http://schemas.microsoft.com/office/drawing/2010/main">
+                <a:solidFill>
+                  <a:srgbClr val="FFFFFF"/>
+                </a:solidFill>
+              </a14:hiddenFill>
+            </a:ext>
+            <a:ext uri="{91240B29-F687-4F45-9708-019B960494DF}">
+              <a14:hiddenLine xmlns:a14="http://schemas.microsoft.com/office/drawing/2010/main" w="12700">
+                <a:solidFill>
+                  <a:srgbClr val="000000"/>
+                </a:solidFill>
+                <a:miter lim="800000"/>
+                <a:headEnd/>
+                <a:tailEnd/>
+              </a14:hiddenLine>
+            </a:ext>
+          </a:extLst>
         </p:spPr>
         <p:txBody>
-          <a:bodyPr vert="horz" lIns="91440" tIns="45720" rIns="91440" bIns="45720" rtlCol="0" anchor="b">
-            <a:noAutofit/>
+          <a:bodyPr>
+            <a:spAutoFit/>
           </a:bodyPr>
           <a:lstStyle>
-            <a:lvl1pPr algn="ctr" defTabSz="1125444" rtl="0" eaLnBrk="1" latinLnBrk="1" hangingPunct="1">
+            <a:lvl1pPr eaLnBrk="0" hangingPunct="0">
+              <a:defRPr kumimoji="1" sz="2400">
+                <a:solidFill>
+                  <a:schemeClr val="tx1"/>
+                </a:solidFill>
+                <a:latin typeface="Times New Roman" panose="02020603050405020304" pitchFamily="18" charset="0"/>
+                <a:ea typeface="BatangChe" panose="02030609000101010101" pitchFamily="17" charset="-127"/>
+              </a:defRPr>
+            </a:lvl1pPr>
+            <a:lvl2pPr marL="742950" indent="-285750" eaLnBrk="0" hangingPunct="0">
+              <a:defRPr kumimoji="1" sz="2400">
+                <a:solidFill>
+                  <a:schemeClr val="tx1"/>
+                </a:solidFill>
+                <a:latin typeface="Times New Roman" panose="02020603050405020304" pitchFamily="18" charset="0"/>
+                <a:ea typeface="BatangChe" panose="02030609000101010101" pitchFamily="17" charset="-127"/>
+              </a:defRPr>
+            </a:lvl2pPr>
+            <a:lvl3pPr marL="1143000" indent="-228600" eaLnBrk="0" hangingPunct="0">
+              <a:defRPr kumimoji="1" sz="2400">
+                <a:solidFill>
+                  <a:schemeClr val="tx1"/>
+                </a:solidFill>
+                <a:latin typeface="Times New Roman" panose="02020603050405020304" pitchFamily="18" charset="0"/>
+                <a:ea typeface="BatangChe" panose="02030609000101010101" pitchFamily="17" charset="-127"/>
+              </a:defRPr>
+            </a:lvl3pPr>
+            <a:lvl4pPr marL="1600200" indent="-228600" eaLnBrk="0" hangingPunct="0">
+              <a:defRPr kumimoji="1" sz="2400">
+                <a:solidFill>
+                  <a:schemeClr val="tx1"/>
+                </a:solidFill>
+                <a:latin typeface="Times New Roman" panose="02020603050405020304" pitchFamily="18" charset="0"/>
+                <a:ea typeface="BatangChe" panose="02030609000101010101" pitchFamily="17" charset="-127"/>
+              </a:defRPr>
+            </a:lvl4pPr>
+            <a:lvl5pPr marL="2057400" indent="-228600" eaLnBrk="0" hangingPunct="0">
+              <a:defRPr kumimoji="1" sz="2400">
+                <a:solidFill>
+                  <a:schemeClr val="tx1"/>
+                </a:solidFill>
+                <a:latin typeface="Times New Roman" panose="02020603050405020304" pitchFamily="18" charset="0"/>
+                <a:ea typeface="BatangChe" panose="02030609000101010101" pitchFamily="17" charset="-127"/>
+              </a:defRPr>
+            </a:lvl5pPr>
+            <a:lvl6pPr marL="2514600" indent="-228600" eaLnBrk="0" fontAlgn="base" hangingPunct="0">
+              <a:spcBef>
+                <a:spcPct val="0"/>
+              </a:spcBef>
+              <a:spcAft>
+                <a:spcPct val="0"/>
+              </a:spcAft>
+              <a:defRPr kumimoji="1" sz="2400">
+                <a:solidFill>
+                  <a:schemeClr val="tx1"/>
+                </a:solidFill>
+                <a:latin typeface="Times New Roman" panose="02020603050405020304" pitchFamily="18" charset="0"/>
+                <a:ea typeface="BatangChe" panose="02030609000101010101" pitchFamily="17" charset="-127"/>
+              </a:defRPr>
+            </a:lvl6pPr>
+            <a:lvl7pPr marL="2971800" indent="-228600" eaLnBrk="0" fontAlgn="base" hangingPunct="0">
+              <a:spcBef>
+                <a:spcPct val="0"/>
+              </a:spcBef>
+              <a:spcAft>
+                <a:spcPct val="0"/>
+              </a:spcAft>
+              <a:defRPr kumimoji="1" sz="2400">
+                <a:solidFill>
+                  <a:schemeClr val="tx1"/>
+                </a:solidFill>
+                <a:latin typeface="Times New Roman" panose="02020603050405020304" pitchFamily="18" charset="0"/>
+                <a:ea typeface="BatangChe" panose="02030609000101010101" pitchFamily="17" charset="-127"/>
+              </a:defRPr>
+            </a:lvl7pPr>
+            <a:lvl8pPr marL="3429000" indent="-228600" eaLnBrk="0" fontAlgn="base" hangingPunct="0">
+              <a:spcBef>
+                <a:spcPct val="0"/>
+              </a:spcBef>
+              <a:spcAft>
+                <a:spcPct val="0"/>
+              </a:spcAft>
+              <a:defRPr kumimoji="1" sz="2400">
+                <a:solidFill>
+                  <a:schemeClr val="tx1"/>
+                </a:solidFill>
+                <a:latin typeface="Times New Roman" panose="02020603050405020304" pitchFamily="18" charset="0"/>
+                <a:ea typeface="BatangChe" panose="02030609000101010101" pitchFamily="17" charset="-127"/>
+              </a:defRPr>
+            </a:lvl8pPr>
+            <a:lvl9pPr marL="3886200" indent="-228600" eaLnBrk="0" fontAlgn="base" hangingPunct="0">
+              <a:spcBef>
+                <a:spcPct val="0"/>
+              </a:spcBef>
+              <a:spcAft>
+                <a:spcPct val="0"/>
+              </a:spcAft>
+              <a:defRPr kumimoji="1" sz="2400">
+                <a:solidFill>
+                  <a:schemeClr val="tx1"/>
+                </a:solidFill>
+                <a:latin typeface="Times New Roman" panose="02020603050405020304" pitchFamily="18" charset="0"/>
+                <a:ea typeface="BatangChe" panose="02030609000101010101" pitchFamily="17" charset="-127"/>
+              </a:defRPr>
+            </a:lvl9pPr>
+          </a:lstStyle>
+          <a:p>
+            <a:pPr algn="r" eaLnBrk="1" latinLnBrk="0" hangingPunct="1">
+              <a:spcBef>
+                <a:spcPct val="50000"/>
+              </a:spcBef>
+            </a:pPr>
+            <a:r>
+              <a:rPr lang="en-US" altLang="ko-KR" sz="1800" b="1" dirty="0">
+                <a:latin typeface="Malgun Gothic" panose="020B0503020000020004" pitchFamily="50" charset="-127"/>
+                <a:ea typeface="Malgun Gothic" panose="020B0503020000020004" pitchFamily="50" charset="-127"/>
+              </a:rPr>
+              <a:t>Application </a:t>
+            </a:r>
+            <a:r>
+              <a:rPr lang="ko-KR" altLang="en-US" sz="1800" b="1" dirty="0">
+                <a:latin typeface="Malgun Gothic" panose="020B0503020000020004" pitchFamily="50" charset="-127"/>
+                <a:ea typeface="Malgun Gothic" panose="020B0503020000020004" pitchFamily="50" charset="-127"/>
+              </a:rPr>
+              <a:t>개발</a:t>
+            </a:r>
+            <a:r>
+              <a:rPr lang="en-US" altLang="ko-KR" sz="1800" b="1" dirty="0">
+                <a:latin typeface="Malgun Gothic" panose="020B0503020000020004" pitchFamily="50" charset="-127"/>
+                <a:ea typeface="Malgun Gothic" panose="020B0503020000020004" pitchFamily="50" charset="-127"/>
+              </a:rPr>
+              <a:t>(DEV)</a:t>
+            </a:r>
+            <a:endParaRPr lang="ko-KR" altLang="en-US" sz="1400" b="1" dirty="0">
+              <a:latin typeface="Malgun Gothic" panose="020B0503020000020004" pitchFamily="50" charset="-127"/>
+              <a:ea typeface="Malgun Gothic" panose="020B0503020000020004" pitchFamily="50" charset="-127"/>
+            </a:endParaRPr>
+          </a:p>
+        </p:txBody>
+      </p:sp>
+      <p:sp>
+        <p:nvSpPr>
+          <p:cNvPr id="4" name="Text Box 24"/>
+          <p:cNvSpPr txBox="1">
+            <a:spLocks noChangeArrowheads="1"/>
+          </p:cNvSpPr>
+          <p:nvPr/>
+        </p:nvSpPr>
+        <p:spPr bwMode="auto">
+          <a:xfrm>
+            <a:off x="4229351" y="2869344"/>
+            <a:ext cx="6303962" cy="307777"/>
+          </a:xfrm>
+          <a:prstGeom prst="rect">
+            <a:avLst/>
+          </a:prstGeom>
+          <a:noFill/>
+          <a:ln>
+            <a:noFill/>
+          </a:ln>
+          <a:extLst>
+            <a:ext uri="{909E8E84-426E-40DD-AFC4-6F175D3DCCD1}">
+              <a14:hiddenFill xmlns:a14="http://schemas.microsoft.com/office/drawing/2010/main">
+                <a:solidFill>
+                  <a:srgbClr val="FFFFFF"/>
+                </a:solidFill>
+              </a14:hiddenFill>
+            </a:ext>
+            <a:ext uri="{91240B29-F687-4F45-9708-019B960494DF}">
+              <a14:hiddenLine xmlns:a14="http://schemas.microsoft.com/office/drawing/2010/main" w="12700">
+                <a:solidFill>
+                  <a:srgbClr val="000000"/>
+                </a:solidFill>
+                <a:miter lim="800000"/>
+                <a:headEnd/>
+                <a:tailEnd/>
+              </a14:hiddenLine>
+            </a:ext>
+          </a:extLst>
+        </p:spPr>
+        <p:txBody>
+          <a:bodyPr>
+            <a:spAutoFit/>
+          </a:bodyPr>
+          <a:lstStyle>
+            <a:lvl1pPr eaLnBrk="0" hangingPunct="0">
+              <a:defRPr kumimoji="1" sz="2400">
+                <a:solidFill>
+                  <a:schemeClr val="tx1"/>
+                </a:solidFill>
+                <a:latin typeface="Times New Roman" panose="02020603050405020304" pitchFamily="18" charset="0"/>
+                <a:ea typeface="BatangChe" panose="02030609000101010101" pitchFamily="17" charset="-127"/>
+              </a:defRPr>
+            </a:lvl1pPr>
+            <a:lvl2pPr marL="742950" indent="-285750" eaLnBrk="0" hangingPunct="0">
+              <a:defRPr kumimoji="1" sz="2400">
+                <a:solidFill>
+                  <a:schemeClr val="tx1"/>
+                </a:solidFill>
+                <a:latin typeface="Times New Roman" panose="02020603050405020304" pitchFamily="18" charset="0"/>
+                <a:ea typeface="BatangChe" panose="02030609000101010101" pitchFamily="17" charset="-127"/>
+              </a:defRPr>
+            </a:lvl2pPr>
+            <a:lvl3pPr marL="1143000" indent="-228600" eaLnBrk="0" hangingPunct="0">
+              <a:defRPr kumimoji="1" sz="2400">
+                <a:solidFill>
+                  <a:schemeClr val="tx1"/>
+                </a:solidFill>
+                <a:latin typeface="Times New Roman" panose="02020603050405020304" pitchFamily="18" charset="0"/>
+                <a:ea typeface="BatangChe" panose="02030609000101010101" pitchFamily="17" charset="-127"/>
+              </a:defRPr>
+            </a:lvl3pPr>
+            <a:lvl4pPr marL="1600200" indent="-228600" eaLnBrk="0" hangingPunct="0">
+              <a:defRPr kumimoji="1" sz="2400">
+                <a:solidFill>
+                  <a:schemeClr val="tx1"/>
+                </a:solidFill>
+                <a:latin typeface="Times New Roman" panose="02020603050405020304" pitchFamily="18" charset="0"/>
+                <a:ea typeface="BatangChe" panose="02030609000101010101" pitchFamily="17" charset="-127"/>
+              </a:defRPr>
+            </a:lvl4pPr>
+            <a:lvl5pPr marL="2057400" indent="-228600" eaLnBrk="0" hangingPunct="0">
+              <a:defRPr kumimoji="1" sz="2400">
+                <a:solidFill>
+                  <a:schemeClr val="tx1"/>
+                </a:solidFill>
+                <a:latin typeface="Times New Roman" panose="02020603050405020304" pitchFamily="18" charset="0"/>
+                <a:ea typeface="BatangChe" panose="02030609000101010101" pitchFamily="17" charset="-127"/>
+              </a:defRPr>
+            </a:lvl5pPr>
+            <a:lvl6pPr marL="2514600" indent="-228600" eaLnBrk="0" fontAlgn="base" hangingPunct="0">
+              <a:spcBef>
+                <a:spcPct val="0"/>
+              </a:spcBef>
+              <a:spcAft>
+                <a:spcPct val="0"/>
+              </a:spcAft>
+              <a:defRPr kumimoji="1" sz="2400">
+                <a:solidFill>
+                  <a:schemeClr val="tx1"/>
+                </a:solidFill>
+                <a:latin typeface="Times New Roman" panose="02020603050405020304" pitchFamily="18" charset="0"/>
+                <a:ea typeface="BatangChe" panose="02030609000101010101" pitchFamily="17" charset="-127"/>
+              </a:defRPr>
+            </a:lvl6pPr>
+            <a:lvl7pPr marL="2971800" indent="-228600" eaLnBrk="0" fontAlgn="base" hangingPunct="0">
+              <a:spcBef>
+                <a:spcPct val="0"/>
+              </a:spcBef>
+              <a:spcAft>
+                <a:spcPct val="0"/>
+              </a:spcAft>
+              <a:defRPr kumimoji="1" sz="2400">
+                <a:solidFill>
+                  <a:schemeClr val="tx1"/>
+                </a:solidFill>
+                <a:latin typeface="Times New Roman" panose="02020603050405020304" pitchFamily="18" charset="0"/>
+                <a:ea typeface="BatangChe" panose="02030609000101010101" pitchFamily="17" charset="-127"/>
+              </a:defRPr>
+            </a:lvl7pPr>
+            <a:lvl8pPr marL="3429000" indent="-228600" eaLnBrk="0" fontAlgn="base" hangingPunct="0">
+              <a:spcBef>
+                <a:spcPct val="0"/>
+              </a:spcBef>
+              <a:spcAft>
+                <a:spcPct val="0"/>
+              </a:spcAft>
+              <a:defRPr kumimoji="1" sz="2400">
+                <a:solidFill>
+                  <a:schemeClr val="tx1"/>
+                </a:solidFill>
+                <a:latin typeface="Times New Roman" panose="02020603050405020304" pitchFamily="18" charset="0"/>
+                <a:ea typeface="BatangChe" panose="02030609000101010101" pitchFamily="17" charset="-127"/>
+              </a:defRPr>
+            </a:lvl8pPr>
+            <a:lvl9pPr marL="3886200" indent="-228600" eaLnBrk="0" fontAlgn="base" hangingPunct="0">
+              <a:spcBef>
+                <a:spcPct val="0"/>
+              </a:spcBef>
+              <a:spcAft>
+                <a:spcPct val="0"/>
+              </a:spcAft>
+              <a:defRPr kumimoji="1" sz="2400">
+                <a:solidFill>
+                  <a:schemeClr val="tx1"/>
+                </a:solidFill>
+                <a:latin typeface="Times New Roman" panose="02020603050405020304" pitchFamily="18" charset="0"/>
+                <a:ea typeface="BatangChe" panose="02030609000101010101" pitchFamily="17" charset="-127"/>
+              </a:defRPr>
+            </a:lvl9pPr>
+          </a:lstStyle>
+          <a:p>
+            <a:pPr algn="r"/>
+            <a:r>
+              <a:rPr lang="en-US" altLang="ko-KR" sz="1400" dirty="0">
+                <a:latin typeface="Malgun Gothic" panose="020B0503020000020004" pitchFamily="50" charset="-127"/>
+                <a:ea typeface="Malgun Gothic" panose="020B0503020000020004" pitchFamily="50" charset="-127"/>
+              </a:rPr>
+              <a:t>DEV_D0711</a:t>
+            </a:r>
+            <a:endParaRPr lang="ko-KR" altLang="en-US" sz="1400" dirty="0"/>
+          </a:p>
+        </p:txBody>
+      </p:sp>
+      <p:sp>
+        <p:nvSpPr>
+          <p:cNvPr id="5" name="Text Box 24"/>
+          <p:cNvSpPr txBox="1">
+            <a:spLocks noChangeArrowheads="1"/>
+          </p:cNvSpPr>
+          <p:nvPr/>
+        </p:nvSpPr>
+        <p:spPr bwMode="auto">
+          <a:xfrm>
+            <a:off x="9018905" y="431800"/>
+            <a:ext cx="1513840" cy="607695"/>
+          </a:xfrm>
+          <a:prstGeom prst="rect">
+            <a:avLst/>
+          </a:prstGeom>
+          <a:noFill/>
+          <a:ln>
+            <a:noFill/>
+          </a:ln>
+          <a:extLst>
+            <a:ext uri="{909E8E84-426E-40DD-AFC4-6F175D3DCCD1}">
+              <a14:hiddenFill xmlns:a14="http://schemas.microsoft.com/office/drawing/2010/main">
+                <a:solidFill>
+                  <a:srgbClr val="FFFFFF"/>
+                </a:solidFill>
+              </a14:hiddenFill>
+            </a:ext>
+            <a:ext uri="{91240B29-F687-4F45-9708-019B960494DF}">
+              <a14:hiddenLine xmlns:a14="http://schemas.microsoft.com/office/drawing/2010/main" w="12700">
+                <a:solidFill>
+                  <a:srgbClr val="000000"/>
+                </a:solidFill>
+                <a:miter lim="800000"/>
+                <a:headEnd/>
+                <a:tailEnd/>
+              </a14:hiddenLine>
+            </a:ext>
+          </a:extLst>
+        </p:spPr>
+        <p:txBody>
+          <a:bodyPr wrap="square">
+            <a:spAutoFit/>
+          </a:bodyPr>
+          <a:lstStyle>
+            <a:lvl1pPr eaLnBrk="0" hangingPunct="0">
+              <a:defRPr kumimoji="1" sz="2400">
+                <a:solidFill>
+                  <a:schemeClr val="tx1"/>
+                </a:solidFill>
+                <a:latin typeface="Times New Roman" panose="02020603050405020304" pitchFamily="18" charset="0"/>
+                <a:ea typeface="BatangChe" panose="02030609000101010101" pitchFamily="17" charset="-127"/>
+              </a:defRPr>
+            </a:lvl1pPr>
+            <a:lvl2pPr marL="742950" indent="-285750" eaLnBrk="0" hangingPunct="0">
+              <a:defRPr kumimoji="1" sz="2400">
+                <a:solidFill>
+                  <a:schemeClr val="tx1"/>
+                </a:solidFill>
+                <a:latin typeface="Times New Roman" panose="02020603050405020304" pitchFamily="18" charset="0"/>
+                <a:ea typeface="BatangChe" panose="02030609000101010101" pitchFamily="17" charset="-127"/>
+              </a:defRPr>
+            </a:lvl2pPr>
+            <a:lvl3pPr marL="1143000" indent="-228600" eaLnBrk="0" hangingPunct="0">
+              <a:defRPr kumimoji="1" sz="2400">
+                <a:solidFill>
+                  <a:schemeClr val="tx1"/>
+                </a:solidFill>
+                <a:latin typeface="Times New Roman" panose="02020603050405020304" pitchFamily="18" charset="0"/>
+                <a:ea typeface="BatangChe" panose="02030609000101010101" pitchFamily="17" charset="-127"/>
+              </a:defRPr>
+            </a:lvl3pPr>
+            <a:lvl4pPr marL="1600200" indent="-228600" eaLnBrk="0" hangingPunct="0">
+              <a:defRPr kumimoji="1" sz="2400">
+                <a:solidFill>
+                  <a:schemeClr val="tx1"/>
+                </a:solidFill>
+                <a:latin typeface="Times New Roman" panose="02020603050405020304" pitchFamily="18" charset="0"/>
+                <a:ea typeface="BatangChe" panose="02030609000101010101" pitchFamily="17" charset="-127"/>
+              </a:defRPr>
+            </a:lvl4pPr>
+            <a:lvl5pPr marL="2057400" indent="-228600" eaLnBrk="0" hangingPunct="0">
+              <a:defRPr kumimoji="1" sz="2400">
+                <a:solidFill>
+                  <a:schemeClr val="tx1"/>
+                </a:solidFill>
+                <a:latin typeface="Times New Roman" panose="02020603050405020304" pitchFamily="18" charset="0"/>
+                <a:ea typeface="BatangChe" panose="02030609000101010101" pitchFamily="17" charset="-127"/>
+              </a:defRPr>
+            </a:lvl5pPr>
+            <a:lvl6pPr marL="2514600" indent="-228600" eaLnBrk="0" fontAlgn="base" hangingPunct="0">
+              <a:spcBef>
+                <a:spcPct val="0"/>
+              </a:spcBef>
+              <a:spcAft>
+                <a:spcPct val="0"/>
+              </a:spcAft>
+              <a:defRPr kumimoji="1" sz="2400">
+                <a:solidFill>
+                  <a:schemeClr val="tx1"/>
+                </a:solidFill>
+                <a:latin typeface="Times New Roman" panose="02020603050405020304" pitchFamily="18" charset="0"/>
+                <a:ea typeface="BatangChe" panose="02030609000101010101" pitchFamily="17" charset="-127"/>
+              </a:defRPr>
+            </a:lvl6pPr>
+            <a:lvl7pPr marL="2971800" indent="-228600" eaLnBrk="0" fontAlgn="base" hangingPunct="0">
+              <a:spcBef>
+                <a:spcPct val="0"/>
+              </a:spcBef>
+              <a:spcAft>
+                <a:spcPct val="0"/>
+              </a:spcAft>
+              <a:defRPr kumimoji="1" sz="2400">
+                <a:solidFill>
+                  <a:schemeClr val="tx1"/>
+                </a:solidFill>
+                <a:latin typeface="Times New Roman" panose="02020603050405020304" pitchFamily="18" charset="0"/>
+                <a:ea typeface="BatangChe" panose="02030609000101010101" pitchFamily="17" charset="-127"/>
+              </a:defRPr>
+            </a:lvl7pPr>
+            <a:lvl8pPr marL="3429000" indent="-228600" eaLnBrk="0" fontAlgn="base" hangingPunct="0">
+              <a:spcBef>
+                <a:spcPct val="0"/>
+              </a:spcBef>
+              <a:spcAft>
+                <a:spcPct val="0"/>
+              </a:spcAft>
+              <a:defRPr kumimoji="1" sz="2400">
+                <a:solidFill>
+                  <a:schemeClr val="tx1"/>
+                </a:solidFill>
+                <a:latin typeface="Times New Roman" panose="02020603050405020304" pitchFamily="18" charset="0"/>
+                <a:ea typeface="BatangChe" panose="02030609000101010101" pitchFamily="17" charset="-127"/>
+              </a:defRPr>
+            </a:lvl8pPr>
+            <a:lvl9pPr marL="3886200" indent="-228600" eaLnBrk="0" fontAlgn="base" hangingPunct="0">
+              <a:spcBef>
+                <a:spcPct val="0"/>
+              </a:spcBef>
+              <a:spcAft>
+                <a:spcPct val="0"/>
+              </a:spcAft>
+              <a:defRPr kumimoji="1" sz="2400">
+                <a:solidFill>
+                  <a:schemeClr val="tx1"/>
+                </a:solidFill>
+                <a:latin typeface="Times New Roman" panose="02020603050405020304" pitchFamily="18" charset="0"/>
+                <a:ea typeface="BatangChe" panose="02030609000101010101" pitchFamily="17" charset="-127"/>
+              </a:defRPr>
+            </a:lvl9pPr>
+          </a:lstStyle>
+          <a:p>
+            <a:pPr algn="r" latinLnBrk="0">
               <a:lnSpc>
-                <a:spcPct val="90000"/>
+                <a:spcPct val="120000"/>
               </a:lnSpc>
               <a:spcBef>
                 <a:spcPct val="0"/>
               </a:spcBef>
-              <a:buNone/>
-              <a:defRPr sz="4431" kern="1200">
-                <a:solidFill>
-                  <a:schemeClr val="tx1"/>
-                </a:solidFill>
-                <a:latin typeface="+mj-lt"/>
-                <a:ea typeface="+mj-ea"/>
-                <a:cs typeface="+mj-cs"/>
-              </a:defRPr>
-            </a:lvl1pPr>
-          </a:lstStyle>
-          <a:p>
-            <a:pPr algn="l">
-              <a:lnSpc>
-                <a:spcPct val="170000"/>
-              </a:lnSpc>
+              <a:buFontTx/>
+              <a:buNone/>
             </a:pPr>
             <a:r>
-              <a:rPr lang="ko-KR" altLang="en-US" sz="1200" b="1" dirty="0"/>
-              <a:t>인사</a:t>
-            </a:r>
-            <a:r>
-              <a:rPr lang="ko-KR" altLang="en-US" sz="1200" dirty="0"/>
-              <a:t> </a:t>
-            </a:r>
-            <a:r>
-              <a:rPr lang="en-US" altLang="ko-KR" sz="1200" dirty="0"/>
-              <a:t>– </a:t>
-            </a:r>
-            <a:r>
-              <a:rPr lang="ko-KR" altLang="en-US" sz="1200" dirty="0"/>
-              <a:t>그룹장님</a:t>
-            </a:r>
-            <a:r>
-              <a:rPr lang="en-US" altLang="ko-KR" sz="1200" dirty="0"/>
-              <a:t>, </a:t>
-            </a:r>
-            <a:r>
-              <a:rPr lang="ko-KR" altLang="en-US" sz="1200" dirty="0"/>
-              <a:t>팀장님께 </a:t>
-            </a:r>
-            <a:r>
-              <a:rPr lang="ko-KR" altLang="en-US" sz="1200" b="1" dirty="0"/>
-              <a:t>인사</a:t>
-            </a:r>
-            <a:r>
-              <a:rPr lang="en-US" altLang="ko-KR" sz="1200" dirty="0"/>
-              <a:t>,</a:t>
-            </a:r>
-            <a:r>
-              <a:rPr lang="ko-KR" altLang="en-US" sz="1200" dirty="0"/>
-              <a:t> 팀 파트 구성원 </a:t>
-            </a:r>
-            <a:r>
-              <a:rPr lang="ko-KR" altLang="en-US" sz="1200" dirty="0" err="1"/>
-              <a:t>들이랑</a:t>
-            </a:r>
-            <a:r>
-              <a:rPr lang="ko-KR" altLang="en-US" sz="1200" dirty="0"/>
-              <a:t> </a:t>
-            </a:r>
-            <a:r>
-              <a:rPr lang="ko-KR" altLang="en-US" sz="1200" b="1" dirty="0"/>
-              <a:t>식사 </a:t>
-            </a:r>
-            <a:r>
-              <a:rPr lang="en-US" altLang="ko-KR" sz="1200" b="1" dirty="0"/>
-              <a:t>&amp; </a:t>
-            </a:r>
-            <a:r>
-              <a:rPr lang="ko-KR" altLang="en-US" sz="1200" b="1" dirty="0"/>
-              <a:t>커피 </a:t>
-            </a:r>
-            <a:r>
-              <a:rPr lang="en-US" altLang="ko-KR" sz="1200" b="1" dirty="0"/>
-              <a:t>&amp; Weekly</a:t>
-            </a:r>
-            <a:r>
-              <a:rPr lang="en-US" altLang="ko-KR" sz="1200" dirty="0"/>
-              <a:t>, PL</a:t>
-            </a:r>
-            <a:r>
-              <a:rPr lang="ko-KR" altLang="en-US" sz="1200" dirty="0"/>
-              <a:t>님 </a:t>
-            </a:r>
-            <a:r>
-              <a:rPr lang="en-US" altLang="ko-KR" sz="1200" b="1" dirty="0"/>
-              <a:t>1:1</a:t>
-            </a:r>
-            <a:r>
-              <a:rPr lang="en-US" altLang="ko-KR" sz="1200" dirty="0"/>
-              <a:t> </a:t>
-            </a:r>
-            <a:r>
-              <a:rPr lang="ko-KR" altLang="en-US" sz="1200" b="1" dirty="0"/>
-              <a:t>술</a:t>
-            </a:r>
-            <a:r>
-              <a:rPr lang="en-US" altLang="ko-KR" sz="1200" b="1" dirty="0"/>
-              <a:t> </a:t>
-            </a:r>
-            <a:r>
-              <a:rPr lang="en-US" altLang="ko-KR" sz="1200" dirty="0"/>
-              <a:t>(</a:t>
-            </a:r>
-            <a:r>
-              <a:rPr lang="ko-KR" altLang="en-US" sz="1200" dirty="0"/>
-              <a:t>회사 빠른 적응</a:t>
-            </a:r>
-            <a:r>
-              <a:rPr lang="en-US" altLang="ko-KR" sz="1200" dirty="0"/>
-              <a:t>)</a:t>
-            </a:r>
-          </a:p>
-          <a:p>
-            <a:pPr algn="l">
-              <a:lnSpc>
-                <a:spcPct val="170000"/>
-              </a:lnSpc>
-            </a:pPr>
-            <a:r>
-              <a:rPr lang="ko-KR" altLang="en-US" sz="1200" b="1" dirty="0"/>
-              <a:t>친절</a:t>
-            </a:r>
-            <a:r>
-              <a:rPr lang="ko-KR" altLang="en-US" sz="1200" dirty="0"/>
-              <a:t> </a:t>
-            </a:r>
-            <a:r>
-              <a:rPr lang="en-US" altLang="ko-KR" sz="1200" dirty="0"/>
-              <a:t>- </a:t>
-            </a:r>
-            <a:r>
-              <a:rPr lang="ko-KR" altLang="en-US" sz="1200" dirty="0"/>
-              <a:t>늦게 들어갈 때 선배님이 김밥 </a:t>
-            </a:r>
-            <a:r>
-              <a:rPr lang="ko-KR" altLang="en-US" sz="1200" dirty="0" err="1"/>
-              <a:t>사주심</a:t>
-            </a:r>
-            <a:endParaRPr lang="ko-KR" altLang="en-US" sz="1200" dirty="0"/>
-          </a:p>
-          <a:p>
-            <a:pPr algn="l">
-              <a:lnSpc>
-                <a:spcPct val="170000"/>
-              </a:lnSpc>
-            </a:pPr>
-            <a:r>
-              <a:rPr lang="ko-KR" altLang="en-US" sz="1200" b="1" dirty="0"/>
-              <a:t>건강 </a:t>
-            </a:r>
-            <a:r>
-              <a:rPr lang="en-US" altLang="ko-KR" sz="1200" dirty="0"/>
-              <a:t>- </a:t>
-            </a:r>
-            <a:r>
-              <a:rPr lang="ko-KR" altLang="en-US" sz="1200" b="1" dirty="0"/>
-              <a:t>운동</a:t>
-            </a:r>
-            <a:r>
-              <a:rPr lang="ko-KR" altLang="en-US" sz="1200" dirty="0"/>
-              <a:t> 중요시하다</a:t>
-            </a:r>
-          </a:p>
-          <a:p>
-            <a:pPr algn="l">
-              <a:lnSpc>
-                <a:spcPct val="170000"/>
-              </a:lnSpc>
-            </a:pPr>
-            <a:r>
-              <a:rPr lang="ko-KR" altLang="en-US" sz="1200" b="1" dirty="0"/>
-              <a:t>정리</a:t>
-            </a:r>
-            <a:r>
-              <a:rPr lang="ko-KR" altLang="en-US" sz="1200" dirty="0"/>
-              <a:t> </a:t>
-            </a:r>
-            <a:r>
-              <a:rPr lang="en-US" altLang="ko-KR" sz="1200" dirty="0"/>
-              <a:t>- </a:t>
-            </a:r>
-            <a:r>
-              <a:rPr lang="en-US" altLang="ko-KR" sz="1200" b="1" u="sng" dirty="0"/>
-              <a:t>PPT, </a:t>
-            </a:r>
-            <a:r>
-              <a:rPr lang="ko-KR" altLang="en-US" sz="1200" b="1" u="sng" dirty="0"/>
-              <a:t>업무</a:t>
-            </a:r>
-            <a:r>
-              <a:rPr lang="en-US" altLang="ko-KR" sz="1200" b="1" u="sng" dirty="0"/>
-              <a:t>, </a:t>
-            </a:r>
-            <a:r>
-              <a:rPr lang="ko-KR" altLang="en-US" sz="1200" b="1" u="sng" dirty="0"/>
-              <a:t>일정</a:t>
-            </a:r>
-            <a:r>
-              <a:rPr lang="en-US" altLang="ko-KR" sz="1200" b="1" u="sng" dirty="0"/>
-              <a:t>, </a:t>
-            </a:r>
-            <a:r>
-              <a:rPr lang="ko-KR" altLang="en-US" sz="1200" b="1" u="sng" dirty="0"/>
-              <a:t>회의</a:t>
-            </a:r>
-            <a:r>
-              <a:rPr lang="ko-KR" altLang="en-US" sz="1200" b="1" dirty="0"/>
-              <a:t> 등</a:t>
-            </a:r>
-            <a:r>
-              <a:rPr lang="ko-KR" altLang="en-US" sz="1200" dirty="0"/>
-              <a:t> </a:t>
-            </a:r>
-            <a:r>
-              <a:rPr lang="ko-KR" altLang="en-US" sz="1200" b="1" dirty="0"/>
-              <a:t>정리</a:t>
-            </a:r>
-            <a:r>
-              <a:rPr lang="en-US" altLang="ko-KR" sz="1200" dirty="0"/>
-              <a:t>; "</a:t>
-            </a:r>
-            <a:r>
-              <a:rPr lang="ko-KR" altLang="en-US" sz="1200" dirty="0"/>
-              <a:t>오늘 한 일</a:t>
-            </a:r>
-            <a:r>
-              <a:rPr lang="en-US" altLang="ko-KR" sz="1200" dirty="0"/>
-              <a:t>" </a:t>
-            </a:r>
-            <a:r>
-              <a:rPr lang="ko-KR" altLang="en-US" sz="1200" dirty="0"/>
-              <a:t>보고하기</a:t>
-            </a:r>
-          </a:p>
-          <a:p>
-            <a:pPr algn="l">
-              <a:lnSpc>
-                <a:spcPct val="170000"/>
-              </a:lnSpc>
-            </a:pPr>
-            <a:r>
-              <a:rPr lang="ko-KR" altLang="en-US" sz="1200" b="1" dirty="0"/>
-              <a:t>방식</a:t>
-            </a:r>
-            <a:r>
-              <a:rPr lang="ko-KR" altLang="en-US" sz="1200" dirty="0"/>
-              <a:t> </a:t>
-            </a:r>
-            <a:r>
-              <a:rPr lang="en-US" altLang="ko-KR" sz="1200" dirty="0"/>
-              <a:t>- </a:t>
-            </a:r>
-            <a:r>
-              <a:rPr lang="ko-KR" altLang="en-US" sz="1200" b="1" dirty="0"/>
-              <a:t>일정 </a:t>
-            </a:r>
-            <a:r>
-              <a:rPr lang="ko-KR" altLang="en-US" sz="1200" dirty="0"/>
-              <a:t>엄수</a:t>
-            </a:r>
-            <a:r>
-              <a:rPr lang="en-US" altLang="ko-KR" sz="1200" dirty="0"/>
-              <a:t>, </a:t>
-            </a:r>
-            <a:r>
-              <a:rPr lang="ko-KR" altLang="en-US" sz="1200" b="1" dirty="0"/>
-              <a:t>조용히</a:t>
-            </a:r>
-            <a:r>
-              <a:rPr lang="ko-KR" altLang="en-US" sz="1200" dirty="0"/>
-              <a:t> 자리에서 일하기</a:t>
-            </a:r>
-          </a:p>
-          <a:p>
-            <a:pPr algn="l">
-              <a:lnSpc>
-                <a:spcPct val="170000"/>
-              </a:lnSpc>
-            </a:pPr>
-            <a:r>
-              <a:rPr lang="ko-KR" altLang="en-US" sz="1200" b="1" dirty="0"/>
-              <a:t>질문</a:t>
-            </a:r>
-            <a:r>
-              <a:rPr lang="ko-KR" altLang="en-US" sz="1200" dirty="0"/>
-              <a:t> </a:t>
-            </a:r>
-            <a:r>
-              <a:rPr lang="en-US" altLang="ko-KR" sz="1200" dirty="0"/>
-              <a:t>- NARU &amp; DOSS </a:t>
-            </a:r>
-            <a:r>
-              <a:rPr lang="ko-KR" altLang="en-US" sz="1200" dirty="0"/>
-              <a:t>시스템 </a:t>
-            </a:r>
-            <a:r>
-              <a:rPr lang="ko-KR" altLang="en-US" sz="1200" b="1" dirty="0"/>
-              <a:t>질문</a:t>
-            </a:r>
-            <a:r>
-              <a:rPr lang="ko-KR" altLang="en-US" sz="1200" dirty="0"/>
-              <a:t> </a:t>
-            </a:r>
-            <a:r>
-              <a:rPr lang="en-US" altLang="ko-KR" sz="1200" b="1" dirty="0"/>
-              <a:t>&amp; </a:t>
-            </a:r>
-            <a:r>
-              <a:rPr lang="ko-KR" altLang="en-US" sz="1200" b="1" dirty="0"/>
-              <a:t>심화 학습 </a:t>
-            </a:r>
-          </a:p>
-          <a:p>
-            <a:pPr algn="l">
-              <a:lnSpc>
-                <a:spcPct val="170000"/>
-              </a:lnSpc>
-            </a:pPr>
-            <a:r>
-              <a:rPr lang="ko-KR" altLang="en-US" sz="1200" b="1" dirty="0"/>
-              <a:t>변화</a:t>
-            </a:r>
-            <a:r>
-              <a:rPr lang="ko-KR" altLang="en-US" sz="1200" dirty="0"/>
-              <a:t> </a:t>
-            </a:r>
-            <a:r>
-              <a:rPr lang="en-US" altLang="ko-KR" sz="1200" dirty="0"/>
-              <a:t>- </a:t>
-            </a:r>
-            <a:r>
-              <a:rPr lang="ko-KR" altLang="en-US" sz="1200" dirty="0"/>
-              <a:t>스스로 해결하지 못하는 부분이나 이해가 안 되는 부분에 대한 능동적인 문의하는 </a:t>
-            </a:r>
-            <a:r>
-              <a:rPr lang="ko-KR" altLang="en-US" sz="1200" b="1" dirty="0"/>
-              <a:t>자세</a:t>
-            </a:r>
-            <a:r>
-              <a:rPr lang="ko-KR" altLang="en-US" sz="1200" dirty="0"/>
-              <a:t> </a:t>
-            </a:r>
-            <a:r>
-              <a:rPr lang="ko-KR" altLang="en-US" sz="1200" b="1" dirty="0"/>
-              <a:t>보여주기</a:t>
-            </a:r>
-          </a:p>
-          <a:p>
-            <a:pPr algn="l">
-              <a:lnSpc>
-                <a:spcPct val="170000"/>
-              </a:lnSpc>
-            </a:pPr>
-            <a:r>
-              <a:rPr lang="ko-KR" altLang="en-US" sz="1200" b="1" dirty="0"/>
-              <a:t>부족</a:t>
-            </a:r>
-            <a:r>
-              <a:rPr lang="ko-KR" altLang="en-US" sz="1200" dirty="0"/>
-              <a:t> </a:t>
-            </a:r>
-            <a:r>
-              <a:rPr lang="en-US" altLang="ko-KR" sz="1200" dirty="0"/>
-              <a:t>-</a:t>
-            </a:r>
-            <a:r>
-              <a:rPr lang="ko-KR" altLang="en-US" sz="1200" b="1" u="sng" dirty="0"/>
-              <a:t>인사</a:t>
-            </a:r>
-            <a:r>
-              <a:rPr lang="en-US" altLang="ko-KR" sz="1200" b="1" u="sng" dirty="0"/>
-              <a:t>, </a:t>
-            </a:r>
-            <a:r>
-              <a:rPr lang="ko-KR" altLang="en-US" sz="1200" b="1" u="sng" dirty="0"/>
-              <a:t>눈치</a:t>
-            </a:r>
-            <a:r>
-              <a:rPr lang="en-US" altLang="ko-KR" sz="1200" b="1" u="sng" dirty="0"/>
-              <a:t>, </a:t>
-            </a:r>
-            <a:r>
-              <a:rPr lang="ko-KR" altLang="en-US" sz="1200" b="1" u="sng" dirty="0"/>
-              <a:t>대화</a:t>
-            </a:r>
-            <a:r>
-              <a:rPr lang="en-US" altLang="ko-KR" sz="1200" b="1" u="sng" dirty="0"/>
-              <a:t>, </a:t>
-            </a:r>
-            <a:r>
-              <a:rPr lang="ko-KR" altLang="en-US" sz="1200" b="1" u="sng" dirty="0"/>
-              <a:t>질문</a:t>
-            </a:r>
-          </a:p>
-        </p:txBody>
-      </p:sp>
-      <p:sp>
-        <p:nvSpPr>
-          <p:cNvPr id="5" name="제목 1">
-            <a:extLst>
-              <a:ext uri="{FF2B5EF4-FFF2-40B4-BE49-F238E27FC236}">
-                <a16:creationId xmlns:a16="http://schemas.microsoft.com/office/drawing/2014/main" id="{14D98786-078B-76D2-A990-49BA99339BE3}"/>
-              </a:ext>
-            </a:extLst>
-          </p:cNvPr>
+              <a:rPr kumimoji="0" lang="ko-KR" altLang="en-US" sz="2800" b="1" dirty="0">
+                <a:latin typeface="Malgun Gothic" panose="020B0503020000020004" pitchFamily="50" charset="-127"/>
+                <a:ea typeface="Malgun Gothic" panose="020B0503020000020004" pitchFamily="50" charset="-127"/>
+              </a:rPr>
+              <a:t>인턴 </a:t>
+            </a:r>
+            <a:r>
+              <a:rPr kumimoji="0" lang="en-US" altLang="ko-KR" sz="2800" b="1" dirty="0">
+                <a:latin typeface="Malgun Gothic" panose="020B0503020000020004" pitchFamily="50" charset="-127"/>
+                <a:ea typeface="Malgun Gothic" panose="020B0503020000020004" pitchFamily="50" charset="-127"/>
+              </a:rPr>
+              <a:t>PT</a:t>
+            </a:r>
+            <a:endParaRPr kumimoji="0" lang="en-US" altLang="ko-KR" sz="900" b="1" dirty="0">
+              <a:latin typeface="Malgun Gothic" panose="020B0503020000020004" pitchFamily="50" charset="-127"/>
+              <a:ea typeface="Malgun Gothic" panose="020B0503020000020004" pitchFamily="50" charset="-127"/>
+            </a:endParaRPr>
+          </a:p>
+        </p:txBody>
+      </p:sp>
+      <p:sp>
+        <p:nvSpPr>
+          <p:cNvPr id="9" name="Text Box 24"/>
           <p:cNvSpPr txBox="1">
-            <a:spLocks/>
+            <a:spLocks noChangeArrowheads="1"/>
           </p:cNvSpPr>
           <p:nvPr/>
         </p:nvSpPr>
-        <p:spPr>
+        <p:spPr bwMode="auto">
           <a:xfrm>
-            <a:off x="505792" y="2865978"/>
-            <a:ext cx="5573427" cy="2744787"/>
+            <a:off x="4229351" y="1030330"/>
+            <a:ext cx="6303962" cy="368300"/>
           </a:xfrm>
           <a:prstGeom prst="rect">
             <a:avLst/>
           </a:prstGeom>
+          <a:noFill/>
+          <a:ln>
+            <a:noFill/>
+          </a:ln>
+          <a:extLst>
+            <a:ext uri="{909E8E84-426E-40DD-AFC4-6F175D3DCCD1}">
+              <a14:hiddenFill xmlns:a14="http://schemas.microsoft.com/office/drawing/2010/main">
+                <a:solidFill>
+                  <a:srgbClr val="FFFFFF"/>
+                </a:solidFill>
+              </a14:hiddenFill>
+            </a:ext>
+            <a:ext uri="{91240B29-F687-4F45-9708-019B960494DF}">
+              <a14:hiddenLine xmlns:a14="http://schemas.microsoft.com/office/drawing/2010/main" w="12700">
+                <a:solidFill>
+                  <a:srgbClr val="000000"/>
+                </a:solidFill>
+                <a:miter lim="800000"/>
+                <a:headEnd/>
+                <a:tailEnd/>
+              </a14:hiddenLine>
+            </a:ext>
+          </a:extLst>
         </p:spPr>
         <p:txBody>
-          <a:bodyPr vert="horz" lIns="91440" tIns="45720" rIns="91440" bIns="45720" rtlCol="0" anchor="b">
-            <a:noAutofit/>
+          <a:bodyPr>
+            <a:spAutoFit/>
           </a:bodyPr>
           <a:lstStyle>
-            <a:lvl1pPr algn="ctr" defTabSz="1125444" rtl="0" eaLnBrk="1" latinLnBrk="1" hangingPunct="1">
-              <a:lnSpc>
-                <a:spcPct val="90000"/>
-              </a:lnSpc>
+            <a:lvl1pPr eaLnBrk="0" hangingPunct="0">
+              <a:defRPr kumimoji="1" sz="2400">
+                <a:solidFill>
+                  <a:schemeClr val="tx1"/>
+                </a:solidFill>
+                <a:latin typeface="Times New Roman" panose="02020603050405020304" pitchFamily="18" charset="0"/>
+                <a:ea typeface="BatangChe" panose="02030609000101010101" pitchFamily="17" charset="-127"/>
+              </a:defRPr>
+            </a:lvl1pPr>
+            <a:lvl2pPr marL="742950" indent="-285750" eaLnBrk="0" hangingPunct="0">
+              <a:defRPr kumimoji="1" sz="2400">
+                <a:solidFill>
+                  <a:schemeClr val="tx1"/>
+                </a:solidFill>
+                <a:latin typeface="Times New Roman" panose="02020603050405020304" pitchFamily="18" charset="0"/>
+                <a:ea typeface="BatangChe" panose="02030609000101010101" pitchFamily="17" charset="-127"/>
+              </a:defRPr>
+            </a:lvl2pPr>
+            <a:lvl3pPr marL="1143000" indent="-228600" eaLnBrk="0" hangingPunct="0">
+              <a:defRPr kumimoji="1" sz="2400">
+                <a:solidFill>
+                  <a:schemeClr val="tx1"/>
+                </a:solidFill>
+                <a:latin typeface="Times New Roman" panose="02020603050405020304" pitchFamily="18" charset="0"/>
+                <a:ea typeface="BatangChe" panose="02030609000101010101" pitchFamily="17" charset="-127"/>
+              </a:defRPr>
+            </a:lvl3pPr>
+            <a:lvl4pPr marL="1600200" indent="-228600" eaLnBrk="0" hangingPunct="0">
+              <a:defRPr kumimoji="1" sz="2400">
+                <a:solidFill>
+                  <a:schemeClr val="tx1"/>
+                </a:solidFill>
+                <a:latin typeface="Times New Roman" panose="02020603050405020304" pitchFamily="18" charset="0"/>
+                <a:ea typeface="BatangChe" panose="02030609000101010101" pitchFamily="17" charset="-127"/>
+              </a:defRPr>
+            </a:lvl4pPr>
+            <a:lvl5pPr marL="2057400" indent="-228600" eaLnBrk="0" hangingPunct="0">
+              <a:defRPr kumimoji="1" sz="2400">
+                <a:solidFill>
+                  <a:schemeClr val="tx1"/>
+                </a:solidFill>
+                <a:latin typeface="Times New Roman" panose="02020603050405020304" pitchFamily="18" charset="0"/>
+                <a:ea typeface="BatangChe" panose="02030609000101010101" pitchFamily="17" charset="-127"/>
+              </a:defRPr>
+            </a:lvl5pPr>
+            <a:lvl6pPr marL="2514600" indent="-228600" eaLnBrk="0" fontAlgn="base" hangingPunct="0">
               <a:spcBef>
                 <a:spcPct val="0"/>
               </a:spcBef>
-              <a:buNone/>
-              <a:defRPr sz="4431" kern="1200">
+              <a:spcAft>
+                <a:spcPct val="0"/>
+              </a:spcAft>
+              <a:defRPr kumimoji="1" sz="2400">
                 <a:solidFill>
                   <a:schemeClr val="tx1"/>
                 </a:solidFill>
-                <a:latin typeface="+mj-lt"/>
-                <a:ea typeface="+mj-ea"/>
-                <a:cs typeface="+mj-cs"/>
-              </a:defRPr>
-            </a:lvl1pPr>
+                <a:latin typeface="Times New Roman" panose="02020603050405020304" pitchFamily="18" charset="0"/>
+                <a:ea typeface="BatangChe" panose="02030609000101010101" pitchFamily="17" charset="-127"/>
+              </a:defRPr>
+            </a:lvl6pPr>
+            <a:lvl7pPr marL="2971800" indent="-228600" eaLnBrk="0" fontAlgn="base" hangingPunct="0">
+              <a:spcBef>
+                <a:spcPct val="0"/>
+              </a:spcBef>
+              <a:spcAft>
+                <a:spcPct val="0"/>
+              </a:spcAft>
+              <a:defRPr kumimoji="1" sz="2400">
+                <a:solidFill>
+                  <a:schemeClr val="tx1"/>
+                </a:solidFill>
+                <a:latin typeface="Times New Roman" panose="02020603050405020304" pitchFamily="18" charset="0"/>
+                <a:ea typeface="BatangChe" panose="02030609000101010101" pitchFamily="17" charset="-127"/>
+              </a:defRPr>
+            </a:lvl7pPr>
+            <a:lvl8pPr marL="3429000" indent="-228600" eaLnBrk="0" fontAlgn="base" hangingPunct="0">
+              <a:spcBef>
+                <a:spcPct val="0"/>
+              </a:spcBef>
+              <a:spcAft>
+                <a:spcPct val="0"/>
+              </a:spcAft>
+              <a:defRPr kumimoji="1" sz="2400">
+                <a:solidFill>
+                  <a:schemeClr val="tx1"/>
+                </a:solidFill>
+                <a:latin typeface="Times New Roman" panose="02020603050405020304" pitchFamily="18" charset="0"/>
+                <a:ea typeface="BatangChe" panose="02030609000101010101" pitchFamily="17" charset="-127"/>
+              </a:defRPr>
+            </a:lvl8pPr>
+            <a:lvl9pPr marL="3886200" indent="-228600" eaLnBrk="0" fontAlgn="base" hangingPunct="0">
+              <a:spcBef>
+                <a:spcPct val="0"/>
+              </a:spcBef>
+              <a:spcAft>
+                <a:spcPct val="0"/>
+              </a:spcAft>
+              <a:defRPr kumimoji="1" sz="2400">
+                <a:solidFill>
+                  <a:schemeClr val="tx1"/>
+                </a:solidFill>
+                <a:latin typeface="Times New Roman" panose="02020603050405020304" pitchFamily="18" charset="0"/>
+                <a:ea typeface="BatangChe" panose="02030609000101010101" pitchFamily="17" charset="-127"/>
+              </a:defRPr>
+            </a:lvl9pPr>
           </a:lstStyle>
           <a:p>
-            <a:pPr algn="l">
-              <a:lnSpc>
-                <a:spcPct val="150000"/>
-              </a:lnSpc>
+            <a:pPr algn="r" eaLnBrk="1" latinLnBrk="0" hangingPunct="1">
+              <a:spcBef>
+                <a:spcPct val="50000"/>
+              </a:spcBef>
             </a:pPr>
-            <a:endParaRPr lang="ko-KR" altLang="en-US" sz="1200" dirty="0"/>
-          </a:p>
-          <a:p>
-            <a:pPr algn="l">
-              <a:lnSpc>
-                <a:spcPct val="150000"/>
-              </a:lnSpc>
-            </a:pPr>
-            <a:r>
-              <a:rPr lang="en-US" altLang="ko-KR" sz="1200" b="1" dirty="0"/>
-              <a:t>Service GW</a:t>
-            </a:r>
-            <a:r>
-              <a:rPr lang="ko-KR" altLang="en-US" sz="1200" dirty="0"/>
-              <a:t>파트</a:t>
-            </a:r>
-            <a:r>
-              <a:rPr lang="en-US" altLang="ko-KR" sz="1200" b="1" dirty="0"/>
-              <a:t>, DevOps</a:t>
-            </a:r>
-            <a:r>
-              <a:rPr lang="ko-KR" altLang="en-US" sz="1200" dirty="0"/>
-              <a:t>파트</a:t>
-            </a:r>
-            <a:r>
-              <a:rPr lang="en-US" altLang="ko-KR" sz="1200" b="1" dirty="0"/>
-              <a:t>, Service Tech</a:t>
-            </a:r>
-            <a:r>
-              <a:rPr lang="ko-KR" altLang="en-US" sz="1200" dirty="0"/>
-              <a:t>파트</a:t>
-            </a:r>
-            <a:r>
-              <a:rPr lang="en-US" altLang="ko-KR" sz="1200" b="1" dirty="0"/>
-              <a:t>, T Mobile</a:t>
-            </a:r>
-            <a:r>
-              <a:rPr lang="ko-KR" altLang="en-US" sz="1200" dirty="0"/>
-              <a:t>파트</a:t>
-            </a:r>
-          </a:p>
-          <a:p>
-            <a:pPr algn="l">
-              <a:lnSpc>
-                <a:spcPct val="150000"/>
-              </a:lnSpc>
-            </a:pPr>
-            <a:r>
-              <a:rPr lang="ko-KR" altLang="en-US" sz="1200" b="1" dirty="0"/>
-              <a:t>투입될 업무 </a:t>
-            </a:r>
-            <a:r>
-              <a:rPr lang="en-US" altLang="ko-KR" sz="1200" b="1" dirty="0"/>
-              <a:t>-&gt; </a:t>
-            </a:r>
-            <a:r>
-              <a:rPr lang="en-US" altLang="ko-KR" sz="1200" b="1" dirty="0" err="1"/>
-              <a:t>ServiceGW</a:t>
-            </a:r>
-            <a:r>
-              <a:rPr lang="en-US" altLang="ko-KR" sz="1200" b="1" dirty="0"/>
-              <a:t> (NARU</a:t>
-            </a:r>
-            <a:r>
-              <a:rPr lang="en-US" altLang="ko-KR" sz="1200" dirty="0"/>
-              <a:t>,EIGW,EAI,MCG,SMS GW,API,IMDG</a:t>
-            </a:r>
-            <a:r>
-              <a:rPr lang="en-US" altLang="ko-KR" sz="1200" b="1" dirty="0"/>
+            <a:r>
+              <a:rPr lang="ko-KR" altLang="en-US" sz="1800" b="1" dirty="0">
+                <a:latin typeface="Malgun Gothic" panose="020B0503020000020004" pitchFamily="50" charset="-127"/>
+                <a:ea typeface="Malgun Gothic" panose="020B0503020000020004" pitchFamily="50" charset="-127"/>
+              </a:rPr>
+              <a:t>오정택</a:t>
+            </a:r>
+            <a:r>
+              <a:rPr lang="en-US" altLang="ko-KR" sz="1800" b="1" dirty="0">
+                <a:latin typeface="Malgun Gothic" panose="020B0503020000020004" pitchFamily="50" charset="-127"/>
+                <a:ea typeface="Malgun Gothic" panose="020B0503020000020004" pitchFamily="50" charset="-127"/>
+              </a:rPr>
+              <a:t>(BSS</a:t>
+            </a:r>
+            <a:r>
+              <a:rPr lang="ko-KR" altLang="en-US" sz="1800" b="1" dirty="0">
+                <a:latin typeface="Malgun Gothic" panose="020B0503020000020004" pitchFamily="50" charset="-127"/>
+                <a:ea typeface="Malgun Gothic" panose="020B0503020000020004" pitchFamily="50" charset="-127"/>
+              </a:rPr>
+              <a:t>사업</a:t>
+            </a:r>
+            <a:r>
+              <a:rPr lang="en-US" altLang="ko-KR" sz="1800" b="1" dirty="0">
+                <a:latin typeface="Malgun Gothic" panose="020B0503020000020004" pitchFamily="50" charset="-127"/>
+                <a:ea typeface="Malgun Gothic" panose="020B0503020000020004" pitchFamily="50" charset="-127"/>
+              </a:rPr>
+              <a:t>4</a:t>
+            </a:r>
+            <a:r>
+              <a:rPr lang="ko-KR" altLang="en-US" sz="1800" b="1" dirty="0">
+                <a:latin typeface="Malgun Gothic" panose="020B0503020000020004" pitchFamily="50" charset="-127"/>
+                <a:ea typeface="Malgun Gothic" panose="020B0503020000020004" pitchFamily="50" charset="-127"/>
+              </a:rPr>
+              <a:t>팀</a:t>
+            </a:r>
+            <a:r>
+              <a:rPr lang="en-US" altLang="ko-KR" sz="1800" b="1" dirty="0">
+                <a:latin typeface="Malgun Gothic" panose="020B0503020000020004" pitchFamily="50" charset="-127"/>
+                <a:ea typeface="Malgun Gothic" panose="020B0503020000020004" pitchFamily="50" charset="-127"/>
+              </a:rPr>
               <a:t>)</a:t>
             </a:r>
-          </a:p>
-          <a:p>
-            <a:pPr algn="l">
-              <a:lnSpc>
-                <a:spcPct val="150000"/>
-              </a:lnSpc>
-            </a:pPr>
-            <a:r>
-              <a:rPr lang="ko-KR" altLang="en-US" sz="1200" b="1" dirty="0"/>
-              <a:t>프로젝트 </a:t>
-            </a:r>
-            <a:r>
-              <a:rPr lang="en-US" altLang="ko-KR" sz="1200" b="1" dirty="0"/>
-              <a:t>-&gt; NARU</a:t>
-            </a:r>
-            <a:r>
-              <a:rPr lang="en-US" altLang="ko-KR" sz="1200" dirty="0"/>
-              <a:t>(</a:t>
-            </a:r>
-            <a:r>
-              <a:rPr lang="ko-KR" altLang="en-US" sz="1200" dirty="0"/>
-              <a:t>인터페이스 모니터링 시스템</a:t>
-            </a:r>
-            <a:r>
-              <a:rPr lang="en-US" altLang="ko-KR" sz="1200" dirty="0"/>
-              <a:t>)</a:t>
-            </a:r>
-          </a:p>
-          <a:p>
-            <a:pPr algn="l">
-              <a:lnSpc>
-                <a:spcPct val="150000"/>
-              </a:lnSpc>
-            </a:pPr>
-            <a:r>
-              <a:rPr lang="en-US" altLang="ko-KR" sz="1200" b="1" dirty="0"/>
-              <a:t>NARU</a:t>
-            </a:r>
-            <a:r>
-              <a:rPr lang="en-US" altLang="ko-KR" sz="1200" dirty="0"/>
-              <a:t> </a:t>
-            </a:r>
-            <a:r>
-              <a:rPr lang="ko-KR" altLang="en-US" sz="1200" dirty="0"/>
-              <a:t>홈페이지에 </a:t>
-            </a:r>
-            <a:r>
-              <a:rPr lang="ko-KR" altLang="en-US" sz="1200" b="1" dirty="0"/>
-              <a:t>기능을 개선</a:t>
-            </a:r>
-            <a:r>
-              <a:rPr lang="en-US" altLang="ko-KR" sz="1200" b="1" dirty="0"/>
-              <a:t>/</a:t>
-            </a:r>
-            <a:r>
-              <a:rPr lang="ko-KR" altLang="en-US" sz="1200" b="1" dirty="0"/>
-              <a:t>추가 </a:t>
-            </a:r>
-            <a:r>
-              <a:rPr lang="ko-KR" altLang="en-US" sz="1200" dirty="0"/>
-              <a:t>개인 프로젝트</a:t>
-            </a:r>
-          </a:p>
-          <a:p>
-            <a:pPr algn="l">
-              <a:lnSpc>
-                <a:spcPct val="150000"/>
-              </a:lnSpc>
-            </a:pPr>
-            <a:r>
-              <a:rPr lang="en-US" altLang="ko-KR" sz="1200" b="1" dirty="0"/>
-              <a:t>NARU</a:t>
-            </a:r>
-            <a:r>
-              <a:rPr lang="en-US" altLang="ko-KR" sz="1200" dirty="0"/>
-              <a:t> </a:t>
-            </a:r>
-            <a:r>
-              <a:rPr lang="ko-KR" altLang="en-US" sz="1200" dirty="0"/>
-              <a:t>홈페이지를 개선 프로젝트 </a:t>
-            </a:r>
-            <a:r>
-              <a:rPr lang="ko-KR" altLang="en-US" sz="1200" b="1" dirty="0"/>
-              <a:t>회의</a:t>
-            </a:r>
-          </a:p>
-          <a:p>
-            <a:pPr algn="l">
-              <a:lnSpc>
-                <a:spcPct val="150000"/>
-              </a:lnSpc>
-            </a:pPr>
-            <a:r>
-              <a:rPr lang="en-US" altLang="ko-KR" sz="1200" b="1" dirty="0"/>
-              <a:t>NARU </a:t>
-            </a:r>
-            <a:r>
-              <a:rPr lang="ko-KR" altLang="en-US" sz="1200" dirty="0"/>
-              <a:t>시스템 개발에 필요한 </a:t>
-            </a:r>
-            <a:r>
-              <a:rPr lang="ko-KR" altLang="en-US" sz="1200" b="1" dirty="0"/>
-              <a:t>환경 설정</a:t>
-            </a:r>
-            <a:r>
-              <a:rPr lang="en-US" altLang="ko-KR" sz="1200" b="1" dirty="0"/>
-              <a:t>, </a:t>
-            </a:r>
-            <a:r>
-              <a:rPr lang="ko-KR" altLang="en-US" sz="1200" b="1" dirty="0"/>
-              <a:t>테스트 및 오류 수정 </a:t>
-            </a:r>
-          </a:p>
-          <a:p>
-            <a:pPr algn="l">
-              <a:lnSpc>
-                <a:spcPct val="150000"/>
-              </a:lnSpc>
-            </a:pPr>
-            <a:r>
-              <a:rPr lang="en-US" altLang="ko-KR" sz="1200" b="1" u="sng" dirty="0" err="1"/>
-              <a:t>Vue+SpringBoot+MariaDB</a:t>
-            </a:r>
-            <a:r>
-              <a:rPr lang="en-US" altLang="ko-KR" sz="1200" b="1" dirty="0"/>
-              <a:t> </a:t>
-            </a:r>
-            <a:r>
-              <a:rPr lang="ko-KR" altLang="en-US" sz="1200" dirty="0"/>
-              <a:t>연동까지 </a:t>
-            </a:r>
-            <a:r>
-              <a:rPr lang="ko-KR" altLang="en-US" sz="1200" b="1" dirty="0"/>
-              <a:t>화면 노출 </a:t>
-            </a:r>
-            <a:r>
-              <a:rPr lang="ko-KR" altLang="en-US" sz="1200" dirty="0"/>
-              <a:t>성공</a:t>
-            </a:r>
-          </a:p>
-          <a:p>
-            <a:pPr algn="l">
-              <a:lnSpc>
-                <a:spcPct val="150000"/>
-              </a:lnSpc>
-            </a:pPr>
-            <a:r>
-              <a:rPr lang="en-US" altLang="ko-KR" sz="1200" b="1" dirty="0"/>
-              <a:t>DevOps</a:t>
-            </a:r>
-            <a:r>
-              <a:rPr lang="ko-KR" altLang="en-US" sz="1200" b="1" dirty="0"/>
-              <a:t>파트 </a:t>
-            </a:r>
-            <a:r>
-              <a:rPr lang="en-US" altLang="ko-KR" sz="1200" b="1" dirty="0"/>
-              <a:t>DOSS</a:t>
-            </a:r>
-            <a:r>
-              <a:rPr lang="ko-KR" altLang="en-US" sz="1200" dirty="0"/>
-              <a:t>로 업무 전환</a:t>
-            </a:r>
-          </a:p>
-          <a:p>
-            <a:pPr algn="l">
-              <a:lnSpc>
-                <a:spcPct val="150000"/>
-              </a:lnSpc>
-            </a:pPr>
-            <a:r>
-              <a:rPr lang="ko-KR" altLang="en-US" sz="1200" b="1" dirty="0"/>
-              <a:t>오류 점검 업무</a:t>
-            </a:r>
-            <a:r>
-              <a:rPr lang="ko-KR" altLang="en-US" sz="1200" dirty="0"/>
-              <a:t> </a:t>
-            </a:r>
-            <a:r>
-              <a:rPr lang="en-US" altLang="ko-KR" sz="1200" b="1" dirty="0"/>
-              <a:t>&amp; </a:t>
-            </a:r>
-            <a:r>
-              <a:rPr lang="ko-KR" altLang="en-US" sz="1200" b="1" dirty="0"/>
-              <a:t>개인 프로젝트</a:t>
-            </a:r>
-          </a:p>
-          <a:p>
-            <a:pPr algn="l">
-              <a:lnSpc>
-                <a:spcPct val="150000"/>
-              </a:lnSpc>
-            </a:pPr>
-            <a:r>
-              <a:rPr lang="ko-KR" altLang="en-US" sz="1200" dirty="0"/>
-              <a:t>프로젝트 개인과제 산출물 </a:t>
-            </a:r>
-            <a:r>
-              <a:rPr lang="ko-KR" altLang="en-US" sz="1200" b="1" dirty="0"/>
-              <a:t>다시 정리하기</a:t>
-            </a:r>
+            <a:endParaRPr lang="en-US" altLang="ko-KR" sz="1800" b="1" dirty="0">
+              <a:latin typeface="Malgun Gothic" panose="020B0503020000020004" pitchFamily="50" charset="-127"/>
+              <a:ea typeface="Malgun Gothic" panose="020B0503020000020004" pitchFamily="50" charset="-127"/>
+            </a:endParaRPr>
           </a:p>
         </p:txBody>
       </p:sp>
@@ -5829,7 +5293,7 @@
     </a:clrScheme>
     <a:fontScheme name="Office">
       <a:majorFont>
-        <a:latin typeface="맑은 고딕" panose="020F0302020204030204"/>
+        <a:latin typeface="맑은 고딕"/>
         <a:ea typeface=""/>
         <a:cs typeface=""/>
         <a:font script="Jpan" typeface="游ゴシック Light"/>
@@ -5862,26 +5326,9 @@
         <a:font script="Viet" typeface="Times New Roman"/>
         <a:font script="Uigh" typeface="Microsoft Uighur"/>
         <a:font script="Geor" typeface="Sylfaen"/>
-        <a:font script="Armn" typeface="Arial"/>
-        <a:font script="Bugi" typeface="Leelawadee UI"/>
-        <a:font script="Bopo" typeface="Microsoft JhengHei"/>
-        <a:font script="Java" typeface="Javanese Text"/>
-        <a:font script="Lisu" typeface="Segoe UI"/>
-        <a:font script="Mymr" typeface="Myanmar Text"/>
-        <a:font script="Nkoo" typeface="Ebrima"/>
-        <a:font script="Olck" typeface="Nirmala UI"/>
-        <a:font script="Osma" typeface="Ebrima"/>
-        <a:font script="Phag" typeface="Phagspa"/>
-        <a:font script="Syrn" typeface="Estrangelo Edessa"/>
-        <a:font script="Syrj" typeface="Estrangelo Edessa"/>
-        <a:font script="Syre" typeface="Estrangelo Edessa"/>
-        <a:font script="Sora" typeface="Nirmala UI"/>
-        <a:font script="Tale" typeface="Microsoft Tai Le"/>
-        <a:font script="Talu" typeface="Microsoft New Tai Lue"/>
-        <a:font script="Tfng" typeface="Ebrima"/>
       </a:majorFont>
       <a:minorFont>
-        <a:latin typeface="맑은 고딕" panose="020F0502020204030204"/>
+        <a:latin typeface="맑은 고딕"/>
         <a:ea typeface=""/>
         <a:cs typeface=""/>
         <a:font script="Jpan" typeface="游ゴシック"/>
@@ -5914,23 +5361,6 @@
         <a:font script="Viet" typeface="Arial"/>
         <a:font script="Uigh" typeface="Microsoft Uighur"/>
         <a:font script="Geor" typeface="Sylfaen"/>
-        <a:font script="Armn" typeface="Arial"/>
-        <a:font script="Bugi" typeface="Leelawadee UI"/>
-        <a:font script="Bopo" typeface="Microsoft JhengHei"/>
-        <a:font script="Java" typeface="Javanese Text"/>
-        <a:font script="Lisu" typeface="Segoe UI"/>
-        <a:font script="Mymr" typeface="Myanmar Text"/>
-        <a:font script="Nkoo" typeface="Ebrima"/>
-        <a:font script="Olck" typeface="Nirmala UI"/>
-        <a:font script="Osma" typeface="Ebrima"/>
-        <a:font script="Phag" typeface="Phagspa"/>
-        <a:font script="Syrn" typeface="Estrangelo Edessa"/>
-        <a:font script="Syrj" typeface="Estrangelo Edessa"/>
-        <a:font script="Syre" typeface="Estrangelo Edessa"/>
-        <a:font script="Sora" typeface="Nirmala UI"/>
-        <a:font script="Tale" typeface="Microsoft Tai Le"/>
-        <a:font script="Talu" typeface="Microsoft New Tai Lue"/>
-        <a:font script="Tfng" typeface="Ebrima"/>
       </a:minorFont>
     </a:fontScheme>
     <a:fmtScheme name="Office 테마">
@@ -6103,10 +5533,9 @@
       </a:lstStyle>
     </a:txDef>
   </a:objectDefaults>
-  <a:extraClrSchemeLst/>
   <a:extLst>
     <a:ext uri="{05A4C25C-085E-4340-85A3-A5531E510DB2}">
-      <thm15:themeFamily xmlns:thm15="http://schemas.microsoft.com/office/thememl/2012/main" name="A4" id="{4A4FBCF8-E54F-4A8A-B121-A7854369020C}" vid="{A5C4E081-D9BB-4518-AA55-2DDB3780E50F}"/>
+      <thm15:themeFamily xmlns:thm15="http://schemas.microsoft.com/office/thememl/2012/main" name="Office Theme" id="{62F939B6-93AF-4DB8-9C6B-D6C7DFDC589F}" vid="{4A3C46E8-61CC-4603-A589-7422A47A8E4A}"/>
     </a:ext>
   </a:extLst>
 </a:theme>
@@ -6155,7 +5584,7 @@
     </a:clrScheme>
     <a:fontScheme name="Office">
       <a:majorFont>
-        <a:latin typeface="맑은 고딕" panose="020F0302020204030204"/>
+        <a:latin typeface="맑은 고딕"/>
         <a:ea typeface=""/>
         <a:cs typeface=""/>
         <a:font script="Jpan" typeface="游ゴシック Light"/>
@@ -6188,26 +5617,9 @@
         <a:font script="Viet" typeface="Times New Roman"/>
         <a:font script="Uigh" typeface="Microsoft Uighur"/>
         <a:font script="Geor" typeface="Sylfaen"/>
-        <a:font script="Armn" typeface="Arial"/>
-        <a:font script="Bugi" typeface="Leelawadee UI"/>
-        <a:font script="Bopo" typeface="Microsoft JhengHei"/>
-        <a:font script="Java" typeface="Javanese Text"/>
-        <a:font script="Lisu" typeface="Segoe UI"/>
-        <a:font script="Mymr" typeface="Myanmar Text"/>
-        <a:font script="Nkoo" typeface="Ebrima"/>
-        <a:font script="Olck" typeface="Nirmala UI"/>
-        <a:font script="Osma" typeface="Ebrima"/>
-        <a:font script="Phag" typeface="Phagspa"/>
-        <a:font script="Syrn" typeface="Estrangelo Edessa"/>
-        <a:font script="Syrj" typeface="Estrangelo Edessa"/>
-        <a:font script="Syre" typeface="Estrangelo Edessa"/>
-        <a:font script="Sora" typeface="Nirmala UI"/>
-        <a:font script="Tale" typeface="Microsoft Tai Le"/>
-        <a:font script="Talu" typeface="Microsoft New Tai Lue"/>
-        <a:font script="Tfng" typeface="Ebrima"/>
       </a:majorFont>
       <a:minorFont>
-        <a:latin typeface="맑은 고딕" panose="020F0502020204030204"/>
+        <a:latin typeface="맑은 고딕"/>
         <a:ea typeface=""/>
         <a:cs typeface=""/>
         <a:font script="Jpan" typeface="游ゴシック"/>
@@ -6240,23 +5652,6 @@
         <a:font script="Viet" typeface="Arial"/>
         <a:font script="Uigh" typeface="Microsoft Uighur"/>
         <a:font script="Geor" typeface="Sylfaen"/>
-        <a:font script="Armn" typeface="Arial"/>
-        <a:font script="Bugi" typeface="Leelawadee UI"/>
-        <a:font script="Bopo" typeface="Microsoft JhengHei"/>
-        <a:font script="Java" typeface="Javanese Text"/>
-        <a:font script="Lisu" typeface="Segoe UI"/>
-        <a:font script="Mymr" typeface="Myanmar Text"/>
-        <a:font script="Nkoo" typeface="Ebrima"/>
-        <a:font script="Olck" typeface="Nirmala UI"/>
-        <a:font script="Osma" typeface="Ebrima"/>
-        <a:font script="Phag" typeface="Phagspa"/>
-        <a:font script="Syrn" typeface="Estrangelo Edessa"/>
-        <a:font script="Syrj" typeface="Estrangelo Edessa"/>
-        <a:font script="Syre" typeface="Estrangelo Edessa"/>
-        <a:font script="Sora" typeface="Nirmala UI"/>
-        <a:font script="Tale" typeface="Microsoft Tai Le"/>
-        <a:font script="Talu" typeface="Microsoft New Tai Lue"/>
-        <a:font script="Tfng" typeface="Ebrima"/>
       </a:minorFont>
     </a:fontScheme>
     <a:fmtScheme name="Office">
@@ -6397,325 +5792,10 @@
       </a:bgFillStyleLst>
     </a:fmtScheme>
   </a:themeElements>
-  <a:objectDefaults/>
-  <a:extraClrSchemeLst/>
   <a:extLst>
     <a:ext uri="{05A4C25C-085E-4340-85A3-A5531E510DB2}">
       <thm15:themeFamily xmlns:thm15="http://schemas.microsoft.com/office/thememl/2012/main" name="Office Theme" id="{62F939B6-93AF-4DB8-9C6B-D6C7DFDC589F}" vid="{4A3C46E8-61CC-4603-A589-7422A47A8E4A}"/>
     </a:ext>
   </a:extLst>
 </a:theme>
-</file>
-
-<file path=customXml/item1.xml><?xml version="1.0" encoding="utf-8"?>
-<ct:contentTypeSchema xmlns:ct="http://schemas.microsoft.com/office/2006/metadata/contentType" xmlns:ma="http://schemas.microsoft.com/office/2006/metadata/properties/metaAttributes" ct:_="" ma:_="" ma:contentTypeName="Document" ma:contentTypeID="0x0101008D151F5EC7D5F5488C2D2DADDD25AABE" ma:contentTypeVersion="18" ma:contentTypeDescription="Create a new document." ma:contentTypeScope="" ma:versionID="2cf10d2e1f77029be1aace8c4c752723">
-  <xsd:schema xmlns:xsd="http://www.w3.org/2001/XMLSchema" xmlns:xs="http://www.w3.org/2001/XMLSchema" xmlns:p="http://schemas.microsoft.com/office/2006/metadata/properties" xmlns:ns2="c3b764ad-fc4d-4b1e-8c57-56438e39c46a" xmlns:ns3="0a1bd3c1-cc8e-4413-9ce9-87da13231f2f" targetNamespace="http://schemas.microsoft.com/office/2006/metadata/properties" ma:root="true" ma:fieldsID="99057bffea76a416550561e1441e43d0" ns2:_="" ns3:_="">
-    <xsd:import namespace="c3b764ad-fc4d-4b1e-8c57-56438e39c46a"/>
-    <xsd:import namespace="0a1bd3c1-cc8e-4413-9ce9-87da13231f2f"/>
-    <xsd:element name="properties">
-      <xsd:complexType>
-        <xsd:sequence>
-          <xsd:element name="documentManagement">
-            <xsd:complexType>
-              <xsd:all>
-                <xsd:element ref="ns2:MediaServiceMetadata" minOccurs="0"/>
-                <xsd:element ref="ns2:MediaServiceFastMetadata" minOccurs="0"/>
-                <xsd:element ref="ns2:MediaServiceAutoTags" minOccurs="0"/>
-                <xsd:element ref="ns2:MediaServiceGenerationTime" minOccurs="0"/>
-                <xsd:element ref="ns2:MediaServiceEventHashCode" minOccurs="0"/>
-                <xsd:element ref="ns2:MediaServiceDateTaken" minOccurs="0"/>
-                <xsd:element ref="ns2:MediaServiceOCR" minOccurs="0"/>
-                <xsd:element ref="ns2:MediaServiceAutoKeyPoints" minOccurs="0"/>
-                <xsd:element ref="ns2:MediaServiceKeyPoints" minOccurs="0"/>
-                <xsd:element ref="ns2:MediaServiceLocation" minOccurs="0"/>
-                <xsd:element ref="ns2:MediaLengthInSeconds" minOccurs="0"/>
-                <xsd:element ref="ns3:SharedWithUsers" minOccurs="0"/>
-                <xsd:element ref="ns3:SharedWithDetails" minOccurs="0"/>
-                <xsd:element ref="ns2:lcf76f155ced4ddcb4097134ff3c332f" minOccurs="0"/>
-                <xsd:element ref="ns3:TaxCatchAll" minOccurs="0"/>
-                <xsd:element ref="ns2:MediaServiceObjectDetectorVersions" minOccurs="0"/>
-                <xsd:element ref="ns2:MediaServiceSearchProperties" minOccurs="0"/>
-              </xsd:all>
-            </xsd:complexType>
-          </xsd:element>
-        </xsd:sequence>
-      </xsd:complexType>
-    </xsd:element>
-  </xsd:schema>
-  <xsd:schema xmlns:xsd="http://www.w3.org/2001/XMLSchema" xmlns:xs="http://www.w3.org/2001/XMLSchema" xmlns:dms="http://schemas.microsoft.com/office/2006/documentManagement/types" xmlns:pc="http://schemas.microsoft.com/office/infopath/2007/PartnerControls" targetNamespace="c3b764ad-fc4d-4b1e-8c57-56438e39c46a" elementFormDefault="qualified">
-    <xsd:import namespace="http://schemas.microsoft.com/office/2006/documentManagement/types"/>
-    <xsd:import namespace="http://schemas.microsoft.com/office/infopath/2007/PartnerControls"/>
-    <xsd:element name="MediaServiceMetadata" ma:index="8" nillable="true" ma:displayName="MediaServiceMetadata" ma:hidden="true" ma:internalName="MediaServiceMetadata" ma:readOnly="true">
-      <xsd:simpleType>
-        <xsd:restriction base="dms:Note"/>
-      </xsd:simpleType>
-    </xsd:element>
-    <xsd:element name="MediaServiceFastMetadata" ma:index="9" nillable="true" ma:displayName="MediaServiceFastMetadata" ma:hidden="true" ma:internalName="MediaServiceFastMetadata" ma:readOnly="true">
-      <xsd:simpleType>
-        <xsd:restriction base="dms:Note"/>
-      </xsd:simpleType>
-    </xsd:element>
-    <xsd:element name="MediaServiceAutoTags" ma:index="10" nillable="true" ma:displayName="Tags" ma:internalName="MediaServiceAutoTags" ma:readOnly="true">
-      <xsd:simpleType>
-        <xsd:restriction base="dms:Text"/>
-      </xsd:simpleType>
-    </xsd:element>
-    <xsd:element name="MediaServiceGenerationTime" ma:index="11" nillable="true" ma:displayName="MediaServiceGenerationTime" ma:hidden="true" ma:internalName="MediaServiceGenerationTime" ma:readOnly="true">
-      <xsd:simpleType>
-        <xsd:restriction base="dms:Text"/>
-      </xsd:simpleType>
-    </xsd:element>
-    <xsd:element name="MediaServiceEventHashCode" ma:index="12" nillable="true" ma:displayName="MediaServiceEventHashCode" ma:hidden="true" ma:internalName="MediaServiceEventHashCode" ma:readOnly="true">
-      <xsd:simpleType>
-        <xsd:restriction base="dms:Text"/>
-      </xsd:simpleType>
-    </xsd:element>
-    <xsd:element name="MediaServiceDateTaken" ma:index="13" nillable="true" ma:displayName="MediaServiceDateTaken" ma:hidden="true" ma:internalName="MediaServiceDateTaken" ma:readOnly="true">
-      <xsd:simpleType>
-        <xsd:restriction base="dms:Text"/>
-      </xsd:simpleType>
-    </xsd:element>
-    <xsd:element name="MediaServiceOCR" ma:index="14" nillable="true" ma:displayName="Extracted Text" ma:internalName="MediaServiceOCR" ma:readOnly="true">
-      <xsd:simpleType>
-        <xsd:restriction base="dms:Note">
-          <xsd:maxLength value="255"/>
-        </xsd:restriction>
-      </xsd:simpleType>
-    </xsd:element>
-    <xsd:element name="MediaServiceAutoKeyPoints" ma:index="15" nillable="true" ma:displayName="MediaServiceAutoKeyPoints" ma:hidden="true" ma:internalName="MediaServiceAutoKeyPoints" ma:readOnly="true">
-      <xsd:simpleType>
-        <xsd:restriction base="dms:Note"/>
-      </xsd:simpleType>
-    </xsd:element>
-    <xsd:element name="MediaServiceKeyPoints" ma:index="16" nillable="true" ma:displayName="KeyPoints" ma:internalName="MediaServiceKeyPoints" ma:readOnly="true">
-      <xsd:simpleType>
-        <xsd:restriction base="dms:Note">
-          <xsd:maxLength value="255"/>
-        </xsd:restriction>
-      </xsd:simpleType>
-    </xsd:element>
-    <xsd:element name="MediaServiceLocation" ma:index="17" nillable="true" ma:displayName="Location" ma:internalName="MediaServiceLocation" ma:readOnly="true">
-      <xsd:simpleType>
-        <xsd:restriction base="dms:Text"/>
-      </xsd:simpleType>
-    </xsd:element>
-    <xsd:element name="MediaLengthInSeconds" ma:index="18" nillable="true" ma:displayName="Length (seconds)" ma:internalName="MediaLengthInSeconds" ma:readOnly="true">
-      <xsd:simpleType>
-        <xsd:restriction base="dms:Unknown"/>
-      </xsd:simpleType>
-    </xsd:element>
-    <xsd:element name="lcf76f155ced4ddcb4097134ff3c332f" ma:index="22" nillable="true" ma:taxonomy="true" ma:internalName="lcf76f155ced4ddcb4097134ff3c332f" ma:taxonomyFieldName="MediaServiceImageTags" ma:displayName="Image Tags" ma:readOnly="false" ma:fieldId="{5cf76f15-5ced-4ddc-b409-7134ff3c332f}" ma:taxonomyMulti="true" ma:sspId="75702a04-5a8d-4e22-8fc9-754da5c84574" ma:termSetId="09814cd3-568e-fe90-9814-8d621ff8fb84" ma:anchorId="fba54fb3-c3e1-fe81-a776-ca4b69148c4d" ma:open="true" ma:isKeyword="false">
-      <xsd:complexType>
-        <xsd:sequence>
-          <xsd:element ref="pc:Terms" minOccurs="0" maxOccurs="1"/>
-        </xsd:sequence>
-      </xsd:complexType>
-    </xsd:element>
-    <xsd:element name="MediaServiceObjectDetectorVersions" ma:index="24" nillable="true" ma:displayName="MediaServiceObjectDetectorVersions" ma:description="" ma:hidden="true" ma:indexed="true" ma:internalName="MediaServiceObjectDetectorVersions" ma:readOnly="true">
-      <xsd:simpleType>
-        <xsd:restriction base="dms:Text"/>
-      </xsd:simpleType>
-    </xsd:element>
-    <xsd:element name="MediaServiceSearchProperties" ma:index="25" nillable="true" ma:displayName="MediaServiceSearchProperties" ma:hidden="true" ma:internalName="MediaServiceSearchProperties" ma:readOnly="true">
-      <xsd:simpleType>
-        <xsd:restriction base="dms:Note"/>
-      </xsd:simpleType>
-    </xsd:element>
-  </xsd:schema>
-  <xsd:schema xmlns:xsd="http://www.w3.org/2001/XMLSchema" xmlns:xs="http://www.w3.org/2001/XMLSchema" xmlns:dms="http://schemas.microsoft.com/office/2006/documentManagement/types" xmlns:pc="http://schemas.microsoft.com/office/infopath/2007/PartnerControls" targetNamespace="0a1bd3c1-cc8e-4413-9ce9-87da13231f2f" elementFormDefault="qualified">
-    <xsd:import namespace="http://schemas.microsoft.com/office/2006/documentManagement/types"/>
-    <xsd:import namespace="http://schemas.microsoft.com/office/infopath/2007/PartnerControls"/>
-    <xsd:element name="SharedWithUsers" ma:index="19" nillable="true" ma:displayName="Shared With" ma:internalName="SharedWithUsers" ma:readOnly="true">
-      <xsd:complexType>
-        <xsd:complexContent>
-          <xsd:extension base="dms:UserMulti">
-            <xsd:sequence>
-              <xsd:element name="UserInfo" minOccurs="0" maxOccurs="unbounded">
-                <xsd:complexType>
-                  <xsd:sequence>
-                    <xsd:element name="DisplayName" type="xsd:string" minOccurs="0"/>
-                    <xsd:element name="AccountId" type="dms:UserId" minOccurs="0" nillable="true"/>
-                    <xsd:element name="AccountType" type="xsd:string" minOccurs="0"/>
-                  </xsd:sequence>
-                </xsd:complexType>
-              </xsd:element>
-            </xsd:sequence>
-          </xsd:extension>
-        </xsd:complexContent>
-      </xsd:complexType>
-    </xsd:element>
-    <xsd:element name="SharedWithDetails" ma:index="20" nillable="true" ma:displayName="Shared With Details" ma:internalName="SharedWithDetails" ma:readOnly="true">
-      <xsd:simpleType>
-        <xsd:restriction base="dms:Note">
-          <xsd:maxLength value="255"/>
-        </xsd:restriction>
-      </xsd:simpleType>
-    </xsd:element>
-    <xsd:element name="TaxCatchAll" ma:index="23" nillable="true" ma:displayName="Taxonomy Catch All Column" ma:hidden="true" ma:list="{a4e1e787-2bd3-431f-ae68-1f06187fea1f}" ma:internalName="TaxCatchAll" ma:showField="CatchAllData" ma:web="0a1bd3c1-cc8e-4413-9ce9-87da13231f2f">
-      <xsd:complexType>
-        <xsd:complexContent>
-          <xsd:extension base="dms:MultiChoiceLookup">
-            <xsd:sequence>
-              <xsd:element name="Value" type="dms:Lookup" maxOccurs="unbounded" minOccurs="0" nillable="true"/>
-            </xsd:sequence>
-          </xsd:extension>
-        </xsd:complexContent>
-      </xsd:complexType>
-    </xsd:element>
-  </xsd:schema>
-  <xsd:schema xmlns="http://schemas.openxmlformats.org/package/2006/metadata/core-properties" xmlns:xsd="http://www.w3.org/2001/XMLSchema" xmlns:xsi="http://www.w3.org/2001/XMLSchema-instance" xmlns:dc="http://purl.org/dc/elements/1.1/" xmlns:dcterms="http://purl.org/dc/terms/" xmlns:odoc="http://schemas.microsoft.com/internal/obd" targetNamespace="http://schemas.openxmlformats.org/package/2006/metadata/core-properties" elementFormDefault="qualified" attributeFormDefault="unqualified" blockDefault="#all">
-    <xsd:import namespace="http://purl.org/dc/elements/1.1/" schemaLocation="http://dublincore.org/schemas/xmls/qdc/2003/04/02/dc.xsd"/>
-    <xsd:import namespace="http://purl.org/dc/terms/" schemaLocation="http://dublincore.org/schemas/xmls/qdc/2003/04/02/dcterms.xsd"/>
-    <xsd:element name="coreProperties" type="CT_coreProperties"/>
-    <xsd:complexType name="CT_coreProperties">
-      <xsd:all>
-        <xsd:element ref="dc:creator" minOccurs="0" maxOccurs="1"/>
-        <xsd:element ref="dcterms:created" minOccurs="0" maxOccurs="1"/>
-        <xsd:element ref="dc:identifier" minOccurs="0" maxOccurs="1"/>
-        <xsd:element name="contentType" minOccurs="0" maxOccurs="1" type="xsd:string" ma:index="0" ma:displayName="Content Type"/>
-        <xsd:element ref="dc:title" minOccurs="0" maxOccurs="1" ma:index="4" ma:displayName="Title"/>
-        <xsd:element ref="dc:subject" minOccurs="0" maxOccurs="1"/>
-        <xsd:element ref="dc:description" minOccurs="0" maxOccurs="1"/>
-        <xsd:element name="keywords" minOccurs="0" maxOccurs="1" type="xsd:string"/>
-        <xsd:element ref="dc:language" minOccurs="0" maxOccurs="1"/>
-        <xsd:element name="category" minOccurs="0" maxOccurs="1" type="xsd:string"/>
-        <xsd:element name="version" minOccurs="0" maxOccurs="1" type="xsd:string"/>
-        <xsd:element name="revision" minOccurs="0" maxOccurs="1" type="xsd:string">
-          <xsd:annotation>
-            <xsd:documentation>
-                        This value indicates the number of saves or revisions. The application is responsible for updating this value after each revision.
-                    </xsd:documentation>
-          </xsd:annotation>
-        </xsd:element>
-        <xsd:element name="lastModifiedBy" minOccurs="0" maxOccurs="1" type="xsd:string"/>
-        <xsd:element ref="dcterms:modified" minOccurs="0" maxOccurs="1"/>
-        <xsd:element name="contentStatus" minOccurs="0" maxOccurs="1" type="xsd:string"/>
-      </xsd:all>
-    </xsd:complexType>
-  </xsd:schema>
-  <xs:schema xmlns:pc="http://schemas.microsoft.com/office/infopath/2007/PartnerControls" xmlns:xs="http://www.w3.org/2001/XMLSchema" targetNamespace="http://schemas.microsoft.com/office/infopath/2007/PartnerControls" elementFormDefault="qualified" attributeFormDefault="unqualified">
-    <xs:element name="Person">
-      <xs:complexType>
-        <xs:sequence>
-          <xs:element ref="pc:DisplayName" minOccurs="0"/>
-          <xs:element ref="pc:AccountId" minOccurs="0"/>
-          <xs:element ref="pc:AccountType" minOccurs="0"/>
-        </xs:sequence>
-      </xs:complexType>
-    </xs:element>
-    <xs:element name="DisplayName" type="xs:string"/>
-    <xs:element name="AccountId" type="xs:string"/>
-    <xs:element name="AccountType" type="xs:string"/>
-    <xs:element name="BDCAssociatedEntity">
-      <xs:complexType>
-        <xs:sequence>
-          <xs:element ref="pc:BDCEntity" minOccurs="0" maxOccurs="unbounded"/>
-        </xs:sequence>
-        <xs:attribute ref="pc:EntityNamespace"/>
-        <xs:attribute ref="pc:EntityName"/>
-        <xs:attribute ref="pc:SystemInstanceName"/>
-        <xs:attribute ref="pc:AssociationName"/>
-      </xs:complexType>
-    </xs:element>
-    <xs:attribute name="EntityNamespace" type="xs:string"/>
-    <xs:attribute name="EntityName" type="xs:string"/>
-    <xs:attribute name="SystemInstanceName" type="xs:string"/>
-    <xs:attribute name="AssociationName" type="xs:string"/>
-    <xs:element name="BDCEntity">
-      <xs:complexType>
-        <xs:sequence>
-          <xs:element ref="pc:EntityDisplayName" minOccurs="0"/>
-          <xs:element ref="pc:EntityInstanceReference" minOccurs="0"/>
-          <xs:element ref="pc:EntityId1" minOccurs="0"/>
-          <xs:element ref="pc:EntityId2" minOccurs="0"/>
-          <xs:element ref="pc:EntityId3" minOccurs="0"/>
-          <xs:element ref="pc:EntityId4" minOccurs="0"/>
-          <xs:element ref="pc:EntityId5" minOccurs="0"/>
-        </xs:sequence>
-      </xs:complexType>
-    </xs:element>
-    <xs:element name="EntityDisplayName" type="xs:string"/>
-    <xs:element name="EntityInstanceReference" type="xs:string"/>
-    <xs:element name="EntityId1" type="xs:string"/>
-    <xs:element name="EntityId2" type="xs:string"/>
-    <xs:element name="EntityId3" type="xs:string"/>
-    <xs:element name="EntityId4" type="xs:string"/>
-    <xs:element name="EntityId5" type="xs:string"/>
-    <xs:element name="Terms">
-      <xs:complexType>
-        <xs:sequence>
-          <xs:element ref="pc:TermInfo" minOccurs="0" maxOccurs="unbounded"/>
-        </xs:sequence>
-      </xs:complexType>
-    </xs:element>
-    <xs:element name="TermInfo">
-      <xs:complexType>
-        <xs:sequence>
-          <xs:element ref="pc:TermName" minOccurs="0"/>
-          <xs:element ref="pc:TermId" minOccurs="0"/>
-        </xs:sequence>
-      </xs:complexType>
-    </xs:element>
-    <xs:element name="TermName" type="xs:string"/>
-    <xs:element name="TermId" type="xs:string"/>
-  </xs:schema>
-</ct:contentTypeSchema>
-</file>
-
-<file path=customXml/item2.xml><?xml version="1.0" encoding="utf-8"?>
-<p:properties xmlns:p="http://schemas.microsoft.com/office/2006/metadata/properties" xmlns:xsi="http://www.w3.org/2001/XMLSchema-instance" xmlns:pc="http://schemas.microsoft.com/office/infopath/2007/PartnerControls">
-  <documentManagement>
-    <lcf76f155ced4ddcb4097134ff3c332f xmlns="c3b764ad-fc4d-4b1e-8c57-56438e39c46a">
-      <Terms xmlns="http://schemas.microsoft.com/office/infopath/2007/PartnerControls"/>
-    </lcf76f155ced4ddcb4097134ff3c332f>
-    <TaxCatchAll xmlns="0a1bd3c1-cc8e-4413-9ce9-87da13231f2f" xsi:nil="true"/>
-  </documentManagement>
-</p:properties>
-</file>
-
-<file path=customXml/item3.xml><?xml version="1.0" encoding="utf-8"?>
-<?mso-contentType ?>
-<FormTemplates xmlns="http://schemas.microsoft.com/sharepoint/v3/contenttype/forms">
-  <Display>DocumentLibraryForm</Display>
-  <Edit>DocumentLibraryForm</Edit>
-  <New>DocumentLibraryForm</New>
-</FormTemplates>
-</file>
-
-<file path=customXml/itemProps1.xml><?xml version="1.0" encoding="utf-8"?>
-<ds:datastoreItem xmlns:ds="http://schemas.openxmlformats.org/officeDocument/2006/customXml" ds:itemID="{A668821A-CA9E-4378-A9F9-2F4632F6F1E9}">
-  <ds:schemaRefs>
-    <ds:schemaRef ds:uri="http://schemas.microsoft.com/office/2006/metadata/contentType"/>
-    <ds:schemaRef ds:uri="http://schemas.microsoft.com/office/2006/metadata/properties/metaAttributes"/>
-    <ds:schemaRef ds:uri="http://www.w3.org/2001/XMLSchema"/>
-    <ds:schemaRef ds:uri="http://schemas.microsoft.com/office/2006/metadata/properties"/>
-    <ds:schemaRef ds:uri="c3b764ad-fc4d-4b1e-8c57-56438e39c46a"/>
-    <ds:schemaRef ds:uri="0a1bd3c1-cc8e-4413-9ce9-87da13231f2f"/>
-    <ds:schemaRef ds:uri="http://schemas.microsoft.com/office/2006/documentManagement/types"/>
-    <ds:schemaRef ds:uri="http://schemas.microsoft.com/office/infopath/2007/PartnerControls"/>
-    <ds:schemaRef ds:uri="http://schemas.openxmlformats.org/package/2006/metadata/core-properties"/>
-    <ds:schemaRef ds:uri="http://purl.org/dc/elements/1.1/"/>
-    <ds:schemaRef ds:uri="http://purl.org/dc/terms/"/>
-    <ds:schemaRef ds:uri="http://schemas.microsoft.com/internal/obd"/>
-  </ds:schemaRefs>
-</ds:datastoreItem>
-</file>
-
-<file path=customXml/itemProps2.xml><?xml version="1.0" encoding="utf-8"?>
-<ds:datastoreItem xmlns:ds="http://schemas.openxmlformats.org/officeDocument/2006/customXml" ds:itemID="{640312B3-25B8-495F-A47F-898A1CEAECC1}">
-  <ds:schemaRefs>
-    <ds:schemaRef ds:uri="http://schemas.microsoft.com/office/2006/metadata/properties"/>
-    <ds:schemaRef ds:uri="http://schemas.microsoft.com/office/infopath/2007/PartnerControls"/>
-    <ds:schemaRef ds:uri="c3b764ad-fc4d-4b1e-8c57-56438e39c46a"/>
-    <ds:schemaRef ds:uri="0a1bd3c1-cc8e-4413-9ce9-87da13231f2f"/>
-  </ds:schemaRefs>
-</ds:datastoreItem>
-</file>
-
-<file path=customXml/itemProps3.xml><?xml version="1.0" encoding="utf-8"?>
-<ds:datastoreItem xmlns:ds="http://schemas.openxmlformats.org/officeDocument/2006/customXml" ds:itemID="{8C4D2051-8F6B-464E-BD85-3B94DB766051}">
-  <ds:schemaRefs>
-    <ds:schemaRef ds:uri="http://schemas.microsoft.com/sharepoint/v3/contenttype/forms"/>
-  </ds:schemaRefs>
-</ds:datastoreItem>
 </file>